--- a/docs/final-presen/final_hagihara.pptx
+++ b/docs/final-presen/final_hagihara.pptx
@@ -219,7 +219,7 @@
           <a:p>
             <a:fld id="{B4646E02-4AB7-8D40-B256-3920728DD310}" type="datetimeFigureOut">
               <a:rPr kumimoji="1" lang="ja-JP" altLang="en-US" smtClean="0"/>
-              <a:t>2018/1/25</a:t>
+              <a:t>2018/1/31</a:t>
             </a:fld>
             <a:endParaRPr kumimoji="1" lang="ja-JP" altLang="en-US"/>
           </a:p>
@@ -1593,7 +1593,7 @@
           <a:p>
             <a:fld id="{C764DE79-268F-4C1A-8933-263129D2AF90}" type="datetimeFigureOut">
               <a:rPr lang="en-US" dirty="0"/>
-              <a:t>1/25/18</a:t>
+              <a:t>1/31/18</a:t>
             </a:fld>
             <a:endParaRPr lang="en-US" dirty="0"/>
           </a:p>
@@ -1944,7 +1944,7 @@
           <a:p>
             <a:fld id="{FEADE02B-27BC-6D48-8820-5A877B98ECB7}" type="datetimeFigureOut">
               <a:rPr kumimoji="1" lang="ja-JP" altLang="en-US" smtClean="0"/>
-              <a:t>2018/1/25</a:t>
+              <a:t>2018/1/31</a:t>
             </a:fld>
             <a:endParaRPr kumimoji="1" lang="ja-JP" altLang="en-US"/>
           </a:p>
@@ -2057,7 +2057,7 @@
           <a:p>
             <a:fld id="{C764DE79-268F-4C1A-8933-263129D2AF90}" type="datetimeFigureOut">
               <a:rPr lang="en-US" dirty="0"/>
-              <a:t>1/25/18</a:t>
+              <a:t>1/31/18</a:t>
             </a:fld>
             <a:endParaRPr lang="en-US" dirty="0"/>
           </a:p>
@@ -2345,7 +2345,7 @@
           <a:p>
             <a:fld id="{FEADE02B-27BC-6D48-8820-5A877B98ECB7}" type="datetimeFigureOut">
               <a:rPr kumimoji="1" lang="ja-JP" altLang="en-US" smtClean="0"/>
-              <a:t>2018/1/25</a:t>
+              <a:t>2018/1/31</a:t>
             </a:fld>
             <a:endParaRPr kumimoji="1" lang="ja-JP" altLang="en-US"/>
           </a:p>
@@ -9889,8 +9889,8 @@
         </p:nvSpPr>
         <p:spPr>
           <a:xfrm>
-            <a:off x="0" y="1587063"/>
-            <a:ext cx="12349655" cy="4524315"/>
+            <a:off x="0" y="1489958"/>
+            <a:ext cx="12349655" cy="5078313"/>
           </a:xfrm>
           <a:prstGeom prst="rect">
             <a:avLst/>
@@ -10240,12 +10240,20 @@
               </a:lnSpc>
             </a:pPr>
             <a:r>
+              <a:rPr lang="ja-JP" altLang="en-US" sz="2400" dirty="0">
+                <a:latin typeface="Meiryo" charset="-128"/>
+                <a:ea typeface="Meiryo" charset="-128"/>
+                <a:cs typeface="Meiryo" charset="-128"/>
+              </a:rPr>
+              <a:t>     </a:t>
+            </a:r>
+            <a:r>
               <a:rPr lang="en-US" altLang="ja-JP" sz="2400" dirty="0">
                 <a:latin typeface="Meiryo" charset="-128"/>
                 <a:ea typeface="Meiryo" charset="-128"/>
                 <a:cs typeface="Meiryo" charset="-128"/>
               </a:rPr>
-              <a:t>	(a) </a:t>
+              <a:t>(a) </a:t>
             </a:r>
             <a:r>
               <a:rPr lang="ja-JP" altLang="en-US" sz="2400" dirty="0">
@@ -10288,20 +10296,12 @@
               <a:t>の</a:t>
             </a:r>
             <a:r>
-              <a:rPr lang="en-US" altLang="ja-JP" sz="2400" dirty="0">
-                <a:latin typeface="Meiryo" charset="-128"/>
-                <a:ea typeface="Meiryo" charset="-128"/>
-                <a:cs typeface="Meiryo" charset="-128"/>
-              </a:rPr>
-              <a:t> </a:t>
-            </a:r>
-            <a:r>
-              <a:rPr lang="ja-JP" altLang="en-US" sz="2400" dirty="0">
-                <a:latin typeface="Meiryo" charset="-128"/>
-                <a:ea typeface="Meiryo" charset="-128"/>
-                <a:cs typeface="Meiryo" charset="-128"/>
-              </a:rPr>
-              <a:t>BIC</a:t>
+              <a:rPr lang="ja-JP" altLang="en-US" sz="2400" b="1" dirty="0">
+                <a:latin typeface="Meiryo" charset="-128"/>
+                <a:ea typeface="Meiryo" charset="-128"/>
+                <a:cs typeface="Meiryo" charset="-128"/>
+              </a:rPr>
+              <a:t>情報量規準</a:t>
             </a:r>
             <a:r>
               <a:rPr lang="ja-JP" altLang="en-US" sz="2400" i="1" baseline="-25000" dirty="0">
@@ -10340,12 +10340,20 @@
               </a:lnSpc>
             </a:pPr>
             <a:r>
+              <a:rPr lang="ja-JP" altLang="en-US" sz="2400" dirty="0">
+                <a:latin typeface="Meiryo" charset="-128"/>
+                <a:ea typeface="Meiryo" charset="-128"/>
+                <a:cs typeface="Meiryo" charset="-128"/>
+              </a:rPr>
+              <a:t>     </a:t>
+            </a:r>
+            <a:r>
               <a:rPr lang="en-US" altLang="ja-JP" sz="2400" dirty="0">
                 <a:latin typeface="Meiryo" charset="-128"/>
                 <a:ea typeface="Meiryo" charset="-128"/>
                 <a:cs typeface="Meiryo" charset="-128"/>
               </a:rPr>
-              <a:t>	(b) </a:t>
+              <a:t>(b) </a:t>
             </a:r>
             <a:r>
               <a:rPr lang="ja-JP" altLang="en-US" sz="2400" dirty="0">
@@ -10448,12 +10456,12 @@
               </a:lnSpc>
             </a:pPr>
             <a:r>
-              <a:rPr lang="en-US" altLang="ja-JP" sz="2400" dirty="0">
-                <a:latin typeface="Meiryo" charset="-128"/>
-                <a:ea typeface="Meiryo" charset="-128"/>
-                <a:cs typeface="Meiryo" charset="-128"/>
-              </a:rPr>
-              <a:t>	</a:t>
+              <a:rPr lang="ja-JP" altLang="en-US" sz="2400" dirty="0">
+                <a:latin typeface="Meiryo" charset="-128"/>
+                <a:ea typeface="Meiryo" charset="-128"/>
+                <a:cs typeface="Meiryo" charset="-128"/>
+              </a:rPr>
+              <a:t>     </a:t>
             </a:r>
             <a:r>
               <a:rPr lang="de-DE" altLang="ja-JP" sz="2400" dirty="0">
@@ -10472,20 +10480,12 @@
               <a:t>クラスタ数2としてクラスタリングした結果に対し</a:t>
             </a:r>
             <a:r>
-              <a:rPr lang="en-US" altLang="ja-JP" sz="2400" dirty="0">
-                <a:latin typeface="Meiryo" charset="-128"/>
-                <a:ea typeface="Meiryo" charset="-128"/>
-                <a:cs typeface="Meiryo" charset="-128"/>
-              </a:rPr>
-              <a:t> </a:t>
-            </a:r>
-            <a:r>
-              <a:rPr lang="ja-JP" altLang="en-US" sz="2400" dirty="0">
-                <a:latin typeface="Meiryo" charset="-128"/>
-                <a:ea typeface="Meiryo" charset="-128"/>
-                <a:cs typeface="Meiryo" charset="-128"/>
-              </a:rPr>
-              <a:t>BIC’</a:t>
+              <a:rPr lang="ja-JP" altLang="en-US" sz="2400" b="1" dirty="0">
+                <a:latin typeface="Meiryo" charset="-128"/>
+                <a:ea typeface="Meiryo" charset="-128"/>
+                <a:cs typeface="Meiryo" charset="-128"/>
+              </a:rPr>
+              <a:t>情報量規準’</a:t>
             </a:r>
             <a:r>
               <a:rPr lang="ja-JP" altLang="en-US" sz="2400" i="1" baseline="-25000" dirty="0">
@@ -10516,12 +10516,44 @@
               </a:lnSpc>
             </a:pPr>
             <a:r>
+              <a:rPr lang="ja-JP" altLang="en-US" sz="2400" dirty="0">
+                <a:latin typeface="Meiryo" charset="-128"/>
+                <a:ea typeface="Meiryo" charset="-128"/>
+                <a:cs typeface="Meiryo" charset="-128"/>
+              </a:rPr>
+              <a:t>     </a:t>
+            </a:r>
+            <a:r>
               <a:rPr lang="en-US" altLang="ja-JP" sz="2400" dirty="0">
                 <a:latin typeface="Meiryo" charset="-128"/>
                 <a:ea typeface="Meiryo" charset="-128"/>
                 <a:cs typeface="Meiryo" charset="-128"/>
               </a:rPr>
-              <a:t>	(d) </a:t>
+              <a:t>(d) </a:t>
+            </a:r>
+            <a:r>
+              <a:rPr lang="ja-JP" altLang="en-US" sz="2400" b="1" dirty="0">
+                <a:latin typeface="Meiryo" charset="-128"/>
+                <a:ea typeface="Meiryo" charset="-128"/>
+                <a:cs typeface="Meiryo" charset="-128"/>
+              </a:rPr>
+              <a:t>情報量規準</a:t>
+            </a:r>
+            <a:r>
+              <a:rPr lang="ja-JP" altLang="en-US" sz="2400" i="1" baseline="-25000" dirty="0">
+                <a:latin typeface="Meiryo" charset="-128"/>
+                <a:ea typeface="Meiryo" charset="-128"/>
+                <a:cs typeface="Meiryo" charset="-128"/>
+              </a:rPr>
+              <a:t>j</a:t>
+            </a:r>
+            <a:r>
+              <a:rPr lang="en-US" altLang="ja-JP" sz="2400" i="1" baseline="-25000" dirty="0">
+                <a:latin typeface="Meiryo" charset="-128"/>
+                <a:ea typeface="Meiryo" charset="-128"/>
+                <a:cs typeface="Meiryo" charset="-128"/>
+              </a:rPr>
+              <a:t> </a:t>
             </a:r>
             <a:r>
               <a:rPr lang="ja-JP" altLang="en-US" sz="2400" dirty="0">
@@ -10529,7 +10561,15 @@
                 <a:ea typeface="Meiryo" charset="-128"/>
                 <a:cs typeface="Meiryo" charset="-128"/>
               </a:rPr>
-              <a:t>BIC</a:t>
+              <a:t>と</a:t>
+            </a:r>
+            <a:r>
+              <a:rPr lang="ja-JP" altLang="en-US" sz="2400" b="1" dirty="0">
+                <a:latin typeface="Meiryo" charset="-128"/>
+                <a:ea typeface="Meiryo" charset="-128"/>
+                <a:cs typeface="Meiryo" charset="-128"/>
+              </a:rPr>
+              <a:t>情報量規準‘</a:t>
             </a:r>
             <a:r>
               <a:rPr lang="ja-JP" altLang="en-US" sz="2400" i="1" baseline="-25000" dirty="0">
@@ -10553,15 +10593,54 @@
                 <a:ea typeface="Meiryo" charset="-128"/>
                 <a:cs typeface="Meiryo" charset="-128"/>
               </a:rPr>
-              <a:t>と</a:t>
-            </a:r>
-            <a:r>
+              <a:t>を比較し，</a:t>
+            </a:r>
+            <a:r>
+              <a:rPr lang="ja-JP" altLang="en-US" sz="2400" b="1" dirty="0">
+                <a:latin typeface="Meiryo" charset="-128"/>
+                <a:ea typeface="Meiryo" charset="-128"/>
+                <a:cs typeface="Meiryo" charset="-128"/>
+              </a:rPr>
+              <a:t>情報量規準’</a:t>
+            </a:r>
+            <a:r>
+              <a:rPr lang="ja-JP" altLang="en-US" sz="2400" i="1" baseline="-25000" dirty="0">
+                <a:latin typeface="Meiryo" charset="-128"/>
+                <a:ea typeface="Meiryo" charset="-128"/>
+                <a:cs typeface="Meiryo" charset="-128"/>
+              </a:rPr>
+              <a:t>j</a:t>
+            </a:r>
+            <a:r>
+              <a:rPr lang="en-US" altLang="ja-JP" sz="2400" i="1" baseline="-25000" dirty="0">
+                <a:latin typeface="Meiryo" charset="-128"/>
+                <a:ea typeface="Meiryo" charset="-128"/>
+                <a:cs typeface="Meiryo" charset="-128"/>
+              </a:rPr>
+              <a:t> </a:t>
+            </a:r>
+            <a:r>
+              <a:rPr lang="ja-JP" altLang="en-US" sz="2400" dirty="0">
+                <a:latin typeface="Meiryo" charset="-128"/>
+                <a:ea typeface="Meiryo" charset="-128"/>
+                <a:cs typeface="Meiryo" charset="-128"/>
+              </a:rPr>
+              <a:t>が大きければ</a:t>
+            </a:r>
+            <a:br>
               <a:rPr lang="en-US" altLang="ja-JP" sz="2400" dirty="0">
                 <a:latin typeface="Meiryo" charset="-128"/>
                 <a:ea typeface="Meiryo" charset="-128"/>
                 <a:cs typeface="Meiryo" charset="-128"/>
               </a:rPr>
-              <a:t> </a:t>
+            </a:br>
+            <a:r>
+              <a:rPr lang="en-US" altLang="ja-JP" sz="2400" dirty="0">
+                <a:latin typeface="Meiryo" charset="-128"/>
+                <a:ea typeface="Meiryo" charset="-128"/>
+                <a:cs typeface="Meiryo" charset="-128"/>
+              </a:rPr>
+              <a:t>									</a:t>
             </a:r>
             <a:r>
               <a:rPr lang="ja-JP" altLang="en-US" sz="2400" dirty="0">
@@ -10569,55 +10648,7 @@
                 <a:ea typeface="Meiryo" charset="-128"/>
                 <a:cs typeface="Meiryo" charset="-128"/>
               </a:rPr>
-              <a:t>BIC‘</a:t>
-            </a:r>
-            <a:r>
-              <a:rPr lang="ja-JP" altLang="en-US" sz="2400" i="1" baseline="-25000" dirty="0">
-                <a:latin typeface="Meiryo" charset="-128"/>
-                <a:ea typeface="Meiryo" charset="-128"/>
-                <a:cs typeface="Meiryo" charset="-128"/>
-              </a:rPr>
-              <a:t>j</a:t>
-            </a:r>
-            <a:r>
-              <a:rPr lang="en-US" altLang="ja-JP" sz="2400" i="1" baseline="-25000" dirty="0">
-                <a:latin typeface="Meiryo" charset="-128"/>
-                <a:ea typeface="Meiryo" charset="-128"/>
-                <a:cs typeface="Meiryo" charset="-128"/>
-              </a:rPr>
-              <a:t> </a:t>
-            </a:r>
-            <a:r>
-              <a:rPr lang="ja-JP" altLang="en-US" sz="2400" dirty="0">
-                <a:latin typeface="Meiryo" charset="-128"/>
-                <a:ea typeface="Meiryo" charset="-128"/>
-                <a:cs typeface="Meiryo" charset="-128"/>
-              </a:rPr>
-              <a:t>を比較し，BIC’</a:t>
-            </a:r>
-            <a:r>
-              <a:rPr lang="ja-JP" altLang="en-US" sz="2400" i="1" baseline="-25000" dirty="0">
-                <a:latin typeface="Meiryo" charset="-128"/>
-                <a:ea typeface="Meiryo" charset="-128"/>
-                <a:cs typeface="Meiryo" charset="-128"/>
-              </a:rPr>
-              <a:t>j</a:t>
-            </a:r>
-            <a:r>
-              <a:rPr lang="en-US" altLang="ja-JP" sz="2400" i="1" baseline="-25000" dirty="0">
-                <a:latin typeface="Meiryo" charset="-128"/>
-                <a:ea typeface="Meiryo" charset="-128"/>
-                <a:cs typeface="Meiryo" charset="-128"/>
-              </a:rPr>
-              <a:t> </a:t>
-            </a:r>
-            <a:r>
-              <a:rPr lang="ja-JP" altLang="en-US" sz="2400" dirty="0">
-                <a:latin typeface="Meiryo" charset="-128"/>
-                <a:ea typeface="Meiryo" charset="-128"/>
-                <a:cs typeface="Meiryo" charset="-128"/>
-              </a:rPr>
-              <a:t>が大きければクラスタ数</a:t>
+              <a:t>   クラスタ数</a:t>
             </a:r>
             <a:r>
               <a:rPr lang="ja-JP" altLang="en-US" sz="2400" i="1" dirty="0">

--- a/docs/final-presen/final_hagihara.pptx
+++ b/docs/final-presen/final_hagihara.pptx
@@ -219,7 +219,7 @@
           <a:p>
             <a:fld id="{B4646E02-4AB7-8D40-B256-3920728DD310}" type="datetimeFigureOut">
               <a:rPr kumimoji="1" lang="ja-JP" altLang="en-US" smtClean="0"/>
-              <a:t>2018/1/31</a:t>
+              <a:t>2018/2/19</a:t>
             </a:fld>
             <a:endParaRPr kumimoji="1" lang="ja-JP" altLang="en-US"/>
           </a:p>
@@ -646,6 +646,109 @@
           <a:bodyPr/>
           <a:lstStyle/>
           <a:p>
+            <a:r>
+              <a:rPr kumimoji="1" lang="ja-JP" altLang="en-US" dirty="0"/>
+              <a:t>人工的に</a:t>
+            </a:r>
+            <a:r>
+              <a:rPr kumimoji="1" lang="en-US" altLang="ja-JP" dirty="0"/>
+              <a:t>2</a:t>
+            </a:r>
+            <a:r>
+              <a:rPr kumimoji="1" lang="ja-JP" altLang="en-US" dirty="0"/>
+              <a:t>次元もしくは</a:t>
+            </a:r>
+            <a:r>
+              <a:rPr kumimoji="1" lang="en-US" altLang="ja-JP" dirty="0"/>
+              <a:t>3</a:t>
+            </a:r>
+            <a:r>
+              <a:rPr kumimoji="1" lang="ja-JP" altLang="en-US" dirty="0"/>
+              <a:t>次元のデータを生成</a:t>
+            </a:r>
+          </a:p>
+        </p:txBody>
+      </p:sp>
+      <p:sp>
+        <p:nvSpPr>
+          <p:cNvPr id="4" name="スライド番号プレースホルダー 3"/>
+          <p:cNvSpPr>
+            <a:spLocks noGrp="1"/>
+          </p:cNvSpPr>
+          <p:nvPr>
+            <p:ph type="sldNum" sz="quarter" idx="10"/>
+          </p:nvPr>
+        </p:nvSpPr>
+        <p:spPr/>
+        <p:txBody>
+          <a:bodyPr/>
+          <a:lstStyle/>
+          <a:p>
+            <a:fld id="{F78381A3-C678-7B48-BA42-399B1155E4C3}" type="slidenum">
+              <a:rPr kumimoji="1" lang="ja-JP" altLang="en-US" smtClean="0"/>
+              <a:t>16</a:t>
+            </a:fld>
+            <a:endParaRPr kumimoji="1" lang="ja-JP" altLang="en-US"/>
+          </a:p>
+        </p:txBody>
+      </p:sp>
+    </p:spTree>
+    <p:extLst>
+      <p:ext uri="{BB962C8B-B14F-4D97-AF65-F5344CB8AC3E}">
+        <p14:creationId xmlns:p14="http://schemas.microsoft.com/office/powerpoint/2010/main" val="752522009"/>
+      </p:ext>
+    </p:extLst>
+  </p:cSld>
+  <p:clrMapOvr>
+    <a:masterClrMapping/>
+  </p:clrMapOvr>
+</p:notes>
+</file>
+
+<file path=ppt/notesSlides/notesSlide11.xml><?xml version="1.0" encoding="utf-8"?>
+<p:notes xmlns:a="http://schemas.openxmlformats.org/drawingml/2006/main" xmlns:r="http://schemas.openxmlformats.org/officeDocument/2006/relationships" xmlns:p="http://schemas.openxmlformats.org/presentationml/2006/main">
+  <p:cSld>
+    <p:spTree>
+      <p:nvGrpSpPr>
+        <p:cNvPr id="1" name=""/>
+        <p:cNvGrpSpPr/>
+        <p:nvPr/>
+      </p:nvGrpSpPr>
+      <p:grpSpPr>
+        <a:xfrm>
+          <a:off x="0" y="0"/>
+          <a:ext cx="0" cy="0"/>
+          <a:chOff x="0" y="0"/>
+          <a:chExt cx="0" cy="0"/>
+        </a:xfrm>
+      </p:grpSpPr>
+      <p:sp>
+        <p:nvSpPr>
+          <p:cNvPr id="2" name="スライド イメージ プレースホルダー 1"/>
+          <p:cNvSpPr>
+            <a:spLocks noGrp="1" noRot="1" noChangeAspect="1"/>
+          </p:cNvSpPr>
+          <p:nvPr>
+            <p:ph type="sldImg"/>
+          </p:nvPr>
+        </p:nvSpPr>
+        <p:spPr/>
+      </p:sp>
+      <p:sp>
+        <p:nvSpPr>
+          <p:cNvPr id="3" name="ノート プレースホルダー 2"/>
+          <p:cNvSpPr>
+            <a:spLocks noGrp="1"/>
+          </p:cNvSpPr>
+          <p:nvPr>
+            <p:ph type="body" idx="1"/>
+          </p:nvPr>
+        </p:nvSpPr>
+        <p:spPr/>
+        <p:txBody>
+          <a:bodyPr/>
+          <a:lstStyle/>
+          <a:p>
             <a:endParaRPr kumimoji="1" lang="ja-JP" altLang="en-US" dirty="0"/>
           </a:p>
         </p:txBody>
@@ -1405,24 +1508,13 @@
           <a:p>
             <a:r>
               <a:rPr kumimoji="1" lang="ja-JP" altLang="en-US" dirty="0"/>
-              <a:t>人工的に</a:t>
+              <a:t>クラスタ数を指定することなくクラスタリングを行う手法 </a:t>
             </a:r>
             <a:r>
               <a:rPr kumimoji="1" lang="en-US" altLang="ja-JP" dirty="0"/>
-              <a:t>2</a:t>
-            </a:r>
-            <a:r>
-              <a:rPr kumimoji="1" lang="ja-JP" altLang="en-US" dirty="0"/>
-              <a:t>次元もしくは</a:t>
-            </a:r>
-            <a:r>
-              <a:rPr kumimoji="1" lang="en-US" altLang="ja-JP" dirty="0"/>
-              <a:t>3</a:t>
-            </a:r>
-            <a:r>
-              <a:rPr kumimoji="1" lang="ja-JP" altLang="en-US" dirty="0"/>
-              <a:t>次元のデータを生成</a:t>
-            </a:r>
+              <a:t>(Mean shift)</a:t>
+            </a:r>
+            <a:endParaRPr kumimoji="1" lang="ja-JP" altLang="en-US" dirty="0"/>
           </a:p>
         </p:txBody>
       </p:sp>
@@ -1443,7 +1535,7 @@
           <a:p>
             <a:fld id="{F78381A3-C678-7B48-BA42-399B1155E4C3}" type="slidenum">
               <a:rPr kumimoji="1" lang="ja-JP" altLang="en-US" smtClean="0"/>
-              <a:t>16</a:t>
+              <a:t>12</a:t>
             </a:fld>
             <a:endParaRPr kumimoji="1" lang="ja-JP" altLang="en-US"/>
           </a:p>
@@ -1452,7 +1544,7 @@
     </p:spTree>
     <p:extLst>
       <p:ext uri="{BB962C8B-B14F-4D97-AF65-F5344CB8AC3E}">
-        <p14:creationId xmlns:p14="http://schemas.microsoft.com/office/powerpoint/2010/main" val="752522009"/>
+        <p14:creationId xmlns:p14="http://schemas.microsoft.com/office/powerpoint/2010/main" val="3032337262"/>
       </p:ext>
     </p:extLst>
   </p:cSld>
@@ -1593,7 +1685,7 @@
           <a:p>
             <a:fld id="{C764DE79-268F-4C1A-8933-263129D2AF90}" type="datetimeFigureOut">
               <a:rPr lang="en-US" dirty="0"/>
-              <a:t>1/31/18</a:t>
+              <a:t>2/19/18</a:t>
             </a:fld>
             <a:endParaRPr lang="en-US" dirty="0"/>
           </a:p>
@@ -1944,7 +2036,7 @@
           <a:p>
             <a:fld id="{FEADE02B-27BC-6D48-8820-5A877B98ECB7}" type="datetimeFigureOut">
               <a:rPr kumimoji="1" lang="ja-JP" altLang="en-US" smtClean="0"/>
-              <a:t>2018/1/31</a:t>
+              <a:t>2018/2/19</a:t>
             </a:fld>
             <a:endParaRPr kumimoji="1" lang="ja-JP" altLang="en-US"/>
           </a:p>
@@ -2057,7 +2149,7 @@
           <a:p>
             <a:fld id="{C764DE79-268F-4C1A-8933-263129D2AF90}" type="datetimeFigureOut">
               <a:rPr lang="en-US" dirty="0"/>
-              <a:t>1/31/18</a:t>
+              <a:t>2/19/18</a:t>
             </a:fld>
             <a:endParaRPr lang="en-US" dirty="0"/>
           </a:p>
@@ -2345,7 +2437,7 @@
           <a:p>
             <a:fld id="{FEADE02B-27BC-6D48-8820-5A877B98ECB7}" type="datetimeFigureOut">
               <a:rPr kumimoji="1" lang="ja-JP" altLang="en-US" smtClean="0"/>
-              <a:t>2018/1/31</a:t>
+              <a:t>2018/2/19</a:t>
             </a:fld>
             <a:endParaRPr kumimoji="1" lang="ja-JP" altLang="en-US"/>
           </a:p>
@@ -2972,31 +3064,37 @@
       </p:cxnSp>
       <p:sp>
         <p:nvSpPr>
-          <p:cNvPr id="5" name="テキスト ボックス 4"/>
-          <p:cNvSpPr txBox="1"/>
+          <p:cNvPr id="5" name="正方形/長方形 4">
+            <a:extLst>
+              <a:ext uri="{FF2B5EF4-FFF2-40B4-BE49-F238E27FC236}">
+                <a16:creationId xmlns:a16="http://schemas.microsoft.com/office/drawing/2014/main" id="{D63EC6CC-6589-6844-9347-C4BA70722B5F}"/>
+              </a:ext>
+            </a:extLst>
+          </p:cNvPr>
+          <p:cNvSpPr/>
           <p:nvPr/>
         </p:nvSpPr>
         <p:spPr>
           <a:xfrm>
-            <a:off x="327877" y="269695"/>
-            <a:ext cx="747962" cy="461665"/>
+            <a:off x="423997" y="327540"/>
+            <a:ext cx="739783" cy="523220"/>
           </a:xfrm>
           <a:prstGeom prst="rect">
             <a:avLst/>
           </a:prstGeom>
-          <a:noFill/>
         </p:spPr>
         <p:txBody>
-          <a:bodyPr wrap="none" rtlCol="0">
+          <a:bodyPr wrap="square">
             <a:spAutoFit/>
           </a:bodyPr>
           <a:lstStyle/>
           <a:p>
-            <a:r>
-              <a:rPr lang="en-US" altLang="ja-JP" sz="2400" dirty="0"/>
-              <a:t>X-XX</a:t>
-            </a:r>
-            <a:endParaRPr lang="ja-JP" altLang="en-US" sz="2400" dirty="0"/>
+            <a:pPr algn="ctr"/>
+            <a:r>
+              <a:rPr lang="en-US" altLang="ja-JP" sz="2800" b="1" dirty="0"/>
+              <a:t>24</a:t>
+            </a:r>
+            <a:endParaRPr lang="ja-JP" altLang="en-US" sz="2800" b="1" dirty="0"/>
           </a:p>
         </p:txBody>
       </p:sp>
@@ -4555,7 +4653,7 @@
         </p:nvSpPr>
         <p:spPr>
           <a:xfrm>
-            <a:off x="838200" y="4559769"/>
+            <a:off x="603868" y="4543585"/>
             <a:ext cx="10984264" cy="2112114"/>
           </a:xfrm>
         </p:spPr>
@@ -5230,7 +5328,7 @@
           <p:nvPr/>
         </p:nvPicPr>
         <p:blipFill>
-          <a:blip r:embed="rId2"/>
+          <a:blip r:embed="rId3"/>
           <a:stretch>
             <a:fillRect/>
           </a:stretch>
@@ -7617,7 +7715,7 @@
         <p:spPr>
           <a:xfrm>
             <a:off x="261257" y="1184611"/>
-            <a:ext cx="11587859" cy="569544"/>
+            <a:ext cx="11587859" cy="460835"/>
           </a:xfrm>
         </p:spPr>
         <p:txBody>
@@ -7642,15 +7740,15 @@
               <a:defRPr/>
             </a:pPr>
             <a:r>
-              <a:rPr kumimoji="1" lang="ja-JP" altLang="en-US" dirty="0"/>
+              <a:rPr kumimoji="1" lang="ja-JP" altLang="en-US" sz="2400" dirty="0"/>
               <a:t>推定されたモデル</a:t>
             </a:r>
             <a:r>
-              <a:rPr kumimoji="1" lang="en-US" altLang="ja-JP" dirty="0"/>
+              <a:rPr kumimoji="1" lang="en-US" altLang="ja-JP" sz="2400" dirty="0"/>
               <a:t> </a:t>
             </a:r>
             <a:r>
-              <a:rPr kumimoji="1" lang="en-US" altLang="ja-JP" i="1" dirty="0">
+              <a:rPr kumimoji="1" lang="en-US" altLang="ja-JP" sz="2400" i="1" dirty="0">
                 <a:latin typeface="Times New Roman" charset="0"/>
                 <a:ea typeface="Times New Roman" charset="0"/>
                 <a:cs typeface="Times New Roman" charset="0"/>
@@ -7658,7 +7756,7 @@
               <a:t>f</a:t>
             </a:r>
             <a:r>
-              <a:rPr kumimoji="1" lang="en-US" altLang="ja-JP" dirty="0">
+              <a:rPr kumimoji="1" lang="en-US" altLang="ja-JP" sz="2400" dirty="0">
                 <a:latin typeface="Times New Roman" charset="0"/>
                 <a:ea typeface="Times New Roman" charset="0"/>
                 <a:cs typeface="Times New Roman" charset="0"/>
@@ -7666,7 +7764,7 @@
               <a:t>(</a:t>
             </a:r>
             <a:r>
-              <a:rPr kumimoji="1" lang="en-US" altLang="ja-JP" i="1" dirty="0">
+              <a:rPr kumimoji="1" lang="en-US" altLang="ja-JP" sz="2400" i="1" dirty="0">
                 <a:latin typeface="Times New Roman" charset="0"/>
                 <a:ea typeface="Times New Roman" charset="0"/>
                 <a:cs typeface="Times New Roman" charset="0"/>
@@ -7674,7 +7772,7 @@
               <a:t>x</a:t>
             </a:r>
             <a:r>
-              <a:rPr kumimoji="1" lang="en-US" altLang="ja-JP" dirty="0">
+              <a:rPr kumimoji="1" lang="en-US" altLang="ja-JP" sz="2400" dirty="0">
                 <a:latin typeface="Times New Roman" charset="0"/>
                 <a:ea typeface="Times New Roman" charset="0"/>
                 <a:cs typeface="Times New Roman" charset="0"/>
@@ -7682,19 +7780,19 @@
               <a:t>)</a:t>
             </a:r>
             <a:r>
-              <a:rPr kumimoji="1" lang="en-US" altLang="ja-JP" dirty="0"/>
+              <a:rPr kumimoji="1" lang="en-US" altLang="ja-JP" sz="2400" dirty="0"/>
               <a:t> </a:t>
             </a:r>
             <a:r>
-              <a:rPr kumimoji="1" lang="ja-JP" altLang="en-US" dirty="0"/>
+              <a:rPr kumimoji="1" lang="ja-JP" altLang="en-US" sz="2400" dirty="0"/>
               <a:t>と，真の確率密度関数</a:t>
             </a:r>
             <a:r>
-              <a:rPr kumimoji="1" lang="en-US" altLang="ja-JP" dirty="0"/>
+              <a:rPr kumimoji="1" lang="en-US" altLang="ja-JP" sz="2400" dirty="0"/>
               <a:t> </a:t>
             </a:r>
             <a:r>
-              <a:rPr kumimoji="1" lang="en-US" altLang="ja-JP" i="1" dirty="0">
+              <a:rPr kumimoji="1" lang="en-US" altLang="ja-JP" sz="2400" i="1" dirty="0">
                 <a:latin typeface="Times New Roman" charset="0"/>
                 <a:ea typeface="Times New Roman" charset="0"/>
                 <a:cs typeface="Times New Roman" charset="0"/>
@@ -7702,7 +7800,7 @@
               <a:t>g</a:t>
             </a:r>
             <a:r>
-              <a:rPr kumimoji="1" lang="en-US" altLang="ja-JP" dirty="0">
+              <a:rPr kumimoji="1" lang="en-US" altLang="ja-JP" sz="2400" dirty="0">
                 <a:latin typeface="Times New Roman" charset="0"/>
                 <a:ea typeface="Times New Roman" charset="0"/>
                 <a:cs typeface="Times New Roman" charset="0"/>
@@ -7710,7 +7808,7 @@
               <a:t>(</a:t>
             </a:r>
             <a:r>
-              <a:rPr kumimoji="1" lang="en-US" altLang="ja-JP" i="1" dirty="0">
+              <a:rPr kumimoji="1" lang="en-US" altLang="ja-JP" sz="2400" i="1" dirty="0">
                 <a:latin typeface="Times New Roman" charset="0"/>
                 <a:ea typeface="Times New Roman" charset="0"/>
                 <a:cs typeface="Times New Roman" charset="0"/>
@@ -7718,7 +7816,7 @@
               <a:t>x</a:t>
             </a:r>
             <a:r>
-              <a:rPr kumimoji="1" lang="en-US" altLang="ja-JP" dirty="0">
+              <a:rPr kumimoji="1" lang="en-US" altLang="ja-JP" sz="2400" dirty="0">
                 <a:latin typeface="Times New Roman" charset="0"/>
                 <a:ea typeface="Times New Roman" charset="0"/>
                 <a:cs typeface="Times New Roman" charset="0"/>
@@ -7726,7 +7824,7 @@
               <a:t>) </a:t>
             </a:r>
             <a:r>
-              <a:rPr kumimoji="1" lang="ja-JP" altLang="en-US" dirty="0"/>
+              <a:rPr kumimoji="1" lang="ja-JP" altLang="en-US" sz="2400" dirty="0"/>
               <a:t>の近さ</a:t>
             </a:r>
           </a:p>
@@ -8436,8 +8534,8 @@
         </p:nvSpPr>
         <p:spPr>
           <a:xfrm>
-            <a:off x="171943" y="995851"/>
-            <a:ext cx="11876690" cy="1200329"/>
+            <a:off x="1908355" y="1754918"/>
+            <a:ext cx="8375290" cy="1154162"/>
           </a:xfrm>
           <a:prstGeom prst="rect">
             <a:avLst/>
@@ -8449,7 +8547,7 @@
           </a:bodyPr>
           <a:lstStyle/>
           <a:p>
-            <a:pPr>
+            <a:pPr algn="ctr">
               <a:lnSpc>
                 <a:spcPct val="150000"/>
               </a:lnSpc>
@@ -8613,8 +8711,8 @@
         </p:blipFill>
         <p:spPr>
           <a:xfrm>
-            <a:off x="342900" y="2851150"/>
-            <a:ext cx="11506200" cy="1155700"/>
+            <a:off x="1459631" y="3736673"/>
+            <a:ext cx="9272738" cy="931368"/>
           </a:xfrm>
           <a:prstGeom prst="rect">
             <a:avLst/>
@@ -8624,13 +8722,15 @@
       <p:cxnSp>
         <p:nvCxnSpPr>
           <p:cNvPr id="6" name="直線コネクタ 5"/>
-          <p:cNvCxnSpPr/>
+          <p:cNvCxnSpPr>
+            <a:cxnSpLocks/>
+          </p:cNvCxnSpPr>
           <p:nvPr/>
         </p:nvCxnSpPr>
         <p:spPr>
           <a:xfrm>
-            <a:off x="6539023" y="4082902"/>
-            <a:ext cx="5061098" cy="0"/>
+            <a:off x="6292702" y="4766296"/>
+            <a:ext cx="4439667" cy="0"/>
           </a:xfrm>
           <a:prstGeom prst="line">
             <a:avLst/>
@@ -8664,8 +8764,8 @@
         </p:nvSpPr>
         <p:spPr>
           <a:xfrm>
-            <a:off x="7746133" y="4430987"/>
-            <a:ext cx="2646878" cy="461665"/>
+            <a:off x="7189096" y="4960662"/>
+            <a:ext cx="2646878" cy="419695"/>
           </a:xfrm>
           <a:prstGeom prst="rect">
             <a:avLst/>
@@ -8761,8 +8861,8 @@
         </p:nvSpPr>
         <p:spPr>
           <a:xfrm>
-            <a:off x="1004888" y="4816758"/>
-            <a:ext cx="10515600" cy="641068"/>
+            <a:off x="171943" y="4616521"/>
+            <a:ext cx="10515600" cy="442037"/>
           </a:xfrm>
         </p:spPr>
         <p:txBody>
@@ -8787,10 +8887,10 @@
               <a:defRPr/>
             </a:pPr>
             <a:r>
-              <a:rPr kumimoji="1" lang="ja-JP" altLang="en-US" dirty="0"/>
+              <a:rPr kumimoji="1" lang="ja-JP" altLang="en-US" sz="2400" dirty="0"/>
               <a:t>この時の確率は</a:t>
             </a:r>
-            <a:endParaRPr lang="en-US" altLang="ja-JP" dirty="0"/>
+            <a:endParaRPr lang="en-US" altLang="ja-JP" sz="2400" dirty="0"/>
           </a:p>
         </p:txBody>
       </p:sp>
@@ -8802,7 +8902,7 @@
         </p:nvGrpSpPr>
         <p:grpSpPr>
           <a:xfrm>
-            <a:off x="171943" y="2144917"/>
+            <a:off x="109530" y="2028982"/>
             <a:ext cx="11876690" cy="646331"/>
             <a:chOff x="329599" y="828786"/>
             <a:chExt cx="11876690" cy="646331"/>
@@ -8987,8 +9087,8 @@
         </p:blipFill>
         <p:spPr>
           <a:xfrm>
-            <a:off x="3354388" y="3616992"/>
-            <a:ext cx="5511800" cy="1168400"/>
+            <a:off x="3817061" y="3373161"/>
+            <a:ext cx="4586454" cy="972244"/>
           </a:xfrm>
           <a:prstGeom prst="rect">
             <a:avLst/>
@@ -9005,8 +9105,8 @@
         </p:nvSpPr>
         <p:spPr>
           <a:xfrm>
-            <a:off x="852488" y="3066496"/>
-            <a:ext cx="10515600" cy="641068"/>
+            <a:off x="119957" y="2727263"/>
+            <a:ext cx="10449017" cy="449130"/>
           </a:xfrm>
           <a:prstGeom prst="rect">
             <a:avLst/>
@@ -9192,23 +9292,23 @@
               <a:buNone/>
             </a:pPr>
             <a:r>
-              <a:rPr lang="ja-JP" altLang="en-US" dirty="0"/>
-              <a:t> 等方</a:t>
-            </a:r>
-            <a:r>
-              <a:rPr lang="en-US" altLang="ja-JP" dirty="0"/>
+              <a:rPr lang="ja-JP" altLang="en-US" sz="2400" dirty="0"/>
+              <a:t>等方</a:t>
+            </a:r>
+            <a:r>
+              <a:rPr lang="en-US" altLang="ja-JP" sz="2400" dirty="0"/>
               <a:t>Gauss</a:t>
             </a:r>
             <a:r>
-              <a:rPr lang="ja-JP" altLang="en-US" dirty="0"/>
+              <a:rPr lang="ja-JP" altLang="en-US" sz="2400" dirty="0"/>
               <a:t>分布を考えると，分散</a:t>
             </a:r>
             <a:r>
-              <a:rPr lang="en-US" altLang="ja-JP" dirty="0"/>
+              <a:rPr lang="en-US" altLang="ja-JP" sz="2400" dirty="0"/>
               <a:t> </a:t>
             </a:r>
             <a:r>
-              <a:rPr lang="en-US" altLang="ja-JP" i="1" dirty="0">
+              <a:rPr lang="en-US" altLang="ja-JP" sz="2400" i="1" dirty="0">
                 <a:latin typeface="Times New Roman" charset="0"/>
                 <a:ea typeface="Times New Roman" charset="0"/>
                 <a:cs typeface="Times New Roman" charset="0"/>
@@ -9216,7 +9316,7 @@
               <a:t>σ</a:t>
             </a:r>
             <a:r>
-              <a:rPr lang="en-US" altLang="ja-JP" baseline="30000" dirty="0">
+              <a:rPr lang="en-US" altLang="ja-JP" sz="2400" baseline="30000" dirty="0">
                 <a:latin typeface="Times New Roman" charset="0"/>
                 <a:ea typeface="Times New Roman" charset="0"/>
                 <a:cs typeface="Times New Roman" charset="0"/>
@@ -9224,10 +9324,10 @@
               <a:t>2 </a:t>
             </a:r>
             <a:r>
-              <a:rPr lang="ja-JP" altLang="en-US" dirty="0"/>
+              <a:rPr lang="ja-JP" altLang="en-US" sz="2400" dirty="0"/>
               <a:t>は</a:t>
             </a:r>
-            <a:endParaRPr lang="en-US" altLang="ja-JP" dirty="0"/>
+            <a:endParaRPr lang="en-US" altLang="ja-JP" sz="2400" dirty="0"/>
           </a:p>
         </p:txBody>
       </p:sp>
@@ -9247,8 +9347,8 @@
         </p:blipFill>
         <p:spPr>
           <a:xfrm>
-            <a:off x="1570038" y="5331987"/>
-            <a:ext cx="9080500" cy="1104900"/>
+            <a:off x="2193903" y="5117601"/>
+            <a:ext cx="7707943" cy="937889"/>
           </a:xfrm>
           <a:prstGeom prst="rect">
             <a:avLst/>
@@ -9379,13 +9479,15 @@
       <p:cxnSp>
         <p:nvCxnSpPr>
           <p:cNvPr id="14" name="直線コネクタ 13"/>
-          <p:cNvCxnSpPr/>
+          <p:cNvCxnSpPr>
+            <a:cxnSpLocks/>
+          </p:cNvCxnSpPr>
           <p:nvPr/>
         </p:nvCxnSpPr>
         <p:spPr>
           <a:xfrm>
-            <a:off x="6517758" y="6463610"/>
-            <a:ext cx="4132780" cy="0"/>
+            <a:off x="6640725" y="6107440"/>
+            <a:ext cx="3075757" cy="0"/>
           </a:xfrm>
           <a:prstGeom prst="line">
             <a:avLst/>
@@ -9419,8 +9521,8 @@
         </p:nvSpPr>
         <p:spPr>
           <a:xfrm>
-            <a:off x="7235769" y="6490451"/>
-            <a:ext cx="2646878" cy="461665"/>
+            <a:off x="6832013" y="6238488"/>
+            <a:ext cx="2716753" cy="400110"/>
           </a:xfrm>
           <a:prstGeom prst="rect">
             <a:avLst/>
@@ -9433,8 +9535,9 @@
           </a:bodyPr>
           <a:lstStyle/>
           <a:p>
-            <a:r>
-              <a:rPr kumimoji="1" lang="ja-JP" altLang="en-US" sz="2400" b="1" dirty="0">
+            <a:pPr algn="ctr"/>
+            <a:r>
+              <a:rPr kumimoji="1" lang="ja-JP" altLang="en-US" sz="2000" b="1" dirty="0">
                 <a:latin typeface="Meiryo" charset="-128"/>
                 <a:ea typeface="Meiryo" charset="-128"/>
                 <a:cs typeface="Meiryo" charset="-128"/>
@@ -9540,16 +9643,8 @@
               <a:t>クラスタ数推定・クラスタリングを行う手法 </a:t>
             </a:r>
             <a:r>
-              <a:rPr lang="en-US" altLang="ja-JP" dirty="0"/>
-              <a:t>”</a:t>
-            </a:r>
-            <a:r>
               <a:rPr lang="en-US" altLang="ja-JP" b="1" dirty="0"/>
               <a:t>X-means</a:t>
-            </a:r>
-            <a:r>
-              <a:rPr lang="en-US" altLang="ja-JP" dirty="0"/>
-              <a:t>”</a:t>
             </a:r>
             <a:endParaRPr kumimoji="1" lang="en-US" altLang="ja-JP" dirty="0"/>
           </a:p>
@@ -9784,13 +9879,26 @@
         </p:nvSpPr>
         <p:spPr>
           <a:xfrm>
-            <a:off x="838200" y="1524000"/>
-            <a:ext cx="10515600" cy="4642570"/>
+            <a:off x="838200" y="1223890"/>
+            <a:ext cx="10515600" cy="5097425"/>
           </a:xfrm>
         </p:spPr>
         <p:txBody>
           <a:bodyPr anchor="ctr"/>
           <a:lstStyle/>
+          <a:p>
+            <a:pPr marL="0" indent="0" algn="ctr">
+              <a:spcBef>
+                <a:spcPts val="0"/>
+              </a:spcBef>
+              <a:buNone/>
+            </a:pPr>
+            <a:r>
+              <a:rPr lang="ja-JP" altLang="en-US" sz="4000" dirty="0"/>
+              <a:t>クラスタ数推定をする時</a:t>
+            </a:r>
+            <a:endParaRPr lang="en-US" altLang="ja-JP" sz="4000" dirty="0"/>
+          </a:p>
           <a:p>
             <a:pPr marL="0" indent="0" algn="ctr">
               <a:spcBef>
@@ -14080,7 +14188,7 @@
             </a:r>
             <a:r>
               <a:rPr lang="ja-JP" altLang="en-US" dirty="0"/>
-              <a:t>空間のデータ</a:t>
+              <a:t>のデータ</a:t>
             </a:r>
             <a:endParaRPr lang="en-US" altLang="ja-JP" dirty="0"/>
           </a:p>

--- a/docs/final-presen/final_hagihara.pptx
+++ b/docs/final-presen/final_hagihara.pptx
@@ -5,32 +5,31 @@
     <p:sldMasterId id="2147483668" r:id="rId1"/>
   </p:sldMasterIdLst>
   <p:notesMasterIdLst>
-    <p:notesMasterId r:id="rId25"/>
+    <p:notesMasterId r:id="rId24"/>
   </p:notesMasterIdLst>
   <p:sldIdLst>
     <p:sldId id="256" r:id="rId2"/>
     <p:sldId id="257" r:id="rId3"/>
     <p:sldId id="259" r:id="rId4"/>
     <p:sldId id="258" r:id="rId5"/>
-    <p:sldId id="261" r:id="rId6"/>
-    <p:sldId id="271" r:id="rId7"/>
-    <p:sldId id="262" r:id="rId8"/>
-    <p:sldId id="263" r:id="rId9"/>
-    <p:sldId id="279" r:id="rId10"/>
-    <p:sldId id="265" r:id="rId11"/>
-    <p:sldId id="266" r:id="rId12"/>
-    <p:sldId id="281" r:id="rId13"/>
-    <p:sldId id="267" r:id="rId14"/>
-    <p:sldId id="268" r:id="rId15"/>
-    <p:sldId id="269" r:id="rId16"/>
-    <p:sldId id="264" r:id="rId17"/>
-    <p:sldId id="270" r:id="rId18"/>
-    <p:sldId id="282" r:id="rId19"/>
-    <p:sldId id="272" r:id="rId20"/>
-    <p:sldId id="275" r:id="rId21"/>
-    <p:sldId id="276" r:id="rId22"/>
-    <p:sldId id="278" r:id="rId23"/>
-    <p:sldId id="277" r:id="rId24"/>
+    <p:sldId id="271" r:id="rId6"/>
+    <p:sldId id="262" r:id="rId7"/>
+    <p:sldId id="263" r:id="rId8"/>
+    <p:sldId id="279" r:id="rId9"/>
+    <p:sldId id="265" r:id="rId10"/>
+    <p:sldId id="266" r:id="rId11"/>
+    <p:sldId id="281" r:id="rId12"/>
+    <p:sldId id="267" r:id="rId13"/>
+    <p:sldId id="268" r:id="rId14"/>
+    <p:sldId id="269" r:id="rId15"/>
+    <p:sldId id="264" r:id="rId16"/>
+    <p:sldId id="270" r:id="rId17"/>
+    <p:sldId id="282" r:id="rId18"/>
+    <p:sldId id="272" r:id="rId19"/>
+    <p:sldId id="275" r:id="rId20"/>
+    <p:sldId id="276" r:id="rId21"/>
+    <p:sldId id="278" r:id="rId22"/>
+    <p:sldId id="277" r:id="rId23"/>
   </p:sldIdLst>
   <p:sldSz cx="12192000" cy="6858000"/>
   <p:notesSz cx="6858000" cy="9144000"/>
@@ -646,26 +645,7 @@
           <a:bodyPr/>
           <a:lstStyle/>
           <a:p>
-            <a:r>
-              <a:rPr kumimoji="1" lang="ja-JP" altLang="en-US" dirty="0"/>
-              <a:t>人工的に</a:t>
-            </a:r>
-            <a:r>
-              <a:rPr kumimoji="1" lang="en-US" altLang="ja-JP" dirty="0"/>
-              <a:t>2</a:t>
-            </a:r>
-            <a:r>
-              <a:rPr kumimoji="1" lang="ja-JP" altLang="en-US" dirty="0"/>
-              <a:t>次元もしくは</a:t>
-            </a:r>
-            <a:r>
-              <a:rPr kumimoji="1" lang="en-US" altLang="ja-JP" dirty="0"/>
-              <a:t>3</a:t>
-            </a:r>
-            <a:r>
-              <a:rPr kumimoji="1" lang="ja-JP" altLang="en-US" dirty="0"/>
-              <a:t>次元のデータを生成</a:t>
-            </a:r>
+            <a:endParaRPr kumimoji="1" lang="ja-JP" altLang="en-US" dirty="0"/>
           </a:p>
         </p:txBody>
       </p:sp>
@@ -686,91 +666,7 @@
           <a:p>
             <a:fld id="{F78381A3-C678-7B48-BA42-399B1155E4C3}" type="slidenum">
               <a:rPr kumimoji="1" lang="ja-JP" altLang="en-US" smtClean="0"/>
-              <a:t>16</a:t>
-            </a:fld>
-            <a:endParaRPr kumimoji="1" lang="ja-JP" altLang="en-US"/>
-          </a:p>
-        </p:txBody>
-      </p:sp>
-    </p:spTree>
-    <p:extLst>
-      <p:ext uri="{BB962C8B-B14F-4D97-AF65-F5344CB8AC3E}">
-        <p14:creationId xmlns:p14="http://schemas.microsoft.com/office/powerpoint/2010/main" val="752522009"/>
-      </p:ext>
-    </p:extLst>
-  </p:cSld>
-  <p:clrMapOvr>
-    <a:masterClrMapping/>
-  </p:clrMapOvr>
-</p:notes>
-</file>
-
-<file path=ppt/notesSlides/notesSlide11.xml><?xml version="1.0" encoding="utf-8"?>
-<p:notes xmlns:a="http://schemas.openxmlformats.org/drawingml/2006/main" xmlns:r="http://schemas.openxmlformats.org/officeDocument/2006/relationships" xmlns:p="http://schemas.openxmlformats.org/presentationml/2006/main">
-  <p:cSld>
-    <p:spTree>
-      <p:nvGrpSpPr>
-        <p:cNvPr id="1" name=""/>
-        <p:cNvGrpSpPr/>
-        <p:nvPr/>
-      </p:nvGrpSpPr>
-      <p:grpSpPr>
-        <a:xfrm>
-          <a:off x="0" y="0"/>
-          <a:ext cx="0" cy="0"/>
-          <a:chOff x="0" y="0"/>
-          <a:chExt cx="0" cy="0"/>
-        </a:xfrm>
-      </p:grpSpPr>
-      <p:sp>
-        <p:nvSpPr>
-          <p:cNvPr id="2" name="スライド イメージ プレースホルダー 1"/>
-          <p:cNvSpPr>
-            <a:spLocks noGrp="1" noRot="1" noChangeAspect="1"/>
-          </p:cNvSpPr>
-          <p:nvPr>
-            <p:ph type="sldImg"/>
-          </p:nvPr>
-        </p:nvSpPr>
-        <p:spPr/>
-      </p:sp>
-      <p:sp>
-        <p:nvSpPr>
-          <p:cNvPr id="3" name="ノート プレースホルダー 2"/>
-          <p:cNvSpPr>
-            <a:spLocks noGrp="1"/>
-          </p:cNvSpPr>
-          <p:nvPr>
-            <p:ph type="body" idx="1"/>
-          </p:nvPr>
-        </p:nvSpPr>
-        <p:spPr/>
-        <p:txBody>
-          <a:bodyPr/>
-          <a:lstStyle/>
-          <a:p>
-            <a:endParaRPr kumimoji="1" lang="ja-JP" altLang="en-US" dirty="0"/>
-          </a:p>
-        </p:txBody>
-      </p:sp>
-      <p:sp>
-        <p:nvSpPr>
-          <p:cNvPr id="4" name="スライド番号プレースホルダー 3"/>
-          <p:cNvSpPr>
-            <a:spLocks noGrp="1"/>
-          </p:cNvSpPr>
-          <p:nvPr>
-            <p:ph type="sldNum" sz="quarter" idx="10"/>
-          </p:nvPr>
-        </p:nvSpPr>
-        <p:spPr/>
-        <p:txBody>
-          <a:bodyPr/>
-          <a:lstStyle/>
-          <a:p>
-            <a:fld id="{F78381A3-C678-7B48-BA42-399B1155E4C3}" type="slidenum">
-              <a:rPr kumimoji="1" lang="ja-JP" altLang="en-US" smtClean="0"/>
-              <a:t>21</a:t>
+              <a:t>20</a:t>
             </a:fld>
             <a:endParaRPr kumimoji="1" lang="ja-JP" altLang="en-US"/>
           </a:p>
@@ -1022,29 +918,19 @@
           <a:lstStyle/>
           <a:p>
             <a:r>
+              <a:rPr kumimoji="1" lang="ja-JP" altLang="en-US" dirty="0"/>
+              <a:t>元のセントロイド</a:t>
+            </a:r>
+            <a:endParaRPr kumimoji="1" lang="en-US" altLang="ja-JP" dirty="0"/>
+          </a:p>
+          <a:p>
+            <a:r>
               <a:rPr kumimoji="1" lang="en-US" altLang="ja-JP" dirty="0"/>
               <a:t>2</a:t>
             </a:r>
             <a:r>
               <a:rPr kumimoji="1" lang="ja-JP" altLang="en-US" dirty="0"/>
-              <a:t>つにわけていくということを強調</a:t>
-            </a:r>
-            <a:endParaRPr kumimoji="1" lang="en-US" altLang="ja-JP" dirty="0"/>
-          </a:p>
-          <a:p>
-            <a:r>
-              <a:rPr kumimoji="1" lang="ja-JP" altLang="en-US" dirty="0"/>
-              <a:t>わけていいかということを情報量規準により判断</a:t>
-            </a:r>
-            <a:endParaRPr kumimoji="1" lang="en-US" altLang="ja-JP" dirty="0"/>
-          </a:p>
-          <a:p>
-            <a:endParaRPr kumimoji="1" lang="en-US" altLang="ja-JP" dirty="0"/>
-          </a:p>
-          <a:p>
-            <a:r>
-              <a:rPr kumimoji="1" lang="ja-JP" altLang="en-US" dirty="0"/>
-              <a:t>次でどのように分けていくかを具体的に説明</a:t>
+              <a:t>つに分けたもののセントロイド</a:t>
             </a:r>
           </a:p>
         </p:txBody>
@@ -1075,7 +961,7 @@
     </p:spTree>
     <p:extLst>
       <p:ext uri="{BB962C8B-B14F-4D97-AF65-F5344CB8AC3E}">
-        <p14:creationId xmlns:p14="http://schemas.microsoft.com/office/powerpoint/2010/main" val="741855104"/>
+        <p14:creationId xmlns:p14="http://schemas.microsoft.com/office/powerpoint/2010/main" val="286476815"/>
       </p:ext>
     </p:extLst>
   </p:cSld>
@@ -1129,21 +1015,7 @@
           <a:bodyPr/>
           <a:lstStyle/>
           <a:p>
-            <a:r>
-              <a:rPr kumimoji="1" lang="ja-JP" altLang="en-US" dirty="0"/>
-              <a:t>元のセントロイド</a:t>
-            </a:r>
-            <a:endParaRPr kumimoji="1" lang="en-US" altLang="ja-JP" dirty="0"/>
-          </a:p>
-          <a:p>
-            <a:r>
-              <a:rPr kumimoji="1" lang="en-US" altLang="ja-JP" dirty="0"/>
-              <a:t>2</a:t>
-            </a:r>
-            <a:r>
-              <a:rPr kumimoji="1" lang="ja-JP" altLang="en-US" dirty="0"/>
-              <a:t>つに分けたもののセントロイド</a:t>
-            </a:r>
+            <a:endParaRPr kumimoji="1" lang="ja-JP" altLang="en-US" dirty="0"/>
           </a:p>
         </p:txBody>
       </p:sp>
@@ -1173,7 +1045,7 @@
     </p:spTree>
     <p:extLst>
       <p:ext uri="{BB962C8B-B14F-4D97-AF65-F5344CB8AC3E}">
-        <p14:creationId xmlns:p14="http://schemas.microsoft.com/office/powerpoint/2010/main" val="286476815"/>
+        <p14:creationId xmlns:p14="http://schemas.microsoft.com/office/powerpoint/2010/main" val="72128565"/>
       </p:ext>
     </p:extLst>
   </p:cSld>
@@ -1227,7 +1099,20 @@
           <a:bodyPr/>
           <a:lstStyle/>
           <a:p>
-            <a:endParaRPr kumimoji="1" lang="ja-JP" altLang="en-US" dirty="0"/>
+            <a:r>
+              <a:rPr kumimoji="1" lang="ja-JP" altLang="en-US" dirty="0"/>
+              <a:t>正負が逆になっているが，大小関係が逆になるだけ</a:t>
+            </a:r>
+            <a:endParaRPr kumimoji="1" lang="en-US" altLang="ja-JP" dirty="0"/>
+          </a:p>
+          <a:p>
+            <a:endParaRPr kumimoji="1" lang="en-US" altLang="ja-JP" dirty="0"/>
+          </a:p>
+          <a:p>
+            <a:r>
+              <a:rPr kumimoji="1" lang="ja-JP" altLang="en-US" dirty="0"/>
+              <a:t>パラメータ数を過大に見積もる</a:t>
+            </a:r>
           </a:p>
         </p:txBody>
       </p:sp>
@@ -1257,7 +1142,7 @@
     </p:spTree>
     <p:extLst>
       <p:ext uri="{BB962C8B-B14F-4D97-AF65-F5344CB8AC3E}">
-        <p14:creationId xmlns:p14="http://schemas.microsoft.com/office/powerpoint/2010/main" val="72128565"/>
+        <p14:creationId xmlns:p14="http://schemas.microsoft.com/office/powerpoint/2010/main" val="151371020"/>
       </p:ext>
     </p:extLst>
   </p:cSld>
@@ -1312,18 +1197,19 @@
           <a:lstStyle/>
           <a:p>
             <a:r>
+              <a:rPr kumimoji="1" lang="en-US" altLang="ja-JP" dirty="0"/>
+              <a:t>AIC</a:t>
+            </a:r>
+            <a:r>
               <a:rPr kumimoji="1" lang="ja-JP" altLang="en-US" dirty="0"/>
-              <a:t>正負が逆になっているが，大小関係が逆になるだけ</a:t>
+              <a:t>はパラメータ数を過大に見積もる傾向があるため，</a:t>
             </a:r>
             <a:endParaRPr kumimoji="1" lang="en-US" altLang="ja-JP" dirty="0"/>
           </a:p>
           <a:p>
-            <a:endParaRPr kumimoji="1" lang="en-US" altLang="ja-JP" dirty="0"/>
-          </a:p>
-          <a:p>
             <a:r>
               <a:rPr kumimoji="1" lang="ja-JP" altLang="en-US" dirty="0"/>
-              <a:t>パラメータ数を過大に見積もる</a:t>
+              <a:t>ここではクラスタ数を過大に見積もっている</a:t>
             </a:r>
           </a:p>
         </p:txBody>
@@ -1345,7 +1231,7 @@
           <a:p>
             <a:fld id="{F78381A3-C678-7B48-BA42-399B1155E4C3}" type="slidenum">
               <a:rPr kumimoji="1" lang="ja-JP" altLang="en-US" smtClean="0"/>
-              <a:t>8</a:t>
+              <a:t>9</a:t>
             </a:fld>
             <a:endParaRPr kumimoji="1" lang="ja-JP" altLang="en-US"/>
           </a:p>
@@ -1354,7 +1240,7 @@
     </p:spTree>
     <p:extLst>
       <p:ext uri="{BB962C8B-B14F-4D97-AF65-F5344CB8AC3E}">
-        <p14:creationId xmlns:p14="http://schemas.microsoft.com/office/powerpoint/2010/main" val="151371020"/>
+        <p14:creationId xmlns:p14="http://schemas.microsoft.com/office/powerpoint/2010/main" val="2015699530"/>
       </p:ext>
     </p:extLst>
   </p:cSld>
@@ -1409,20 +1295,14 @@
           <a:lstStyle/>
           <a:p>
             <a:r>
+              <a:rPr kumimoji="1" lang="ja-JP" altLang="en-US" dirty="0"/>
+              <a:t>クラスタ数を指定することなくクラスタリングを行う手法 </a:t>
+            </a:r>
+            <a:r>
               <a:rPr kumimoji="1" lang="en-US" altLang="ja-JP" dirty="0"/>
-              <a:t>AIC</a:t>
-            </a:r>
-            <a:r>
-              <a:rPr kumimoji="1" lang="ja-JP" altLang="en-US" dirty="0"/>
-              <a:t>はパラメータ数を過大に見積もる傾向があるため，</a:t>
-            </a:r>
-            <a:endParaRPr kumimoji="1" lang="en-US" altLang="ja-JP" dirty="0"/>
-          </a:p>
-          <a:p>
-            <a:r>
-              <a:rPr kumimoji="1" lang="ja-JP" altLang="en-US" dirty="0"/>
-              <a:t>ここではクラスタ数を過大に見積もっている</a:t>
-            </a:r>
+              <a:t>(Mean shift)</a:t>
+            </a:r>
+            <a:endParaRPr kumimoji="1" lang="ja-JP" altLang="en-US" dirty="0"/>
           </a:p>
         </p:txBody>
       </p:sp>
@@ -1443,7 +1323,7 @@
           <a:p>
             <a:fld id="{F78381A3-C678-7B48-BA42-399B1155E4C3}" type="slidenum">
               <a:rPr kumimoji="1" lang="ja-JP" altLang="en-US" smtClean="0"/>
-              <a:t>10</a:t>
+              <a:t>11</a:t>
             </a:fld>
             <a:endParaRPr kumimoji="1" lang="ja-JP" altLang="en-US"/>
           </a:p>
@@ -1452,7 +1332,7 @@
     </p:spTree>
     <p:extLst>
       <p:ext uri="{BB962C8B-B14F-4D97-AF65-F5344CB8AC3E}">
-        <p14:creationId xmlns:p14="http://schemas.microsoft.com/office/powerpoint/2010/main" val="2015699530"/>
+        <p14:creationId xmlns:p14="http://schemas.microsoft.com/office/powerpoint/2010/main" val="3032337262"/>
       </p:ext>
     </p:extLst>
   </p:cSld>
@@ -1508,13 +1388,24 @@
           <a:p>
             <a:r>
               <a:rPr kumimoji="1" lang="ja-JP" altLang="en-US" dirty="0"/>
-              <a:t>クラスタ数を指定することなくクラスタリングを行う手法 </a:t>
+              <a:t>人工的に</a:t>
             </a:r>
             <a:r>
               <a:rPr kumimoji="1" lang="en-US" altLang="ja-JP" dirty="0"/>
-              <a:t>(Mean shift)</a:t>
-            </a:r>
-            <a:endParaRPr kumimoji="1" lang="ja-JP" altLang="en-US" dirty="0"/>
+              <a:t>2</a:t>
+            </a:r>
+            <a:r>
+              <a:rPr kumimoji="1" lang="ja-JP" altLang="en-US" dirty="0"/>
+              <a:t>次元もしくは</a:t>
+            </a:r>
+            <a:r>
+              <a:rPr kumimoji="1" lang="en-US" altLang="ja-JP" dirty="0"/>
+              <a:t>3</a:t>
+            </a:r>
+            <a:r>
+              <a:rPr kumimoji="1" lang="ja-JP" altLang="en-US" dirty="0"/>
+              <a:t>次元のデータを生成</a:t>
+            </a:r>
           </a:p>
         </p:txBody>
       </p:sp>
@@ -1535,7 +1426,7 @@
           <a:p>
             <a:fld id="{F78381A3-C678-7B48-BA42-399B1155E4C3}" type="slidenum">
               <a:rPr kumimoji="1" lang="ja-JP" altLang="en-US" smtClean="0"/>
-              <a:t>12</a:t>
+              <a:t>15</a:t>
             </a:fld>
             <a:endParaRPr kumimoji="1" lang="ja-JP" altLang="en-US"/>
           </a:p>
@@ -1544,7 +1435,7 @@
     </p:spTree>
     <p:extLst>
       <p:ext uri="{BB962C8B-B14F-4D97-AF65-F5344CB8AC3E}">
-        <p14:creationId xmlns:p14="http://schemas.microsoft.com/office/powerpoint/2010/main" val="3032337262"/>
+        <p14:creationId xmlns:p14="http://schemas.microsoft.com/office/powerpoint/2010/main" val="752522009"/>
       </p:ext>
     </p:extLst>
   </p:cSld>
@@ -3112,762 +3003,6 @@
 </file>
 
 <file path=ppt/slides/slide10.xml><?xml version="1.0" encoding="utf-8"?>
-<p:sld xmlns:a="http://schemas.openxmlformats.org/drawingml/2006/main" xmlns:r="http://schemas.openxmlformats.org/officeDocument/2006/relationships" xmlns:p="http://schemas.openxmlformats.org/presentationml/2006/main">
-  <p:cSld>
-    <p:spTree>
-      <p:nvGrpSpPr>
-        <p:cNvPr id="1" name=""/>
-        <p:cNvGrpSpPr/>
-        <p:nvPr/>
-      </p:nvGrpSpPr>
-      <p:grpSpPr>
-        <a:xfrm>
-          <a:off x="0" y="0"/>
-          <a:ext cx="0" cy="0"/>
-          <a:chOff x="0" y="0"/>
-          <a:chExt cx="0" cy="0"/>
-        </a:xfrm>
-      </p:grpSpPr>
-      <p:sp>
-        <p:nvSpPr>
-          <p:cNvPr id="2" name="タイトル 1"/>
-          <p:cNvSpPr>
-            <a:spLocks noGrp="1"/>
-          </p:cNvSpPr>
-          <p:nvPr>
-            <p:ph type="title"/>
-          </p:nvPr>
-        </p:nvSpPr>
-        <p:spPr/>
-        <p:txBody>
-          <a:bodyPr/>
-          <a:lstStyle/>
-          <a:p>
-            <a:r>
-              <a:rPr lang="en-US" altLang="ja-JP" dirty="0"/>
-              <a:t>2</a:t>
-            </a:r>
-            <a:r>
-              <a:rPr lang="ja-JP" altLang="en-US" dirty="0"/>
-              <a:t>次元データに対するクラスタ数推定の結果</a:t>
-            </a:r>
-            <a:endParaRPr kumimoji="1" lang="ja-JP" altLang="en-US" dirty="0"/>
-          </a:p>
-        </p:txBody>
-      </p:sp>
-      <p:graphicFrame>
-        <p:nvGraphicFramePr>
-          <p:cNvPr id="4" name="表 3"/>
-          <p:cNvGraphicFramePr>
-            <a:graphicFrameLocks noGrp="1"/>
-          </p:cNvGraphicFramePr>
-          <p:nvPr>
-            <p:extLst>
-              <p:ext uri="{D42A27DB-BD31-4B8C-83A1-F6EECF244321}">
-                <p14:modId xmlns:p14="http://schemas.microsoft.com/office/powerpoint/2010/main" val="1744282604"/>
-              </p:ext>
-            </p:extLst>
-          </p:nvPr>
-        </p:nvGraphicFramePr>
-        <p:xfrm>
-          <a:off x="350572" y="1640449"/>
-          <a:ext cx="6810702" cy="2149991"/>
-        </p:xfrm>
-        <a:graphic>
-          <a:graphicData uri="http://schemas.openxmlformats.org/drawingml/2006/table">
-            <a:tbl>
-              <a:tblPr firstRow="1" bandRow="1">
-                <a:tableStyleId>{5C22544A-7EE6-4342-B048-85BDC9FD1C3A}</a:tableStyleId>
-              </a:tblPr>
-              <a:tblGrid>
-                <a:gridCol w="2270234">
-                  <a:extLst>
-                    <a:ext uri="{9D8B030D-6E8A-4147-A177-3AD203B41FA5}">
-                      <a16:colId xmlns:a16="http://schemas.microsoft.com/office/drawing/2014/main" val="20000"/>
-                    </a:ext>
-                  </a:extLst>
-                </a:gridCol>
-                <a:gridCol w="2270234">
-                  <a:extLst>
-                    <a:ext uri="{9D8B030D-6E8A-4147-A177-3AD203B41FA5}">
-                      <a16:colId xmlns:a16="http://schemas.microsoft.com/office/drawing/2014/main" val="20001"/>
-                    </a:ext>
-                  </a:extLst>
-                </a:gridCol>
-                <a:gridCol w="2270234">
-                  <a:extLst>
-                    <a:ext uri="{9D8B030D-6E8A-4147-A177-3AD203B41FA5}">
-                      <a16:colId xmlns:a16="http://schemas.microsoft.com/office/drawing/2014/main" val="20003"/>
-                    </a:ext>
-                  </a:extLst>
-                </a:gridCol>
-              </a:tblGrid>
-              <a:tr h="409903">
-                <a:tc>
-                  <a:txBody>
-                    <a:bodyPr/>
-                    <a:lstStyle/>
-                    <a:p>
-                      <a:pPr algn="ctr"/>
-                      <a:r>
-                        <a:rPr kumimoji="1" lang="ja-JP" altLang="en-US" b="0" dirty="0">
-                          <a:latin typeface="Meiryo" charset="-128"/>
-                          <a:ea typeface="Meiryo" charset="-128"/>
-                          <a:cs typeface="Meiryo" charset="-128"/>
-                        </a:rPr>
-                        <a:t>分割停止規準</a:t>
-                      </a:r>
-                    </a:p>
-                  </a:txBody>
-                  <a:tcPr anchor="ctr"/>
-                </a:tc>
-                <a:tc>
-                  <a:txBody>
-                    <a:bodyPr/>
-                    <a:lstStyle/>
-                    <a:p>
-                      <a:pPr marL="0" marR="0" indent="0" algn="ctr" defTabSz="914400" rtl="0" eaLnBrk="1" fontAlgn="auto" latinLnBrk="0" hangingPunct="1">
-                        <a:lnSpc>
-                          <a:spcPct val="100000"/>
-                        </a:lnSpc>
-                        <a:spcBef>
-                          <a:spcPts val="0"/>
-                        </a:spcBef>
-                        <a:spcAft>
-                          <a:spcPts val="0"/>
-                        </a:spcAft>
-                        <a:buClrTx/>
-                        <a:buSzTx/>
-                        <a:buFontTx/>
-                        <a:buNone/>
-                        <a:tabLst/>
-                        <a:defRPr/>
-                      </a:pPr>
-                      <a:r>
-                        <a:rPr kumimoji="1" lang="ja-JP" altLang="en-US" b="0" dirty="0">
-                          <a:latin typeface="Meiryo" charset="-128"/>
-                          <a:ea typeface="Meiryo" charset="-128"/>
-                          <a:cs typeface="Meiryo" charset="-128"/>
-                        </a:rPr>
-                        <a:t>クラスタ数</a:t>
-                      </a:r>
-                      <a:r>
-                        <a:rPr kumimoji="1" lang="en-US" altLang="ja-JP" b="0" dirty="0">
-                          <a:latin typeface="Meiryo" charset="-128"/>
-                          <a:ea typeface="Meiryo" charset="-128"/>
-                          <a:cs typeface="Meiryo" charset="-128"/>
-                        </a:rPr>
-                        <a:t> (</a:t>
-                      </a:r>
-                      <a:r>
-                        <a:rPr kumimoji="1" lang="ja-JP" altLang="en-US" b="0" dirty="0">
-                          <a:latin typeface="Meiryo" charset="-128"/>
-                          <a:ea typeface="Meiryo" charset="-128"/>
-                          <a:cs typeface="Meiryo" charset="-128"/>
-                        </a:rPr>
-                        <a:t>分散）</a:t>
-                      </a:r>
-                    </a:p>
-                  </a:txBody>
-                  <a:tcPr anchor="ctr"/>
-                </a:tc>
-                <a:tc>
-                  <a:txBody>
-                    <a:bodyPr/>
-                    <a:lstStyle/>
-                    <a:p>
-                      <a:pPr algn="ctr"/>
-                      <a:r>
-                        <a:rPr kumimoji="1" lang="en-US" altLang="ja-JP" b="0" dirty="0">
-                          <a:latin typeface="Meiryo" charset="-128"/>
-                          <a:ea typeface="Meiryo" charset="-128"/>
-                          <a:cs typeface="Meiryo" charset="-128"/>
-                        </a:rPr>
-                        <a:t>NMI</a:t>
-                      </a:r>
-                      <a:endParaRPr kumimoji="1" lang="ja-JP" altLang="en-US" b="0" dirty="0">
-                        <a:latin typeface="Meiryo" charset="-128"/>
-                        <a:ea typeface="Meiryo" charset="-128"/>
-                        <a:cs typeface="Meiryo" charset="-128"/>
-                      </a:endParaRPr>
-                    </a:p>
-                  </a:txBody>
-                  <a:tcPr anchor="ctr"/>
-                </a:tc>
-                <a:extLst>
-                  <a:ext uri="{0D108BD9-81ED-4DB2-BD59-A6C34878D82A}">
-                    <a16:rowId xmlns:a16="http://schemas.microsoft.com/office/drawing/2014/main" val="10000"/>
-                  </a:ext>
-                </a:extLst>
-              </a:tr>
-              <a:tr h="435022">
-                <a:tc>
-                  <a:txBody>
-                    <a:bodyPr/>
-                    <a:lstStyle/>
-                    <a:p>
-                      <a:pPr algn="ctr"/>
-                      <a:r>
-                        <a:rPr kumimoji="1" lang="en-US" altLang="ja-JP" b="0" dirty="0">
-                          <a:latin typeface="Meiryo" charset="-128"/>
-                          <a:ea typeface="Meiryo" charset="-128"/>
-                          <a:cs typeface="Meiryo" charset="-128"/>
-                        </a:rPr>
-                        <a:t>BIC</a:t>
-                      </a:r>
-                      <a:endParaRPr kumimoji="1" lang="ja-JP" altLang="en-US" b="0" dirty="0">
-                        <a:latin typeface="Meiryo" charset="-128"/>
-                        <a:ea typeface="Meiryo" charset="-128"/>
-                        <a:cs typeface="Meiryo" charset="-128"/>
-                      </a:endParaRPr>
-                    </a:p>
-                  </a:txBody>
-                  <a:tcPr anchor="ctr"/>
-                </a:tc>
-                <a:tc>
-                  <a:txBody>
-                    <a:bodyPr/>
-                    <a:lstStyle/>
-                    <a:p>
-                      <a:pPr algn="ctr"/>
-                      <a:r>
-                        <a:rPr kumimoji="1" lang="en-US" altLang="ja-JP" b="0" dirty="0">
-                          <a:latin typeface="Meiryo" charset="-128"/>
-                          <a:ea typeface="Meiryo" charset="-128"/>
-                          <a:cs typeface="Meiryo" charset="-128"/>
-                        </a:rPr>
-                        <a:t>4.58 (0.9836)</a:t>
-                      </a:r>
-                      <a:endParaRPr kumimoji="1" lang="ja-JP" altLang="en-US" b="0" dirty="0">
-                        <a:latin typeface="Meiryo" charset="-128"/>
-                        <a:ea typeface="Meiryo" charset="-128"/>
-                        <a:cs typeface="Meiryo" charset="-128"/>
-                      </a:endParaRPr>
-                    </a:p>
-                  </a:txBody>
-                  <a:tcPr anchor="ctr"/>
-                </a:tc>
-                <a:tc>
-                  <a:txBody>
-                    <a:bodyPr/>
-                    <a:lstStyle/>
-                    <a:p>
-                      <a:pPr algn="ctr"/>
-                      <a:r>
-                        <a:rPr kumimoji="1" lang="en-US" altLang="ja-JP" b="0" dirty="0">
-                          <a:latin typeface="Meiryo" charset="-128"/>
-                          <a:ea typeface="Meiryo" charset="-128"/>
-                          <a:cs typeface="Meiryo" charset="-128"/>
-                        </a:rPr>
-                        <a:t>0.88281495</a:t>
-                      </a:r>
-                      <a:endParaRPr kumimoji="1" lang="ja-JP" altLang="en-US" b="0" dirty="0">
-                        <a:latin typeface="Meiryo" charset="-128"/>
-                        <a:ea typeface="Meiryo" charset="-128"/>
-                        <a:cs typeface="Meiryo" charset="-128"/>
-                      </a:endParaRPr>
-                    </a:p>
-                  </a:txBody>
-                  <a:tcPr anchor="ctr"/>
-                </a:tc>
-                <a:extLst>
-                  <a:ext uri="{0D108BD9-81ED-4DB2-BD59-A6C34878D82A}">
-                    <a16:rowId xmlns:a16="http://schemas.microsoft.com/office/drawing/2014/main" val="10001"/>
-                  </a:ext>
-                </a:extLst>
-              </a:tr>
-              <a:tr h="435022">
-                <a:tc>
-                  <a:txBody>
-                    <a:bodyPr/>
-                    <a:lstStyle/>
-                    <a:p>
-                      <a:pPr algn="ctr"/>
-                      <a:r>
-                        <a:rPr kumimoji="1" lang="en-US" altLang="ja-JP" b="0" dirty="0" err="1">
-                          <a:latin typeface="Meiryo" charset="-128"/>
-                          <a:ea typeface="Meiryo" charset="-128"/>
-                          <a:cs typeface="Meiryo" charset="-128"/>
-                        </a:rPr>
-                        <a:t>cAIC</a:t>
-                      </a:r>
-                      <a:endParaRPr kumimoji="1" lang="ja-JP" altLang="en-US" b="0" dirty="0">
-                        <a:latin typeface="Meiryo" charset="-128"/>
-                        <a:ea typeface="Meiryo" charset="-128"/>
-                        <a:cs typeface="Meiryo" charset="-128"/>
-                      </a:endParaRPr>
-                    </a:p>
-                  </a:txBody>
-                  <a:tcPr anchor="ctr"/>
-                </a:tc>
-                <a:tc>
-                  <a:txBody>
-                    <a:bodyPr/>
-                    <a:lstStyle/>
-                    <a:p>
-                      <a:pPr algn="ctr"/>
-                      <a:r>
-                        <a:rPr kumimoji="1" lang="en-US" altLang="ja-JP" b="0" dirty="0">
-                          <a:latin typeface="Meiryo" charset="-128"/>
-                          <a:ea typeface="Meiryo" charset="-128"/>
-                          <a:cs typeface="Meiryo" charset="-128"/>
-                        </a:rPr>
-                        <a:t>4.55 (0.6475)</a:t>
-                      </a:r>
-                      <a:endParaRPr kumimoji="1" lang="ja-JP" altLang="en-US" b="0" dirty="0">
-                        <a:latin typeface="Meiryo" charset="-128"/>
-                        <a:ea typeface="Meiryo" charset="-128"/>
-                        <a:cs typeface="Meiryo" charset="-128"/>
-                      </a:endParaRPr>
-                    </a:p>
-                  </a:txBody>
-                  <a:tcPr anchor="ctr"/>
-                </a:tc>
-                <a:tc>
-                  <a:txBody>
-                    <a:bodyPr/>
-                    <a:lstStyle/>
-                    <a:p>
-                      <a:pPr algn="ctr"/>
-                      <a:r>
-                        <a:rPr kumimoji="1" lang="en-US" altLang="ja-JP" b="0" dirty="0">
-                          <a:latin typeface="Meiryo" charset="-128"/>
-                          <a:ea typeface="Meiryo" charset="-128"/>
-                          <a:cs typeface="Meiryo" charset="-128"/>
-                        </a:rPr>
-                        <a:t>0.89992544</a:t>
-                      </a:r>
-                      <a:endParaRPr kumimoji="1" lang="ja-JP" altLang="en-US" b="0" dirty="0">
-                        <a:latin typeface="Meiryo" charset="-128"/>
-                        <a:ea typeface="Meiryo" charset="-128"/>
-                        <a:cs typeface="Meiryo" charset="-128"/>
-                      </a:endParaRPr>
-                    </a:p>
-                  </a:txBody>
-                  <a:tcPr anchor="ctr"/>
-                </a:tc>
-                <a:extLst>
-                  <a:ext uri="{0D108BD9-81ED-4DB2-BD59-A6C34878D82A}">
-                    <a16:rowId xmlns:a16="http://schemas.microsoft.com/office/drawing/2014/main" val="10002"/>
-                  </a:ext>
-                </a:extLst>
-              </a:tr>
-              <a:tr h="435022">
-                <a:tc>
-                  <a:txBody>
-                    <a:bodyPr/>
-                    <a:lstStyle/>
-                    <a:p>
-                      <a:pPr algn="ctr"/>
-                      <a:r>
-                        <a:rPr kumimoji="1" lang="en-US" altLang="ja-JP" b="0" dirty="0">
-                          <a:latin typeface="Meiryo" charset="-128"/>
-                          <a:ea typeface="Meiryo" charset="-128"/>
-                          <a:cs typeface="Meiryo" charset="-128"/>
-                        </a:rPr>
-                        <a:t>AIC</a:t>
-                      </a:r>
-                      <a:endParaRPr kumimoji="1" lang="ja-JP" altLang="en-US" b="0" dirty="0">
-                        <a:latin typeface="Meiryo" charset="-128"/>
-                        <a:ea typeface="Meiryo" charset="-128"/>
-                        <a:cs typeface="Meiryo" charset="-128"/>
-                      </a:endParaRPr>
-                    </a:p>
-                  </a:txBody>
-                  <a:tcPr anchor="ctr"/>
-                </a:tc>
-                <a:tc>
-                  <a:txBody>
-                    <a:bodyPr/>
-                    <a:lstStyle/>
-                    <a:p>
-                      <a:pPr algn="ctr"/>
-                      <a:r>
-                        <a:rPr kumimoji="1" lang="en-US" altLang="ja-JP" b="0" dirty="0">
-                          <a:latin typeface="Meiryo" charset="-128"/>
-                          <a:ea typeface="Meiryo" charset="-128"/>
-                          <a:cs typeface="Meiryo" charset="-128"/>
-                        </a:rPr>
-                        <a:t>4.69 (3.8739)</a:t>
-                      </a:r>
-                      <a:endParaRPr kumimoji="1" lang="ja-JP" altLang="en-US" b="0" dirty="0">
-                        <a:latin typeface="Meiryo" charset="-128"/>
-                        <a:ea typeface="Meiryo" charset="-128"/>
-                        <a:cs typeface="Meiryo" charset="-128"/>
-                      </a:endParaRPr>
-                    </a:p>
-                  </a:txBody>
-                  <a:tcPr anchor="ctr"/>
-                </a:tc>
-                <a:tc>
-                  <a:txBody>
-                    <a:bodyPr/>
-                    <a:lstStyle/>
-                    <a:p>
-                      <a:pPr algn="ctr"/>
-                      <a:r>
-                        <a:rPr kumimoji="1" lang="en-US" altLang="ja-JP" b="0" dirty="0">
-                          <a:latin typeface="Meiryo" charset="-128"/>
-                          <a:ea typeface="Meiryo" charset="-128"/>
-                          <a:cs typeface="Meiryo" charset="-128"/>
-                        </a:rPr>
-                        <a:t>0.88147442</a:t>
-                      </a:r>
-                      <a:endParaRPr kumimoji="1" lang="ja-JP" altLang="en-US" b="0" dirty="0">
-                        <a:latin typeface="Meiryo" charset="-128"/>
-                        <a:ea typeface="Meiryo" charset="-128"/>
-                        <a:cs typeface="Meiryo" charset="-128"/>
-                      </a:endParaRPr>
-                    </a:p>
-                  </a:txBody>
-                  <a:tcPr anchor="ctr"/>
-                </a:tc>
-                <a:extLst>
-                  <a:ext uri="{0D108BD9-81ED-4DB2-BD59-A6C34878D82A}">
-                    <a16:rowId xmlns:a16="http://schemas.microsoft.com/office/drawing/2014/main" val="10003"/>
-                  </a:ext>
-                </a:extLst>
-              </a:tr>
-              <a:tr h="435022">
-                <a:tc>
-                  <a:txBody>
-                    <a:bodyPr/>
-                    <a:lstStyle/>
-                    <a:p>
-                      <a:pPr algn="ctr"/>
-                      <a:r>
-                        <a:rPr kumimoji="1" lang="ja-JP" altLang="en-US" b="0" dirty="0">
-                          <a:latin typeface="Meiryo" charset="-128"/>
-                          <a:ea typeface="Meiryo" charset="-128"/>
-                          <a:cs typeface="Meiryo" charset="-128"/>
-                        </a:rPr>
-                        <a:t>対数尤度関数</a:t>
-                      </a:r>
-                      <a:endParaRPr kumimoji="1" lang="en-US" altLang="ja-JP" b="0" dirty="0">
-                        <a:latin typeface="Meiryo" charset="-128"/>
-                        <a:ea typeface="Meiryo" charset="-128"/>
-                        <a:cs typeface="Meiryo" charset="-128"/>
-                      </a:endParaRPr>
-                    </a:p>
-                  </a:txBody>
-                  <a:tcPr anchor="ctr"/>
-                </a:tc>
-                <a:tc>
-                  <a:txBody>
-                    <a:bodyPr/>
-                    <a:lstStyle/>
-                    <a:p>
-                      <a:pPr algn="ctr"/>
-                      <a:r>
-                        <a:rPr kumimoji="1" lang="en-US" altLang="ja-JP" b="0" dirty="0">
-                          <a:latin typeface="Meiryo" charset="-128"/>
-                          <a:ea typeface="Meiryo" charset="-128"/>
-                          <a:cs typeface="Meiryo" charset="-128"/>
-                        </a:rPr>
-                        <a:t>5.32 (10.236)</a:t>
-                      </a:r>
-                      <a:endParaRPr kumimoji="1" lang="ja-JP" altLang="en-US" b="0" dirty="0">
-                        <a:latin typeface="Meiryo" charset="-128"/>
-                        <a:ea typeface="Meiryo" charset="-128"/>
-                        <a:cs typeface="Meiryo" charset="-128"/>
-                      </a:endParaRPr>
-                    </a:p>
-                  </a:txBody>
-                  <a:tcPr anchor="ctr"/>
-                </a:tc>
-                <a:tc>
-                  <a:txBody>
-                    <a:bodyPr/>
-                    <a:lstStyle/>
-                    <a:p>
-                      <a:pPr algn="ctr"/>
-                      <a:r>
-                        <a:rPr kumimoji="1" lang="en-US" altLang="ja-JP" b="0" dirty="0">
-                          <a:latin typeface="Meiryo" charset="-128"/>
-                          <a:ea typeface="Meiryo" charset="-128"/>
-                          <a:cs typeface="Meiryo" charset="-128"/>
-                        </a:rPr>
-                        <a:t>0.91572100</a:t>
-                      </a:r>
-                      <a:endParaRPr kumimoji="1" lang="ja-JP" altLang="en-US" b="0" dirty="0">
-                        <a:latin typeface="Meiryo" charset="-128"/>
-                        <a:ea typeface="Meiryo" charset="-128"/>
-                        <a:cs typeface="Meiryo" charset="-128"/>
-                      </a:endParaRPr>
-                    </a:p>
-                  </a:txBody>
-                  <a:tcPr anchor="ctr"/>
-                </a:tc>
-                <a:extLst>
-                  <a:ext uri="{0D108BD9-81ED-4DB2-BD59-A6C34878D82A}">
-                    <a16:rowId xmlns:a16="http://schemas.microsoft.com/office/drawing/2014/main" val="10004"/>
-                  </a:ext>
-                </a:extLst>
-              </a:tr>
-            </a:tbl>
-          </a:graphicData>
-        </a:graphic>
-      </p:graphicFrame>
-      <p:sp>
-        <p:nvSpPr>
-          <p:cNvPr id="11" name="コンテンツ プレースホルダー 2"/>
-          <p:cNvSpPr>
-            <a:spLocks noGrp="1"/>
-          </p:cNvSpPr>
-          <p:nvPr>
-            <p:ph idx="1"/>
-          </p:nvPr>
-        </p:nvSpPr>
-        <p:spPr>
-          <a:xfrm>
-            <a:off x="838200" y="4417395"/>
-            <a:ext cx="10515600" cy="2221044"/>
-          </a:xfrm>
-        </p:spPr>
-        <p:txBody>
-          <a:bodyPr/>
-          <a:lstStyle/>
-          <a:p>
-            <a:pPr>
-              <a:lnSpc>
-                <a:spcPct val="150000"/>
-              </a:lnSpc>
-              <a:spcBef>
-                <a:spcPts val="0"/>
-              </a:spcBef>
-            </a:pPr>
-            <a:r>
-              <a:rPr kumimoji="1" lang="en-US" altLang="ja-JP" dirty="0"/>
-              <a:t>BIC</a:t>
-            </a:r>
-            <a:r>
-              <a:rPr kumimoji="1" lang="ja-JP" altLang="en-US" dirty="0"/>
-              <a:t>と</a:t>
-            </a:r>
-            <a:r>
-              <a:rPr kumimoji="1" lang="en-US" altLang="ja-JP" dirty="0" err="1"/>
-              <a:t>cAIC</a:t>
-            </a:r>
-            <a:r>
-              <a:rPr kumimoji="1" lang="ja-JP" altLang="en-US" dirty="0"/>
-              <a:t>に大きな差はない</a:t>
-            </a:r>
-            <a:endParaRPr kumimoji="1" lang="en-US" altLang="ja-JP" dirty="0"/>
-          </a:p>
-          <a:p>
-            <a:pPr>
-              <a:lnSpc>
-                <a:spcPct val="150000"/>
-              </a:lnSpc>
-              <a:spcBef>
-                <a:spcPts val="0"/>
-              </a:spcBef>
-            </a:pPr>
-            <a:r>
-              <a:rPr lang="en-US" altLang="ja-JP" dirty="0"/>
-              <a:t>AIC</a:t>
-            </a:r>
-            <a:r>
-              <a:rPr lang="ja-JP" altLang="en-US" dirty="0"/>
-              <a:t>ではクラスタ数を過大に見積もることがある</a:t>
-            </a:r>
-            <a:endParaRPr lang="en-US" altLang="ja-JP" dirty="0"/>
-          </a:p>
-          <a:p>
-            <a:pPr lvl="1">
-              <a:lnSpc>
-                <a:spcPct val="150000"/>
-              </a:lnSpc>
-              <a:spcBef>
-                <a:spcPts val="0"/>
-              </a:spcBef>
-            </a:pPr>
-            <a:r>
-              <a:rPr kumimoji="1" lang="ja-JP" altLang="en-US" dirty="0"/>
-              <a:t>対数尤度関数を利用するよりは良い結果になっている</a:t>
-            </a:r>
-          </a:p>
-        </p:txBody>
-      </p:sp>
-      <p:pic>
-        <p:nvPicPr>
-          <p:cNvPr id="7" name="コンテンツ プレースホルダー 3">
-            <a:extLst>
-              <a:ext uri="{FF2B5EF4-FFF2-40B4-BE49-F238E27FC236}">
-                <a16:creationId xmlns:a16="http://schemas.microsoft.com/office/drawing/2014/main" id="{35DF72C0-0B2C-2D4C-A8DC-AF8CB8E564DF}"/>
-              </a:ext>
-            </a:extLst>
-          </p:cNvPr>
-          <p:cNvPicPr>
-            <a:picLocks noChangeAspect="1"/>
-          </p:cNvPicPr>
-          <p:nvPr/>
-        </p:nvPicPr>
-        <p:blipFill>
-          <a:blip r:embed="rId3">
-            <a:extLst>
-              <a:ext uri="{28A0092B-C50C-407E-A947-70E740481C1C}">
-                <a14:useLocalDpi xmlns:a14="http://schemas.microsoft.com/office/drawing/2010/main" val="0"/>
-              </a:ext>
-            </a:extLst>
-          </a:blip>
-          <a:stretch>
-            <a:fillRect/>
-          </a:stretch>
-        </p:blipFill>
-        <p:spPr>
-          <a:xfrm>
-            <a:off x="7519093" y="1013493"/>
-            <a:ext cx="4535256" cy="3403902"/>
-          </a:xfrm>
-          <a:prstGeom prst="rect">
-            <a:avLst/>
-          </a:prstGeom>
-        </p:spPr>
-      </p:pic>
-      <p:sp>
-        <p:nvSpPr>
-          <p:cNvPr id="3" name="テキスト ボックス 2">
-            <a:extLst>
-              <a:ext uri="{FF2B5EF4-FFF2-40B4-BE49-F238E27FC236}">
-                <a16:creationId xmlns:a16="http://schemas.microsoft.com/office/drawing/2014/main" id="{38C459BD-74CC-F640-9D15-83582EC7E262}"/>
-              </a:ext>
-            </a:extLst>
-          </p:cNvPr>
-          <p:cNvSpPr txBox="1"/>
-          <p:nvPr/>
-        </p:nvSpPr>
-        <p:spPr>
-          <a:xfrm>
-            <a:off x="5681382" y="3915612"/>
-            <a:ext cx="1479892" cy="307777"/>
-          </a:xfrm>
-          <a:prstGeom prst="rect">
-            <a:avLst/>
-          </a:prstGeom>
-          <a:noFill/>
-        </p:spPr>
-        <p:txBody>
-          <a:bodyPr wrap="none" rtlCol="0">
-            <a:spAutoFit/>
-          </a:bodyPr>
-          <a:lstStyle/>
-          <a:p>
-            <a:r>
-              <a:rPr kumimoji="1" lang="en-US" altLang="ja-JP" sz="1400" dirty="0">
-                <a:latin typeface="Meiryo" panose="020B0604030504040204" pitchFamily="34" charset="-128"/>
-                <a:ea typeface="Meiryo" panose="020B0604030504040204" pitchFamily="34" charset="-128"/>
-              </a:rPr>
-              <a:t>※</a:t>
-            </a:r>
-            <a:r>
-              <a:rPr kumimoji="1" lang="ja-JP" altLang="en-US" sz="1400" dirty="0">
-                <a:latin typeface="Meiryo" panose="020B0604030504040204" pitchFamily="34" charset="-128"/>
-                <a:ea typeface="Meiryo" panose="020B0604030504040204" pitchFamily="34" charset="-128"/>
-              </a:rPr>
-              <a:t> </a:t>
-            </a:r>
-            <a:r>
-              <a:rPr kumimoji="1" lang="en-US" altLang="ja-JP" sz="1400" dirty="0">
-                <a:latin typeface="Meiryo" panose="020B0604030504040204" pitchFamily="34" charset="-128"/>
-                <a:ea typeface="Meiryo" panose="020B0604030504040204" pitchFamily="34" charset="-128"/>
-              </a:rPr>
-              <a:t>100</a:t>
-            </a:r>
-            <a:r>
-              <a:rPr kumimoji="1" lang="ja-JP" altLang="en-US" sz="1400" dirty="0">
-                <a:latin typeface="Meiryo" panose="020B0604030504040204" pitchFamily="34" charset="-128"/>
-                <a:ea typeface="Meiryo" panose="020B0604030504040204" pitchFamily="34" charset="-128"/>
-              </a:rPr>
-              <a:t>回の平均</a:t>
-            </a:r>
-          </a:p>
-        </p:txBody>
-      </p:sp>
-      <p:sp>
-        <p:nvSpPr>
-          <p:cNvPr id="8" name="テキスト ボックス 7">
-            <a:extLst>
-              <a:ext uri="{FF2B5EF4-FFF2-40B4-BE49-F238E27FC236}">
-                <a16:creationId xmlns:a16="http://schemas.microsoft.com/office/drawing/2014/main" id="{6273A50E-AEDA-D745-8FEC-EFF6C4B853B1}"/>
-              </a:ext>
-            </a:extLst>
-          </p:cNvPr>
-          <p:cNvSpPr txBox="1"/>
-          <p:nvPr/>
-        </p:nvSpPr>
-        <p:spPr>
-          <a:xfrm>
-            <a:off x="8345141" y="4417395"/>
-            <a:ext cx="3573414" cy="307777"/>
-          </a:xfrm>
-          <a:prstGeom prst="rect">
-            <a:avLst/>
-          </a:prstGeom>
-          <a:noFill/>
-        </p:spPr>
-        <p:txBody>
-          <a:bodyPr wrap="none" rtlCol="0">
-            <a:spAutoFit/>
-          </a:bodyPr>
-          <a:lstStyle/>
-          <a:p>
-            <a:r>
-              <a:rPr lang="ja-JP" altLang="en-US" sz="1400" dirty="0">
-                <a:latin typeface="Meiryo" panose="020B0604030504040204" pitchFamily="34" charset="-128"/>
-                <a:ea typeface="Meiryo" panose="020B0604030504040204" pitchFamily="34" charset="-128"/>
-              </a:rPr>
-              <a:t>各クラスタ</a:t>
-            </a:r>
-            <a:r>
-              <a:rPr lang="en-US" altLang="ja-JP" sz="1400" dirty="0">
-                <a:latin typeface="Meiryo" panose="020B0604030504040204" pitchFamily="34" charset="-128"/>
-                <a:ea typeface="Meiryo" panose="020B0604030504040204" pitchFamily="34" charset="-128"/>
-              </a:rPr>
-              <a:t>500</a:t>
-            </a:r>
-            <a:r>
-              <a:rPr lang="ja-JP" altLang="en-US" sz="1400" dirty="0">
-                <a:latin typeface="Meiryo" panose="020B0604030504040204" pitchFamily="34" charset="-128"/>
-                <a:ea typeface="Meiryo" panose="020B0604030504040204" pitchFamily="34" charset="-128"/>
-              </a:rPr>
-              <a:t>個のデータ点・</a:t>
-            </a:r>
-            <a:r>
-              <a:rPr lang="en-US" altLang="ja-JP" sz="1400" dirty="0">
-                <a:latin typeface="Meiryo" panose="020B0604030504040204" pitchFamily="34" charset="-128"/>
-                <a:ea typeface="Meiryo" panose="020B0604030504040204" pitchFamily="34" charset="-128"/>
-              </a:rPr>
-              <a:t>5</a:t>
-            </a:r>
-            <a:r>
-              <a:rPr lang="ja-JP" altLang="en-US" sz="1400" dirty="0">
-                <a:latin typeface="Meiryo" panose="020B0604030504040204" pitchFamily="34" charset="-128"/>
-                <a:ea typeface="Meiryo" panose="020B0604030504040204" pitchFamily="34" charset="-128"/>
-              </a:rPr>
-              <a:t>クラスタ</a:t>
-            </a:r>
-            <a:endParaRPr kumimoji="1" lang="ja-JP" altLang="en-US" sz="1400" dirty="0">
-              <a:latin typeface="Meiryo" panose="020B0604030504040204" pitchFamily="34" charset="-128"/>
-              <a:ea typeface="Meiryo" panose="020B0604030504040204" pitchFamily="34" charset="-128"/>
-            </a:endParaRPr>
-          </a:p>
-        </p:txBody>
-      </p:sp>
-    </p:spTree>
-    <p:extLst>
-      <p:ext uri="{BB962C8B-B14F-4D97-AF65-F5344CB8AC3E}">
-        <p14:creationId xmlns:p14="http://schemas.microsoft.com/office/powerpoint/2010/main" val="297513584"/>
-      </p:ext>
-    </p:extLst>
-  </p:cSld>
-  <p:clrMapOvr>
-    <a:masterClrMapping/>
-  </p:clrMapOvr>
-</p:sld>
-</file>
-
-<file path=ppt/slides/slide11.xml><?xml version="1.0" encoding="utf-8"?>
 <p:sld xmlns:a="http://schemas.openxmlformats.org/drawingml/2006/main" xmlns:r="http://schemas.openxmlformats.org/officeDocument/2006/relationships" xmlns:p="http://schemas.openxmlformats.org/presentationml/2006/main">
   <p:cSld>
     <p:spTree>
@@ -4601,7 +3736,7 @@
 </p:sld>
 </file>
 
-<file path=ppt/slides/slide12.xml><?xml version="1.0" encoding="utf-8"?>
+<file path=ppt/slides/slide11.xml><?xml version="1.0" encoding="utf-8"?>
 <p:sld xmlns:a="http://schemas.openxmlformats.org/drawingml/2006/main" xmlns:r="http://schemas.openxmlformats.org/officeDocument/2006/relationships" xmlns:p="http://schemas.openxmlformats.org/presentationml/2006/main">
   <p:cSld>
     <p:spTree>
@@ -5356,7 +4491,7 @@
 </p:sld>
 </file>
 
-<file path=ppt/slides/slide13.xml><?xml version="1.0" encoding="utf-8"?>
+<file path=ppt/slides/slide12.xml><?xml version="1.0" encoding="utf-8"?>
 <p:sld xmlns:a="http://schemas.openxmlformats.org/drawingml/2006/main" xmlns:r="http://schemas.openxmlformats.org/officeDocument/2006/relationships" xmlns:p="http://schemas.openxmlformats.org/presentationml/2006/main">
   <p:cSld>
     <p:spTree>
@@ -5531,6 +4666,78 @@
     <p:extLst>
       <p:ext uri="{BB962C8B-B14F-4D97-AF65-F5344CB8AC3E}">
         <p14:creationId xmlns:p14="http://schemas.microsoft.com/office/powerpoint/2010/main" val="2139596300"/>
+      </p:ext>
+    </p:extLst>
+  </p:cSld>
+  <p:clrMapOvr>
+    <a:masterClrMapping/>
+  </p:clrMapOvr>
+</p:sld>
+</file>
+
+<file path=ppt/slides/slide13.xml><?xml version="1.0" encoding="utf-8"?>
+<p:sld xmlns:a="http://schemas.openxmlformats.org/drawingml/2006/main" xmlns:r="http://schemas.openxmlformats.org/officeDocument/2006/relationships" xmlns:p="http://schemas.openxmlformats.org/presentationml/2006/main">
+  <p:cSld>
+    <p:spTree>
+      <p:nvGrpSpPr>
+        <p:cNvPr id="1" name=""/>
+        <p:cNvGrpSpPr/>
+        <p:nvPr/>
+      </p:nvGrpSpPr>
+      <p:grpSpPr>
+        <a:xfrm>
+          <a:off x="0" y="0"/>
+          <a:ext cx="0" cy="0"/>
+          <a:chOff x="0" y="0"/>
+          <a:chExt cx="0" cy="0"/>
+        </a:xfrm>
+      </p:grpSpPr>
+      <p:sp>
+        <p:nvSpPr>
+          <p:cNvPr id="2" name="タイトル 1"/>
+          <p:cNvSpPr>
+            <a:spLocks noGrp="1"/>
+          </p:cNvSpPr>
+          <p:nvPr>
+            <p:ph type="title"/>
+          </p:nvPr>
+        </p:nvSpPr>
+        <p:spPr>
+          <a:xfrm>
+            <a:off x="922283" y="3356686"/>
+            <a:ext cx="10515600" cy="636925"/>
+          </a:xfrm>
+        </p:spPr>
+        <p:txBody>
+          <a:bodyPr/>
+          <a:lstStyle/>
+          <a:p>
+            <a:r>
+              <a:rPr kumimoji="1" lang="en-US" altLang="ja-JP">
+                <a:solidFill>
+                  <a:schemeClr val="tx1">
+                    <a:lumMod val="85000"/>
+                    <a:lumOff val="15000"/>
+                  </a:schemeClr>
+                </a:solidFill>
+              </a:rPr>
+              <a:t>Appendix</a:t>
+            </a:r>
+            <a:endParaRPr kumimoji="1" lang="ja-JP" altLang="en-US" dirty="0">
+              <a:solidFill>
+                <a:schemeClr val="tx1">
+                  <a:lumMod val="85000"/>
+                  <a:lumOff val="15000"/>
+                </a:schemeClr>
+              </a:solidFill>
+            </a:endParaRPr>
+          </a:p>
+        </p:txBody>
+      </p:sp>
+    </p:spTree>
+    <p:extLst>
+      <p:ext uri="{BB962C8B-B14F-4D97-AF65-F5344CB8AC3E}">
+        <p14:creationId xmlns:p14="http://schemas.microsoft.com/office/powerpoint/2010/main" val="647820641"/>
       </p:ext>
     </p:extLst>
   </p:cSld>
@@ -5567,42 +4774,108 @@
             <p:ph type="title"/>
           </p:nvPr>
         </p:nvSpPr>
+        <p:spPr/>
+        <p:txBody>
+          <a:bodyPr/>
+          <a:lstStyle/>
+          <a:p>
+            <a:r>
+              <a:rPr kumimoji="1" lang="en-US" altLang="ja-JP" dirty="0"/>
+              <a:t>Appendix</a:t>
+            </a:r>
+            <a:endParaRPr kumimoji="1" lang="ja-JP" altLang="en-US" dirty="0"/>
+          </a:p>
+        </p:txBody>
+      </p:sp>
+      <p:sp>
+        <p:nvSpPr>
+          <p:cNvPr id="3" name="コンテンツ プレースホルダー 2"/>
+          <p:cNvSpPr>
+            <a:spLocks noGrp="1"/>
+          </p:cNvSpPr>
+          <p:nvPr>
+            <p:ph idx="1"/>
+          </p:nvPr>
+        </p:nvSpPr>
         <p:spPr>
           <a:xfrm>
-            <a:off x="922283" y="3356686"/>
-            <a:ext cx="10515600" cy="636925"/>
+            <a:off x="838200" y="1184610"/>
+            <a:ext cx="10515600" cy="5394866"/>
           </a:xfrm>
         </p:spPr>
         <p:txBody>
           <a:bodyPr/>
           <a:lstStyle/>
           <a:p>
-            <a:r>
-              <a:rPr kumimoji="1" lang="en-US" altLang="ja-JP">
-                <a:solidFill>
-                  <a:schemeClr val="tx1">
-                    <a:lumMod val="85000"/>
-                    <a:lumOff val="15000"/>
-                  </a:schemeClr>
-                </a:solidFill>
-              </a:rPr>
-              <a:t>Appendix</a:t>
-            </a:r>
-            <a:endParaRPr kumimoji="1" lang="ja-JP" altLang="en-US" dirty="0">
-              <a:solidFill>
-                <a:schemeClr val="tx1">
-                  <a:lumMod val="85000"/>
-                  <a:lumOff val="15000"/>
-                </a:schemeClr>
-              </a:solidFill>
-            </a:endParaRPr>
+            <a:pPr>
+              <a:lnSpc>
+                <a:spcPct val="150000"/>
+              </a:lnSpc>
+              <a:spcBef>
+                <a:spcPts val="0"/>
+              </a:spcBef>
+            </a:pPr>
+            <a:r>
+              <a:rPr kumimoji="1" lang="ja-JP" altLang="en-US" dirty="0"/>
+              <a:t>精度の評価指標について</a:t>
+            </a:r>
+            <a:endParaRPr kumimoji="1" lang="en-US" altLang="ja-JP" dirty="0"/>
+          </a:p>
+          <a:p>
+            <a:pPr>
+              <a:lnSpc>
+                <a:spcPct val="150000"/>
+              </a:lnSpc>
+              <a:spcBef>
+                <a:spcPts val="0"/>
+              </a:spcBef>
+            </a:pPr>
+            <a:r>
+              <a:rPr kumimoji="1" lang="ja-JP" altLang="en-US" dirty="0"/>
+              <a:t>最尤法</a:t>
+            </a:r>
+            <a:endParaRPr kumimoji="1" lang="en-US" altLang="ja-JP" dirty="0"/>
+          </a:p>
+          <a:p>
+            <a:pPr>
+              <a:lnSpc>
+                <a:spcPct val="150000"/>
+              </a:lnSpc>
+              <a:spcBef>
+                <a:spcPts val="0"/>
+              </a:spcBef>
+            </a:pPr>
+            <a:r>
+              <a:rPr lang="en-US" altLang="ja-JP" dirty="0"/>
+              <a:t>Gauss</a:t>
+            </a:r>
+            <a:r>
+              <a:rPr lang="ja-JP" altLang="en-US" dirty="0"/>
+              <a:t>分布</a:t>
+            </a:r>
+            <a:endParaRPr lang="en-US" altLang="ja-JP" dirty="0"/>
+          </a:p>
+          <a:p>
+            <a:pPr>
+              <a:lnSpc>
+                <a:spcPct val="150000"/>
+              </a:lnSpc>
+              <a:spcBef>
+                <a:spcPts val="0"/>
+              </a:spcBef>
+            </a:pPr>
+            <a:r>
+              <a:rPr kumimoji="1" lang="ja-JP" altLang="en-US"/>
+              <a:t>他の情報量規準</a:t>
+            </a:r>
+            <a:endParaRPr kumimoji="1" lang="ja-JP" altLang="en-US" dirty="0"/>
           </a:p>
         </p:txBody>
       </p:sp>
     </p:spTree>
     <p:extLst>
       <p:ext uri="{BB962C8B-B14F-4D97-AF65-F5344CB8AC3E}">
-        <p14:creationId xmlns:p14="http://schemas.microsoft.com/office/powerpoint/2010/main" val="647820641"/>
+        <p14:creationId xmlns:p14="http://schemas.microsoft.com/office/powerpoint/2010/main" val="1723619600"/>
       </p:ext>
     </p:extLst>
   </p:cSld>
@@ -5645,8 +4918,8 @@
           <a:lstStyle/>
           <a:p>
             <a:r>
-              <a:rPr kumimoji="1" lang="en-US" altLang="ja-JP" dirty="0"/>
-              <a:t>Appendix</a:t>
+              <a:rPr lang="ja-JP" altLang="en-US" dirty="0"/>
+              <a:t>実験</a:t>
             </a:r>
             <a:endParaRPr kumimoji="1" lang="ja-JP" altLang="en-US" dirty="0"/>
           </a:p>
@@ -5664,8 +4937,8 @@
         </p:nvSpPr>
         <p:spPr>
           <a:xfrm>
-            <a:off x="838200" y="1184610"/>
-            <a:ext cx="10515600" cy="5394866"/>
+            <a:off x="838200" y="2192940"/>
+            <a:ext cx="10515600" cy="3386573"/>
           </a:xfrm>
         </p:spPr>
         <p:txBody>
@@ -5673,65 +4946,73 @@
           <a:lstStyle/>
           <a:p>
             <a:pPr>
-              <a:lnSpc>
-                <a:spcPct val="150000"/>
-              </a:lnSpc>
-              <a:spcBef>
-                <a:spcPts val="0"/>
-              </a:spcBef>
+              <a:buFont typeface="Arial" charset="0"/>
+              <a:buChar char="•"/>
             </a:pPr>
             <a:r>
+              <a:rPr lang="ja-JP" altLang="en-US" dirty="0"/>
+              <a:t>分割停止規準に 対数尤度関数</a:t>
+            </a:r>
+            <a:r>
+              <a:rPr lang="en-US" altLang="ja-JP" dirty="0"/>
+              <a:t>, AIC, </a:t>
+            </a:r>
+            <a:r>
+              <a:rPr lang="en-US" altLang="ja-JP" dirty="0" err="1"/>
+              <a:t>cAIC</a:t>
+            </a:r>
+            <a:r>
+              <a:rPr lang="en-US" altLang="ja-JP" dirty="0"/>
+              <a:t>, BIC</a:t>
+            </a:r>
+            <a:r>
+              <a:rPr lang="ja-JP" altLang="en-US" dirty="0"/>
+              <a:t>を採用</a:t>
+            </a:r>
+            <a:endParaRPr lang="en-US" altLang="ja-JP" dirty="0"/>
+          </a:p>
+          <a:p>
+            <a:pPr>
+              <a:buFont typeface="Arial" charset="0"/>
+              <a:buChar char="•"/>
+            </a:pPr>
+            <a:r>
               <a:rPr kumimoji="1" lang="ja-JP" altLang="en-US" dirty="0"/>
-              <a:t>精度の評価指標について</a:t>
-            </a:r>
-            <a:endParaRPr kumimoji="1" lang="en-US" altLang="ja-JP" dirty="0"/>
+              <a:t>性能評価は</a:t>
+            </a:r>
+            <a:r>
+              <a:rPr kumimoji="1" lang="en-US" altLang="ja-JP" dirty="0"/>
+              <a:t>ARI, NMI, Purity</a:t>
+            </a:r>
+            <a:r>
+              <a:rPr kumimoji="1" lang="ja-JP" altLang="en-US" dirty="0"/>
+              <a:t>を使用</a:t>
+            </a:r>
+            <a:r>
+              <a:rPr kumimoji="1" lang="en-US" altLang="ja-JP" dirty="0"/>
+              <a:t> (1</a:t>
+            </a:r>
+            <a:r>
+              <a:rPr kumimoji="1" lang="ja-JP" altLang="en-US" dirty="0"/>
+              <a:t>になるほど良い</a:t>
+            </a:r>
+            <a:r>
+              <a:rPr kumimoji="1" lang="en-US" altLang="ja-JP" dirty="0"/>
+              <a:t>)</a:t>
+            </a:r>
           </a:p>
           <a:p>
             <a:pPr>
-              <a:lnSpc>
-                <a:spcPct val="150000"/>
-              </a:lnSpc>
-              <a:spcBef>
-                <a:spcPts val="0"/>
-              </a:spcBef>
+              <a:buFont typeface="Arial" charset="0"/>
+              <a:buChar char="•"/>
             </a:pPr>
             <a:r>
-              <a:rPr kumimoji="1" lang="ja-JP" altLang="en-US" dirty="0"/>
-              <a:t>最尤法</a:t>
-            </a:r>
-            <a:endParaRPr kumimoji="1" lang="en-US" altLang="ja-JP" dirty="0"/>
-          </a:p>
-          <a:p>
-            <a:pPr>
-              <a:lnSpc>
-                <a:spcPct val="150000"/>
-              </a:lnSpc>
-              <a:spcBef>
-                <a:spcPts val="0"/>
-              </a:spcBef>
-            </a:pPr>
-            <a:r>
               <a:rPr lang="en-US" altLang="ja-JP" dirty="0"/>
-              <a:t>Gauss</a:t>
+              <a:t>100</a:t>
             </a:r>
             <a:r>
               <a:rPr lang="ja-JP" altLang="en-US" dirty="0"/>
-              <a:t>分布</a:t>
-            </a:r>
-            <a:endParaRPr lang="en-US" altLang="ja-JP" dirty="0"/>
-          </a:p>
-          <a:p>
-            <a:pPr>
-              <a:lnSpc>
-                <a:spcPct val="150000"/>
-              </a:lnSpc>
-              <a:spcBef>
-                <a:spcPts val="0"/>
-              </a:spcBef>
-            </a:pPr>
-            <a:r>
-              <a:rPr kumimoji="1" lang="ja-JP" altLang="en-US"/>
-              <a:t>他の情報量規準</a:t>
+              <a:t>回のクラスタリング結果の平均を算出</a:t>
             </a:r>
             <a:endParaRPr kumimoji="1" lang="ja-JP" altLang="en-US" dirty="0"/>
           </a:p>
@@ -5740,7 +5021,7 @@
     </p:spTree>
     <p:extLst>
       <p:ext uri="{BB962C8B-B14F-4D97-AF65-F5344CB8AC3E}">
-        <p14:creationId xmlns:p14="http://schemas.microsoft.com/office/powerpoint/2010/main" val="1723619600"/>
+        <p14:creationId xmlns:p14="http://schemas.microsoft.com/office/powerpoint/2010/main" val="2067280417"/>
       </p:ext>
     </p:extLst>
   </p:cSld>
@@ -5783,152 +5064,6 @@
           <a:lstStyle/>
           <a:p>
             <a:r>
-              <a:rPr lang="ja-JP" altLang="en-US" dirty="0"/>
-              <a:t>実験</a:t>
-            </a:r>
-            <a:endParaRPr kumimoji="1" lang="ja-JP" altLang="en-US" dirty="0"/>
-          </a:p>
-        </p:txBody>
-      </p:sp>
-      <p:sp>
-        <p:nvSpPr>
-          <p:cNvPr id="3" name="コンテンツ プレースホルダー 2"/>
-          <p:cNvSpPr>
-            <a:spLocks noGrp="1"/>
-          </p:cNvSpPr>
-          <p:nvPr>
-            <p:ph idx="1"/>
-          </p:nvPr>
-        </p:nvSpPr>
-        <p:spPr>
-          <a:xfrm>
-            <a:off x="838200" y="2192940"/>
-            <a:ext cx="10515600" cy="3386573"/>
-          </a:xfrm>
-        </p:spPr>
-        <p:txBody>
-          <a:bodyPr/>
-          <a:lstStyle/>
-          <a:p>
-            <a:pPr>
-              <a:buFont typeface="Arial" charset="0"/>
-              <a:buChar char="•"/>
-            </a:pPr>
-            <a:r>
-              <a:rPr lang="ja-JP" altLang="en-US" dirty="0"/>
-              <a:t>分割停止規準に 対数尤度関数</a:t>
-            </a:r>
-            <a:r>
-              <a:rPr lang="en-US" altLang="ja-JP" dirty="0"/>
-              <a:t>, AIC, </a:t>
-            </a:r>
-            <a:r>
-              <a:rPr lang="en-US" altLang="ja-JP" dirty="0" err="1"/>
-              <a:t>cAIC</a:t>
-            </a:r>
-            <a:r>
-              <a:rPr lang="en-US" altLang="ja-JP" dirty="0"/>
-              <a:t>, BIC</a:t>
-            </a:r>
-            <a:r>
-              <a:rPr lang="ja-JP" altLang="en-US" dirty="0"/>
-              <a:t>を採用</a:t>
-            </a:r>
-            <a:endParaRPr lang="en-US" altLang="ja-JP" dirty="0"/>
-          </a:p>
-          <a:p>
-            <a:pPr>
-              <a:buFont typeface="Arial" charset="0"/>
-              <a:buChar char="•"/>
-            </a:pPr>
-            <a:r>
-              <a:rPr kumimoji="1" lang="ja-JP" altLang="en-US" dirty="0"/>
-              <a:t>性能評価は</a:t>
-            </a:r>
-            <a:r>
-              <a:rPr kumimoji="1" lang="en-US" altLang="ja-JP" dirty="0"/>
-              <a:t>ARI, NMI, Purity</a:t>
-            </a:r>
-            <a:r>
-              <a:rPr kumimoji="1" lang="ja-JP" altLang="en-US" dirty="0"/>
-              <a:t>を使用</a:t>
-            </a:r>
-            <a:r>
-              <a:rPr kumimoji="1" lang="en-US" altLang="ja-JP" dirty="0"/>
-              <a:t> (1</a:t>
-            </a:r>
-            <a:r>
-              <a:rPr kumimoji="1" lang="ja-JP" altLang="en-US" dirty="0"/>
-              <a:t>になるほど良い</a:t>
-            </a:r>
-            <a:r>
-              <a:rPr kumimoji="1" lang="en-US" altLang="ja-JP" dirty="0"/>
-              <a:t>)</a:t>
-            </a:r>
-          </a:p>
-          <a:p>
-            <a:pPr>
-              <a:buFont typeface="Arial" charset="0"/>
-              <a:buChar char="•"/>
-            </a:pPr>
-            <a:r>
-              <a:rPr lang="en-US" altLang="ja-JP" dirty="0"/>
-              <a:t>100</a:t>
-            </a:r>
-            <a:r>
-              <a:rPr lang="ja-JP" altLang="en-US" dirty="0"/>
-              <a:t>回のクラスタリング結果の平均を算出</a:t>
-            </a:r>
-            <a:endParaRPr kumimoji="1" lang="ja-JP" altLang="en-US" dirty="0"/>
-          </a:p>
-        </p:txBody>
-      </p:sp>
-    </p:spTree>
-    <p:extLst>
-      <p:ext uri="{BB962C8B-B14F-4D97-AF65-F5344CB8AC3E}">
-        <p14:creationId xmlns:p14="http://schemas.microsoft.com/office/powerpoint/2010/main" val="2067280417"/>
-      </p:ext>
-    </p:extLst>
-  </p:cSld>
-  <p:clrMapOvr>
-    <a:masterClrMapping/>
-  </p:clrMapOvr>
-</p:sld>
-</file>
-
-<file path=ppt/slides/slide17.xml><?xml version="1.0" encoding="utf-8"?>
-<p:sld xmlns:a="http://schemas.openxmlformats.org/drawingml/2006/main" xmlns:r="http://schemas.openxmlformats.org/officeDocument/2006/relationships" xmlns:p="http://schemas.openxmlformats.org/presentationml/2006/main">
-  <p:cSld>
-    <p:spTree>
-      <p:nvGrpSpPr>
-        <p:cNvPr id="1" name=""/>
-        <p:cNvGrpSpPr/>
-        <p:nvPr/>
-      </p:nvGrpSpPr>
-      <p:grpSpPr>
-        <a:xfrm>
-          <a:off x="0" y="0"/>
-          <a:ext cx="0" cy="0"/>
-          <a:chOff x="0" y="0"/>
-          <a:chExt cx="0" cy="0"/>
-        </a:xfrm>
-      </p:grpSpPr>
-      <p:sp>
-        <p:nvSpPr>
-          <p:cNvPr id="2" name="タイトル 1"/>
-          <p:cNvSpPr>
-            <a:spLocks noGrp="1"/>
-          </p:cNvSpPr>
-          <p:nvPr>
-            <p:ph type="title"/>
-          </p:nvPr>
-        </p:nvSpPr>
-        <p:spPr/>
-        <p:txBody>
-          <a:bodyPr/>
-          <a:lstStyle/>
-          <a:p>
-            <a:r>
               <a:rPr kumimoji="1" lang="ja-JP" altLang="en-US" dirty="0"/>
               <a:t>精度の評価指数について</a:t>
             </a:r>
@@ -6040,7 +5175,7 @@
 </p:sld>
 </file>
 
-<file path=ppt/slides/slide18.xml><?xml version="1.0" encoding="utf-8"?>
+<file path=ppt/slides/slide17.xml><?xml version="1.0" encoding="utf-8"?>
 <p:sld xmlns:a="http://schemas.openxmlformats.org/drawingml/2006/main" xmlns:r="http://schemas.openxmlformats.org/officeDocument/2006/relationships" xmlns:p="http://schemas.openxmlformats.org/presentationml/2006/main">
   <p:cSld>
     <p:spTree>
@@ -6625,7 +5760,7 @@
 </p:sld>
 </file>
 
-<file path=ppt/slides/slide19.xml><?xml version="1.0" encoding="utf-8"?>
+<file path=ppt/slides/slide18.xml><?xml version="1.0" encoding="utf-8"?>
 <p:sld xmlns:a="http://schemas.openxmlformats.org/drawingml/2006/main" xmlns:r="http://schemas.openxmlformats.org/officeDocument/2006/relationships" xmlns:p="http://schemas.openxmlformats.org/presentationml/2006/main">
   <p:cSld>
     <p:spTree>
@@ -7017,203 +6152,7 @@
 </p:sld>
 </file>
 
-<file path=ppt/slides/slide2.xml><?xml version="1.0" encoding="utf-8"?>
-<p:sld xmlns:a="http://schemas.openxmlformats.org/drawingml/2006/main" xmlns:r="http://schemas.openxmlformats.org/officeDocument/2006/relationships" xmlns:p="http://schemas.openxmlformats.org/presentationml/2006/main">
-  <p:cSld>
-    <p:spTree>
-      <p:nvGrpSpPr>
-        <p:cNvPr id="1" name=""/>
-        <p:cNvGrpSpPr/>
-        <p:nvPr/>
-      </p:nvGrpSpPr>
-      <p:grpSpPr>
-        <a:xfrm>
-          <a:off x="0" y="0"/>
-          <a:ext cx="0" cy="0"/>
-          <a:chOff x="0" y="0"/>
-          <a:chExt cx="0" cy="0"/>
-        </a:xfrm>
-      </p:grpSpPr>
-      <p:sp>
-        <p:nvSpPr>
-          <p:cNvPr id="2" name="タイトル 1"/>
-          <p:cNvSpPr>
-            <a:spLocks noGrp="1"/>
-          </p:cNvSpPr>
-          <p:nvPr>
-            <p:ph type="title"/>
-          </p:nvPr>
-        </p:nvSpPr>
-        <p:spPr/>
-        <p:txBody>
-          <a:bodyPr>
-            <a:normAutofit/>
-          </a:bodyPr>
-          <a:lstStyle/>
-          <a:p>
-            <a:r>
-              <a:rPr kumimoji="1" lang="ja-JP" altLang="en-US" dirty="0"/>
-              <a:t>背景</a:t>
-            </a:r>
-          </a:p>
-        </p:txBody>
-      </p:sp>
-      <p:sp>
-        <p:nvSpPr>
-          <p:cNvPr id="3" name="コンテンツ プレースホルダー 2"/>
-          <p:cNvSpPr>
-            <a:spLocks noGrp="1"/>
-          </p:cNvSpPr>
-          <p:nvPr>
-            <p:ph idx="1"/>
-          </p:nvPr>
-        </p:nvSpPr>
-        <p:spPr>
-          <a:xfrm>
-            <a:off x="165538" y="998483"/>
-            <a:ext cx="11188262" cy="5859517"/>
-          </a:xfrm>
-        </p:spPr>
-        <p:txBody>
-          <a:bodyPr anchor="ctr">
-            <a:normAutofit/>
-          </a:bodyPr>
-          <a:lstStyle/>
-          <a:p>
-            <a:pPr marL="0" indent="0">
-              <a:spcBef>
-                <a:spcPts val="0"/>
-              </a:spcBef>
-              <a:buNone/>
-            </a:pPr>
-            <a:r>
-              <a:rPr kumimoji="1" lang="ja-JP" altLang="en-US" b="1" dirty="0"/>
-              <a:t>クラスタリング</a:t>
-            </a:r>
-            <a:endParaRPr kumimoji="1" lang="en-US" altLang="ja-JP" b="1" dirty="0"/>
-          </a:p>
-          <a:p>
-            <a:pPr>
-              <a:spcBef>
-                <a:spcPts val="0"/>
-              </a:spcBef>
-              <a:buFont typeface="Wingdings" charset="2"/>
-              <a:buChar char="u"/>
-            </a:pPr>
-            <a:r>
-              <a:rPr lang="ja-JP" altLang="en-US" dirty="0"/>
-              <a:t> データを任意の数のクラスタにわける手法</a:t>
-            </a:r>
-            <a:endParaRPr lang="en-US" altLang="ja-JP" dirty="0"/>
-          </a:p>
-          <a:p>
-            <a:pPr>
-              <a:spcBef>
-                <a:spcPts val="0"/>
-              </a:spcBef>
-              <a:buFont typeface="Wingdings" charset="2"/>
-              <a:buChar char="u"/>
-            </a:pPr>
-            <a:r>
-              <a:rPr lang="ja-JP" altLang="en-US" dirty="0"/>
-              <a:t> データ解析・画像処理などで利用</a:t>
-            </a:r>
-            <a:endParaRPr lang="en-US" altLang="ja-JP" dirty="0"/>
-          </a:p>
-          <a:p>
-            <a:pPr>
-              <a:spcBef>
-                <a:spcPts val="0"/>
-              </a:spcBef>
-              <a:buFont typeface="Wingdings" charset="2"/>
-              <a:buChar char="u"/>
-            </a:pPr>
-            <a:r>
-              <a:rPr lang="ja-JP" altLang="en-US" dirty="0"/>
-              <a:t> </a:t>
-            </a:r>
-            <a:r>
-              <a:rPr lang="en-US" altLang="ja-JP" b="1" i="1" dirty="0">
-                <a:latin typeface="Times New Roman" charset="0"/>
-                <a:ea typeface="Times New Roman" charset="0"/>
-                <a:cs typeface="Times New Roman" charset="0"/>
-              </a:rPr>
-              <a:t>k</a:t>
-            </a:r>
-            <a:r>
-              <a:rPr lang="en-US" altLang="ja-JP" b="1" dirty="0">
-                <a:latin typeface="Times New Roman" charset="0"/>
-                <a:ea typeface="Times New Roman" charset="0"/>
-                <a:cs typeface="Times New Roman" charset="0"/>
-              </a:rPr>
-              <a:t>-means</a:t>
-            </a:r>
-            <a:r>
-              <a:rPr lang="ja-JP" altLang="en-US" b="1" dirty="0"/>
-              <a:t>ではクラスタ数を事前に指定してクラスタリング</a:t>
-            </a:r>
-            <a:br>
-              <a:rPr lang="en-US" altLang="ja-JP" b="1" dirty="0"/>
-            </a:br>
-            <a:r>
-              <a:rPr kumimoji="1" lang="ja-JP" altLang="en-US" dirty="0"/>
-              <a:t>⇒ クラスタ数が未知の場合「</a:t>
-            </a:r>
-            <a:r>
-              <a:rPr kumimoji="1" lang="ja-JP" altLang="en-US" b="1" dirty="0"/>
-              <a:t>クラスタ数推定</a:t>
-            </a:r>
-            <a:r>
-              <a:rPr kumimoji="1" lang="ja-JP" altLang="en-US" dirty="0"/>
-              <a:t>」が必要</a:t>
-            </a:r>
-          </a:p>
-        </p:txBody>
-      </p:sp>
-      <p:pic>
-        <p:nvPicPr>
-          <p:cNvPr id="4" name="図 3"/>
-          <p:cNvPicPr>
-            <a:picLocks noChangeAspect="1"/>
-          </p:cNvPicPr>
-          <p:nvPr/>
-        </p:nvPicPr>
-        <p:blipFill>
-          <a:blip r:embed="rId2">
-            <a:extLst>
-              <a:ext uri="{28A0092B-C50C-407E-A947-70E740481C1C}">
-                <a14:useLocalDpi xmlns:a14="http://schemas.microsoft.com/office/drawing/2010/main" val="0"/>
-              </a:ext>
-            </a:extLst>
-          </a:blip>
-          <a:stretch>
-            <a:fillRect/>
-          </a:stretch>
-        </p:blipFill>
-        <p:spPr>
-          <a:xfrm>
-            <a:off x="8490308" y="1646323"/>
-            <a:ext cx="3701692" cy="2776269"/>
-          </a:xfrm>
-          <a:prstGeom prst="rect">
-            <a:avLst/>
-          </a:prstGeom>
-        </p:spPr>
-      </p:pic>
-    </p:spTree>
-    <p:extLst>
-      <p:ext uri="{BB962C8B-B14F-4D97-AF65-F5344CB8AC3E}">
-        <p14:creationId xmlns:p14="http://schemas.microsoft.com/office/powerpoint/2010/main" val="1377184672"/>
-      </p:ext>
-    </p:extLst>
-  </p:cSld>
-  <p:clrMapOvr>
-    <a:masterClrMapping/>
-  </p:clrMapOvr>
-</p:sld>
-</file>
-
-<file path=ppt/slides/slide20.xml><?xml version="1.0" encoding="utf-8"?>
+<file path=ppt/slides/slide19.xml><?xml version="1.0" encoding="utf-8"?>
 <p:sld xmlns:a="http://schemas.openxmlformats.org/drawingml/2006/main" xmlns:r="http://schemas.openxmlformats.org/officeDocument/2006/relationships" xmlns:p="http://schemas.openxmlformats.org/presentationml/2006/main">
   <p:cSld>
     <p:spTree>
@@ -7659,7 +6598,203 @@
 </p:sld>
 </file>
 
-<file path=ppt/slides/slide21.xml><?xml version="1.0" encoding="utf-8"?>
+<file path=ppt/slides/slide2.xml><?xml version="1.0" encoding="utf-8"?>
+<p:sld xmlns:a="http://schemas.openxmlformats.org/drawingml/2006/main" xmlns:r="http://schemas.openxmlformats.org/officeDocument/2006/relationships" xmlns:p="http://schemas.openxmlformats.org/presentationml/2006/main">
+  <p:cSld>
+    <p:spTree>
+      <p:nvGrpSpPr>
+        <p:cNvPr id="1" name=""/>
+        <p:cNvGrpSpPr/>
+        <p:nvPr/>
+      </p:nvGrpSpPr>
+      <p:grpSpPr>
+        <a:xfrm>
+          <a:off x="0" y="0"/>
+          <a:ext cx="0" cy="0"/>
+          <a:chOff x="0" y="0"/>
+          <a:chExt cx="0" cy="0"/>
+        </a:xfrm>
+      </p:grpSpPr>
+      <p:sp>
+        <p:nvSpPr>
+          <p:cNvPr id="2" name="タイトル 1"/>
+          <p:cNvSpPr>
+            <a:spLocks noGrp="1"/>
+          </p:cNvSpPr>
+          <p:nvPr>
+            <p:ph type="title"/>
+          </p:nvPr>
+        </p:nvSpPr>
+        <p:spPr/>
+        <p:txBody>
+          <a:bodyPr>
+            <a:normAutofit/>
+          </a:bodyPr>
+          <a:lstStyle/>
+          <a:p>
+            <a:r>
+              <a:rPr kumimoji="1" lang="ja-JP" altLang="en-US" dirty="0"/>
+              <a:t>背景</a:t>
+            </a:r>
+          </a:p>
+        </p:txBody>
+      </p:sp>
+      <p:sp>
+        <p:nvSpPr>
+          <p:cNvPr id="3" name="コンテンツ プレースホルダー 2"/>
+          <p:cNvSpPr>
+            <a:spLocks noGrp="1"/>
+          </p:cNvSpPr>
+          <p:nvPr>
+            <p:ph idx="1"/>
+          </p:nvPr>
+        </p:nvSpPr>
+        <p:spPr>
+          <a:xfrm>
+            <a:off x="165538" y="998483"/>
+            <a:ext cx="11188262" cy="5859517"/>
+          </a:xfrm>
+        </p:spPr>
+        <p:txBody>
+          <a:bodyPr anchor="ctr">
+            <a:normAutofit/>
+          </a:bodyPr>
+          <a:lstStyle/>
+          <a:p>
+            <a:pPr marL="0" indent="0">
+              <a:spcBef>
+                <a:spcPts val="0"/>
+              </a:spcBef>
+              <a:buNone/>
+            </a:pPr>
+            <a:r>
+              <a:rPr kumimoji="1" lang="ja-JP" altLang="en-US" b="1" dirty="0"/>
+              <a:t>クラスタリング</a:t>
+            </a:r>
+            <a:endParaRPr kumimoji="1" lang="en-US" altLang="ja-JP" b="1" dirty="0"/>
+          </a:p>
+          <a:p>
+            <a:pPr>
+              <a:spcBef>
+                <a:spcPts val="0"/>
+              </a:spcBef>
+              <a:buFont typeface="Wingdings" charset="2"/>
+              <a:buChar char="u"/>
+            </a:pPr>
+            <a:r>
+              <a:rPr lang="ja-JP" altLang="en-US" dirty="0"/>
+              <a:t> データを任意の数のクラスタにわける手法</a:t>
+            </a:r>
+            <a:endParaRPr lang="en-US" altLang="ja-JP" dirty="0"/>
+          </a:p>
+          <a:p>
+            <a:pPr>
+              <a:spcBef>
+                <a:spcPts val="0"/>
+              </a:spcBef>
+              <a:buFont typeface="Wingdings" charset="2"/>
+              <a:buChar char="u"/>
+            </a:pPr>
+            <a:r>
+              <a:rPr lang="ja-JP" altLang="en-US" dirty="0"/>
+              <a:t> データ解析・画像処理などで利用</a:t>
+            </a:r>
+            <a:endParaRPr lang="en-US" altLang="ja-JP" dirty="0"/>
+          </a:p>
+          <a:p>
+            <a:pPr>
+              <a:spcBef>
+                <a:spcPts val="0"/>
+              </a:spcBef>
+              <a:buFont typeface="Wingdings" charset="2"/>
+              <a:buChar char="u"/>
+            </a:pPr>
+            <a:r>
+              <a:rPr lang="ja-JP" altLang="en-US" dirty="0"/>
+              <a:t> </a:t>
+            </a:r>
+            <a:r>
+              <a:rPr lang="en-US" altLang="ja-JP" b="1" i="1" dirty="0">
+                <a:latin typeface="Times New Roman" charset="0"/>
+                <a:ea typeface="Times New Roman" charset="0"/>
+                <a:cs typeface="Times New Roman" charset="0"/>
+              </a:rPr>
+              <a:t>k</a:t>
+            </a:r>
+            <a:r>
+              <a:rPr lang="en-US" altLang="ja-JP" b="1" dirty="0">
+                <a:latin typeface="Times New Roman" charset="0"/>
+                <a:ea typeface="Times New Roman" charset="0"/>
+                <a:cs typeface="Times New Roman" charset="0"/>
+              </a:rPr>
+              <a:t>-means</a:t>
+            </a:r>
+            <a:r>
+              <a:rPr lang="ja-JP" altLang="en-US" b="1" dirty="0"/>
+              <a:t>ではクラスタ数を事前に指定してクラスタリング</a:t>
+            </a:r>
+            <a:br>
+              <a:rPr lang="en-US" altLang="ja-JP" b="1" dirty="0"/>
+            </a:br>
+            <a:r>
+              <a:rPr kumimoji="1" lang="ja-JP" altLang="en-US" dirty="0"/>
+              <a:t>⇒ クラスタ数が未知の場合「</a:t>
+            </a:r>
+            <a:r>
+              <a:rPr kumimoji="1" lang="ja-JP" altLang="en-US" b="1" dirty="0"/>
+              <a:t>クラスタ数推定</a:t>
+            </a:r>
+            <a:r>
+              <a:rPr kumimoji="1" lang="ja-JP" altLang="en-US" dirty="0"/>
+              <a:t>」が必要</a:t>
+            </a:r>
+          </a:p>
+        </p:txBody>
+      </p:sp>
+      <p:pic>
+        <p:nvPicPr>
+          <p:cNvPr id="4" name="図 3"/>
+          <p:cNvPicPr>
+            <a:picLocks noChangeAspect="1"/>
+          </p:cNvPicPr>
+          <p:nvPr/>
+        </p:nvPicPr>
+        <p:blipFill>
+          <a:blip r:embed="rId2">
+            <a:extLst>
+              <a:ext uri="{28A0092B-C50C-407E-A947-70E740481C1C}">
+                <a14:useLocalDpi xmlns:a14="http://schemas.microsoft.com/office/drawing/2010/main" val="0"/>
+              </a:ext>
+            </a:extLst>
+          </a:blip>
+          <a:stretch>
+            <a:fillRect/>
+          </a:stretch>
+        </p:blipFill>
+        <p:spPr>
+          <a:xfrm>
+            <a:off x="8490308" y="1646323"/>
+            <a:ext cx="3701692" cy="2776269"/>
+          </a:xfrm>
+          <a:prstGeom prst="rect">
+            <a:avLst/>
+          </a:prstGeom>
+        </p:spPr>
+      </p:pic>
+    </p:spTree>
+    <p:extLst>
+      <p:ext uri="{BB962C8B-B14F-4D97-AF65-F5344CB8AC3E}">
+        <p14:creationId xmlns:p14="http://schemas.microsoft.com/office/powerpoint/2010/main" val="1377184672"/>
+      </p:ext>
+    </p:extLst>
+  </p:cSld>
+  <p:clrMapOvr>
+    <a:masterClrMapping/>
+  </p:clrMapOvr>
+</p:sld>
+</file>
+
+<file path=ppt/slides/slide20.xml><?xml version="1.0" encoding="utf-8"?>
 <p:sld xmlns:a="http://schemas.openxmlformats.org/drawingml/2006/main" xmlns:r="http://schemas.openxmlformats.org/officeDocument/2006/relationships" xmlns:p="http://schemas.openxmlformats.org/presentationml/2006/main">
   <p:cSld>
     <p:spTree>
@@ -8483,7 +7618,7 @@
 </p:sld>
 </file>
 
-<file path=ppt/slides/slide22.xml><?xml version="1.0" encoding="utf-8"?>
+<file path=ppt/slides/slide21.xml><?xml version="1.0" encoding="utf-8"?>
 <p:sld xmlns:a="http://schemas.openxmlformats.org/drawingml/2006/main" xmlns:r="http://schemas.openxmlformats.org/officeDocument/2006/relationships" xmlns:p="http://schemas.openxmlformats.org/presentationml/2006/main">
   <p:cSld>
     <p:spTree>
@@ -8802,7 +7937,7 @@
 </p:sld>
 </file>
 
-<file path=ppt/slides/slide23.xml><?xml version="1.0" encoding="utf-8"?>
+<file path=ppt/slides/slide22.xml><?xml version="1.0" encoding="utf-8"?>
 <p:sld xmlns:a="http://schemas.openxmlformats.org/drawingml/2006/main" xmlns:r="http://schemas.openxmlformats.org/officeDocument/2006/relationships" xmlns:p="http://schemas.openxmlformats.org/presentationml/2006/main">
   <p:cSld>
     <p:spTree>
@@ -9616,15 +8751,15 @@
         </p:nvSpPr>
         <p:spPr>
           <a:xfrm>
-            <a:off x="252247" y="1184611"/>
-            <a:ext cx="11540359" cy="3009018"/>
+            <a:off x="325820" y="2649692"/>
+            <a:ext cx="11540359" cy="2251316"/>
           </a:xfrm>
         </p:spPr>
         <p:txBody>
           <a:bodyPr/>
           <a:lstStyle/>
           <a:p>
-            <a:pPr marL="0" marR="0" lvl="0" indent="0" defTabSz="914400" eaLnBrk="1" fontAlgn="auto" latinLnBrk="0" hangingPunct="1">
+            <a:pPr marL="0" marR="0" lvl="0" indent="0" algn="ctr" defTabSz="914400" eaLnBrk="1" fontAlgn="auto" latinLnBrk="0" hangingPunct="1">
               <a:spcBef>
                 <a:spcPts val="0"/>
               </a:spcBef>
@@ -9649,7 +8784,7 @@
             <a:endParaRPr kumimoji="1" lang="en-US" altLang="ja-JP" dirty="0"/>
           </a:p>
           <a:p>
-            <a:pPr marR="0" lvl="0" defTabSz="914400" eaLnBrk="1" fontAlgn="auto" latinLnBrk="0" hangingPunct="1">
+            <a:pPr marL="0" marR="0" lvl="0" indent="0" algn="ctr" defTabSz="914400" eaLnBrk="1" fontAlgn="auto" latinLnBrk="0" hangingPunct="1">
               <a:spcBef>
                 <a:spcPts val="0"/>
               </a:spcBef>
@@ -9658,159 +8793,19 @@
               </a:spcAft>
               <a:buClrTx/>
               <a:buSzTx/>
-              <a:buFont typeface="Wingdings" charset="2"/>
-              <a:buChar char="u"/>
+              <a:buNone/>
               <a:tabLst/>
               <a:defRPr/>
             </a:pPr>
             <a:r>
-              <a:rPr lang="ja-JP" altLang="en-US" dirty="0"/>
-              <a:t> データが混合等方</a:t>
-            </a:r>
-            <a:r>
-              <a:rPr lang="en-US" altLang="ja-JP" dirty="0"/>
-              <a:t>Gauss</a:t>
-            </a:r>
-            <a:r>
-              <a:rPr lang="ja-JP" altLang="en-US" dirty="0"/>
-              <a:t>分布から生成されたと想定</a:t>
-            </a:r>
-            <a:endParaRPr lang="en-US" altLang="ja-JP" dirty="0"/>
-          </a:p>
-          <a:p>
-            <a:pPr marR="0" lvl="0" defTabSz="914400" eaLnBrk="1" fontAlgn="auto" latinLnBrk="0" hangingPunct="1">
-              <a:spcBef>
-                <a:spcPts val="0"/>
-              </a:spcBef>
-              <a:spcAft>
-                <a:spcPts val="0"/>
-              </a:spcAft>
-              <a:buClrTx/>
-              <a:buSzTx/>
-              <a:buFont typeface="Wingdings" charset="2"/>
-              <a:buChar char="u"/>
-              <a:tabLst/>
-              <a:defRPr/>
-            </a:pPr>
-            <a:r>
-              <a:rPr lang="ja-JP" altLang="en-US" dirty="0"/>
-              <a:t> </a:t>
-            </a:r>
-            <a:r>
-              <a:rPr lang="ja-JP" altLang="en-US" b="1" dirty="0"/>
+              <a:rPr lang="ja-JP" altLang="en-US" sz="4000" b="1" dirty="0"/>
               <a:t>情報量規準</a:t>
             </a:r>
             <a:r>
-              <a:rPr lang="ja-JP" altLang="en-US" dirty="0"/>
-              <a:t>と呼ばれる指標によりクラスタ数を推定</a:t>
-            </a:r>
-            <a:endParaRPr kumimoji="1" lang="ja-JP" altLang="en-US" dirty="0"/>
-          </a:p>
-        </p:txBody>
-      </p:sp>
-      <p:sp>
-        <p:nvSpPr>
-          <p:cNvPr id="4" name="正方形/長方形 3"/>
-          <p:cNvSpPr/>
-          <p:nvPr/>
-        </p:nvSpPr>
-        <p:spPr>
-          <a:xfrm>
-            <a:off x="0" y="4390587"/>
-            <a:ext cx="12192000" cy="2309757"/>
-          </a:xfrm>
-          <a:prstGeom prst="rect">
-            <a:avLst/>
-          </a:prstGeom>
-          <a:solidFill>
-            <a:schemeClr val="bg2">
-              <a:lumMod val="90000"/>
-            </a:schemeClr>
-          </a:solidFill>
-          <a:ln>
-            <a:noFill/>
-          </a:ln>
-        </p:spPr>
-        <p:style>
-          <a:lnRef idx="2">
-            <a:schemeClr val="accent1">
-              <a:shade val="50000"/>
-            </a:schemeClr>
-          </a:lnRef>
-          <a:fillRef idx="1">
-            <a:schemeClr val="accent1"/>
-          </a:fillRef>
-          <a:effectRef idx="0">
-            <a:schemeClr val="accent1"/>
-          </a:effectRef>
-          <a:fontRef idx="minor">
-            <a:schemeClr val="lt1"/>
-          </a:fontRef>
-        </p:style>
-        <p:txBody>
-          <a:bodyPr rtlCol="0" anchor="ctr"/>
-          <a:lstStyle/>
-          <a:p>
-            <a:pPr algn="ctr">
-              <a:lnSpc>
-                <a:spcPct val="150000"/>
-              </a:lnSpc>
-            </a:pPr>
-            <a:r>
-              <a:rPr kumimoji="1" lang="ja-JP" altLang="en-US" sz="2800" b="1" dirty="0">
-                <a:solidFill>
-                  <a:schemeClr val="accent1">
-                    <a:lumMod val="75000"/>
-                  </a:schemeClr>
-                </a:solidFill>
-                <a:latin typeface="Meiryo" charset="-128"/>
-                <a:ea typeface="Meiryo" charset="-128"/>
-                <a:cs typeface="Meiryo" charset="-128"/>
-              </a:rPr>
-              <a:t>情報量規準</a:t>
-            </a:r>
-            <a:endParaRPr kumimoji="1" lang="en-US" altLang="ja-JP" sz="2800" b="1" dirty="0">
-              <a:solidFill>
-                <a:schemeClr val="accent1">
-                  <a:lumMod val="75000"/>
-                </a:schemeClr>
-              </a:solidFill>
-              <a:latin typeface="Meiryo" charset="-128"/>
-              <a:ea typeface="Meiryo" charset="-128"/>
-              <a:cs typeface="Meiryo" charset="-128"/>
-            </a:endParaRPr>
-          </a:p>
-          <a:p>
-            <a:pPr algn="ctr">
-              <a:lnSpc>
-                <a:spcPct val="150000"/>
-              </a:lnSpc>
-            </a:pPr>
-            <a:r>
-              <a:rPr kumimoji="1" lang="ja-JP" altLang="en-US" sz="2800" b="1" dirty="0">
-                <a:solidFill>
-                  <a:schemeClr val="tx1">
-                    <a:lumMod val="75000"/>
-                    <a:lumOff val="25000"/>
-                  </a:schemeClr>
-                </a:solidFill>
-                <a:latin typeface="Meiryo" charset="-128"/>
-                <a:ea typeface="Meiryo" charset="-128"/>
-                <a:cs typeface="Meiryo" charset="-128"/>
-              </a:rPr>
-              <a:t>想定した確率分布（モデル）とデータの当てはまりの良さを表す指標</a:t>
-            </a:r>
-            <a:endParaRPr kumimoji="1" lang="en-US" altLang="ja-JP" sz="2800" b="1" dirty="0">
-              <a:solidFill>
-                <a:schemeClr val="tx1">
-                  <a:lumMod val="75000"/>
-                  <a:lumOff val="25000"/>
-                </a:schemeClr>
-              </a:solidFill>
-              <a:latin typeface="Meiryo" charset="-128"/>
-              <a:ea typeface="Meiryo" charset="-128"/>
-              <a:cs typeface="Meiryo" charset="-128"/>
-            </a:endParaRPr>
+              <a:rPr lang="ja-JP" altLang="en-US" sz="4000" dirty="0"/>
+              <a:t>によりクラスタ数を推定</a:t>
+            </a:r>
+            <a:endParaRPr kumimoji="1" lang="ja-JP" altLang="en-US" sz="4000" dirty="0"/>
           </a:p>
         </p:txBody>
       </p:sp>
@@ -9950,907 +8945,6 @@
 </file>
 
 <file path=ppt/slides/slide5.xml><?xml version="1.0" encoding="utf-8"?>
-<p:sld xmlns:a="http://schemas.openxmlformats.org/drawingml/2006/main" xmlns:r="http://schemas.openxmlformats.org/officeDocument/2006/relationships" xmlns:p="http://schemas.openxmlformats.org/presentationml/2006/main">
-  <p:cSld>
-    <p:spTree>
-      <p:nvGrpSpPr>
-        <p:cNvPr id="1" name=""/>
-        <p:cNvGrpSpPr/>
-        <p:nvPr/>
-      </p:nvGrpSpPr>
-      <p:grpSpPr>
-        <a:xfrm>
-          <a:off x="0" y="0"/>
-          <a:ext cx="0" cy="0"/>
-          <a:chOff x="0" y="0"/>
-          <a:chExt cx="0" cy="0"/>
-        </a:xfrm>
-      </p:grpSpPr>
-      <p:sp>
-        <p:nvSpPr>
-          <p:cNvPr id="2" name="タイトル 1"/>
-          <p:cNvSpPr>
-            <a:spLocks noGrp="1"/>
-          </p:cNvSpPr>
-          <p:nvPr>
-            <p:ph type="title"/>
-          </p:nvPr>
-        </p:nvSpPr>
-        <p:spPr/>
-        <p:txBody>
-          <a:bodyPr/>
-          <a:lstStyle/>
-          <a:p>
-            <a:r>
-              <a:rPr lang="en-US" altLang="ja-JP" dirty="0"/>
-              <a:t>X-means</a:t>
-            </a:r>
-            <a:endParaRPr kumimoji="1" lang="ja-JP" altLang="en-US" dirty="0"/>
-          </a:p>
-        </p:txBody>
-      </p:sp>
-      <p:sp>
-        <p:nvSpPr>
-          <p:cNvPr id="126" name="正方形/長方形 125"/>
-          <p:cNvSpPr/>
-          <p:nvPr/>
-        </p:nvSpPr>
-        <p:spPr>
-          <a:xfrm>
-            <a:off x="0" y="1489958"/>
-            <a:ext cx="12349655" cy="5078313"/>
-          </a:xfrm>
-          <a:prstGeom prst="rect">
-            <a:avLst/>
-          </a:prstGeom>
-        </p:spPr>
-        <p:txBody>
-          <a:bodyPr wrap="square">
-            <a:spAutoFit/>
-          </a:bodyPr>
-          <a:lstStyle/>
-          <a:p>
-            <a:pPr>
-              <a:lnSpc>
-                <a:spcPct val="150000"/>
-              </a:lnSpc>
-            </a:pPr>
-            <a:r>
-              <a:rPr lang="en-US" altLang="ja-JP" sz="2400" dirty="0">
-                <a:latin typeface="Meiryo" charset="-128"/>
-                <a:ea typeface="Meiryo" charset="-128"/>
-                <a:cs typeface="Meiryo" charset="-128"/>
-              </a:rPr>
-              <a:t>(1) </a:t>
-            </a:r>
-            <a:r>
-              <a:rPr lang="ja-JP" altLang="en-US" sz="2400" dirty="0">
-                <a:latin typeface="Meiryo" charset="-128"/>
-                <a:ea typeface="Meiryo" charset="-128"/>
-                <a:cs typeface="Meiryo" charset="-128"/>
-              </a:rPr>
-              <a:t>クラスタ数</a:t>
-            </a:r>
-            <a:r>
-              <a:rPr lang="en-US" altLang="ja-JP" sz="2400" dirty="0">
-                <a:latin typeface="Meiryo" charset="-128"/>
-                <a:ea typeface="Meiryo" charset="-128"/>
-                <a:cs typeface="Meiryo" charset="-128"/>
-              </a:rPr>
-              <a:t> </a:t>
-            </a:r>
-            <a:r>
-              <a:rPr lang="ja-JP" altLang="en-US" sz="2400" i="1" dirty="0">
-                <a:latin typeface="Times New Roman" charset="0"/>
-                <a:ea typeface="Times New Roman" charset="0"/>
-                <a:cs typeface="Times New Roman" charset="0"/>
-              </a:rPr>
-              <a:t>k</a:t>
-            </a:r>
-            <a:r>
-              <a:rPr lang="en-US" altLang="ja-JP" sz="2400" i="1" dirty="0">
-                <a:latin typeface="Times New Roman" charset="0"/>
-                <a:ea typeface="Times New Roman" charset="0"/>
-                <a:cs typeface="Times New Roman" charset="0"/>
-              </a:rPr>
-              <a:t> </a:t>
-            </a:r>
-            <a:r>
-              <a:rPr lang="ja-JP" altLang="en-US" sz="2400" dirty="0">
-                <a:latin typeface="Meiryo" charset="-128"/>
-                <a:ea typeface="Meiryo" charset="-128"/>
-                <a:cs typeface="Meiryo" charset="-128"/>
-              </a:rPr>
-              <a:t>を初期化する (通常は</a:t>
-            </a:r>
-            <a:r>
-              <a:rPr lang="en-US" altLang="ja-JP" sz="2400" dirty="0">
-                <a:latin typeface="Meiryo" charset="-128"/>
-                <a:ea typeface="Meiryo" charset="-128"/>
-                <a:cs typeface="Meiryo" charset="-128"/>
-              </a:rPr>
-              <a:t> </a:t>
-            </a:r>
-            <a:r>
-              <a:rPr lang="ja-JP" altLang="en-US" sz="2400" i="1" dirty="0">
-                <a:latin typeface="Times New Roman" charset="0"/>
-                <a:ea typeface="Times New Roman" charset="0"/>
-                <a:cs typeface="Times New Roman" charset="0"/>
-              </a:rPr>
-              <a:t>k</a:t>
-            </a:r>
-            <a:r>
-              <a:rPr lang="en-US" altLang="ja-JP" sz="2400" i="1" dirty="0">
-                <a:latin typeface="Times New Roman" charset="0"/>
-                <a:ea typeface="Times New Roman" charset="0"/>
-                <a:cs typeface="Times New Roman" charset="0"/>
-              </a:rPr>
-              <a:t> </a:t>
-            </a:r>
-            <a:r>
-              <a:rPr lang="ja-JP" altLang="en-US" sz="2400" dirty="0">
-                <a:latin typeface="Times New Roman" charset="0"/>
-                <a:ea typeface="Times New Roman" charset="0"/>
-                <a:cs typeface="Times New Roman" charset="0"/>
-              </a:rPr>
-              <a:t>=</a:t>
-            </a:r>
-            <a:r>
-              <a:rPr lang="en-US" altLang="ja-JP" sz="2400" dirty="0">
-                <a:latin typeface="Times New Roman" charset="0"/>
-                <a:ea typeface="Times New Roman" charset="0"/>
-                <a:cs typeface="Times New Roman" charset="0"/>
-              </a:rPr>
-              <a:t> </a:t>
-            </a:r>
-            <a:r>
-              <a:rPr lang="ja-JP" altLang="en-US" sz="2400" dirty="0">
-                <a:latin typeface="Times New Roman" charset="0"/>
-                <a:ea typeface="Times New Roman" charset="0"/>
-                <a:cs typeface="Times New Roman" charset="0"/>
-              </a:rPr>
-              <a:t>2</a:t>
-            </a:r>
-            <a:r>
-              <a:rPr lang="ja-JP" altLang="en-US" sz="2400" dirty="0">
-                <a:latin typeface="Meiryo" charset="-128"/>
-                <a:ea typeface="Meiryo" charset="-128"/>
-                <a:cs typeface="Meiryo" charset="-128"/>
-              </a:rPr>
-              <a:t>) ．</a:t>
-            </a:r>
-            <a:endParaRPr lang="en-US" altLang="ja-JP" sz="2400" dirty="0">
-              <a:latin typeface="Meiryo" charset="-128"/>
-              <a:ea typeface="Meiryo" charset="-128"/>
-              <a:cs typeface="Meiryo" charset="-128"/>
-            </a:endParaRPr>
-          </a:p>
-          <a:p>
-            <a:pPr>
-              <a:lnSpc>
-                <a:spcPct val="150000"/>
-              </a:lnSpc>
-            </a:pPr>
-            <a:r>
-              <a:rPr lang="en-US" altLang="ja-JP" sz="2400" dirty="0">
-                <a:latin typeface="Meiryo" charset="-128"/>
-                <a:ea typeface="Meiryo" charset="-128"/>
-                <a:cs typeface="Meiryo" charset="-128"/>
-              </a:rPr>
-              <a:t>(2)</a:t>
-            </a:r>
-            <a:r>
-              <a:rPr lang="en-US" altLang="ja-JP" sz="2400" i="1" dirty="0">
-                <a:latin typeface="Meiryo" charset="-128"/>
-                <a:ea typeface="Meiryo" charset="-128"/>
-                <a:cs typeface="Meiryo" charset="-128"/>
-              </a:rPr>
-              <a:t> </a:t>
-            </a:r>
-            <a:r>
-              <a:rPr lang="ja-JP" altLang="en-US" sz="2400" i="1" dirty="0">
-                <a:latin typeface="Meiryo" charset="-128"/>
-                <a:ea typeface="Meiryo" charset="-128"/>
-                <a:cs typeface="Meiryo" charset="-128"/>
-              </a:rPr>
-              <a:t>k</a:t>
-            </a:r>
-            <a:r>
-              <a:rPr lang="ja-JP" altLang="en-US" sz="2400" dirty="0">
-                <a:latin typeface="Meiryo" charset="-128"/>
-                <a:ea typeface="Meiryo" charset="-128"/>
-                <a:cs typeface="Meiryo" charset="-128"/>
-              </a:rPr>
-              <a:t>-means</a:t>
-            </a:r>
-            <a:r>
-              <a:rPr lang="en-US" altLang="ja-JP" sz="2400" dirty="0">
-                <a:latin typeface="Meiryo" charset="-128"/>
-                <a:ea typeface="Meiryo" charset="-128"/>
-                <a:cs typeface="Meiryo" charset="-128"/>
-              </a:rPr>
-              <a:t> </a:t>
-            </a:r>
-            <a:r>
-              <a:rPr lang="ja-JP" altLang="en-US" sz="2400" dirty="0">
-                <a:latin typeface="Meiryo" charset="-128"/>
-                <a:ea typeface="Meiryo" charset="-128"/>
-                <a:cs typeface="Meiryo" charset="-128"/>
-              </a:rPr>
-              <a:t>を実行する．</a:t>
-            </a:r>
-            <a:endParaRPr lang="en-US" altLang="ja-JP" sz="2400" dirty="0">
-              <a:latin typeface="Meiryo" charset="-128"/>
-              <a:ea typeface="Meiryo" charset="-128"/>
-              <a:cs typeface="Meiryo" charset="-128"/>
-            </a:endParaRPr>
-          </a:p>
-          <a:p>
-            <a:pPr>
-              <a:lnSpc>
-                <a:spcPct val="150000"/>
-              </a:lnSpc>
-            </a:pPr>
-            <a:r>
-              <a:rPr lang="en-US" altLang="ja-JP" sz="2400" dirty="0">
-                <a:latin typeface="Meiryo" charset="-128"/>
-                <a:ea typeface="Meiryo" charset="-128"/>
-                <a:cs typeface="Meiryo" charset="-128"/>
-              </a:rPr>
-              <a:t>(3) </a:t>
-            </a:r>
-            <a:r>
-              <a:rPr lang="ja-JP" altLang="en-US" sz="2400" dirty="0">
-                <a:latin typeface="Meiryo" charset="-128"/>
-                <a:ea typeface="Meiryo" charset="-128"/>
-                <a:cs typeface="Meiryo" charset="-128"/>
-              </a:rPr>
-              <a:t>次の処理を</a:t>
-            </a:r>
-            <a:r>
-              <a:rPr lang="en-US" altLang="ja-JP" sz="2400" dirty="0">
-                <a:latin typeface="Meiryo" charset="-128"/>
-                <a:ea typeface="Meiryo" charset="-128"/>
-                <a:cs typeface="Meiryo" charset="-128"/>
-              </a:rPr>
-              <a:t> </a:t>
-            </a:r>
-            <a:r>
-              <a:rPr lang="ja-JP" altLang="en-US" sz="2400" i="1" dirty="0">
-                <a:latin typeface="Times New Roman" charset="0"/>
-                <a:ea typeface="Times New Roman" charset="0"/>
-                <a:cs typeface="Times New Roman" charset="0"/>
-              </a:rPr>
-              <a:t>j</a:t>
-            </a:r>
-            <a:r>
-              <a:rPr lang="en-US" altLang="ja-JP" sz="2400" i="1" dirty="0">
-                <a:latin typeface="Times New Roman" charset="0"/>
-                <a:ea typeface="Times New Roman" charset="0"/>
-                <a:cs typeface="Times New Roman" charset="0"/>
-              </a:rPr>
-              <a:t> </a:t>
-            </a:r>
-            <a:r>
-              <a:rPr lang="ja-JP" altLang="en-US" sz="2400" dirty="0">
-                <a:latin typeface="Times New Roman" charset="0"/>
-                <a:ea typeface="Times New Roman" charset="0"/>
-                <a:cs typeface="Times New Roman" charset="0"/>
-              </a:rPr>
-              <a:t>=</a:t>
-            </a:r>
-            <a:r>
-              <a:rPr lang="en-US" altLang="ja-JP" sz="2400" dirty="0">
-                <a:latin typeface="Times New Roman" charset="0"/>
-                <a:ea typeface="Times New Roman" charset="0"/>
-                <a:cs typeface="Times New Roman" charset="0"/>
-              </a:rPr>
-              <a:t> </a:t>
-            </a:r>
-            <a:r>
-              <a:rPr lang="ja-JP" altLang="en-US" sz="2400" dirty="0">
-                <a:latin typeface="Times New Roman" charset="0"/>
-                <a:ea typeface="Times New Roman" charset="0"/>
-                <a:cs typeface="Times New Roman" charset="0"/>
-              </a:rPr>
-              <a:t>1</a:t>
-            </a:r>
-            <a:r>
-              <a:rPr lang="en-US" altLang="ja-JP" sz="2400" dirty="0">
-                <a:latin typeface="Times New Roman" charset="0"/>
-                <a:ea typeface="Times New Roman" charset="0"/>
-                <a:cs typeface="Times New Roman" charset="0"/>
-              </a:rPr>
-              <a:t> </a:t>
-            </a:r>
-            <a:r>
-              <a:rPr lang="ja-JP" altLang="en-US" sz="2400" dirty="0">
-                <a:latin typeface="Meiryo" charset="-128"/>
-                <a:ea typeface="Meiryo" charset="-128"/>
-                <a:cs typeface="Meiryo" charset="-128"/>
-              </a:rPr>
-              <a:t>から</a:t>
-            </a:r>
-            <a:r>
-              <a:rPr lang="en-US" altLang="ja-JP" sz="2400" dirty="0">
-                <a:latin typeface="Meiryo" charset="-128"/>
-                <a:ea typeface="Meiryo" charset="-128"/>
-                <a:cs typeface="Meiryo" charset="-128"/>
-              </a:rPr>
-              <a:t> </a:t>
-            </a:r>
-            <a:r>
-              <a:rPr lang="ja-JP" altLang="en-US" sz="2400" i="1" dirty="0">
-                <a:latin typeface="Times New Roman" charset="0"/>
-                <a:ea typeface="Times New Roman" charset="0"/>
-                <a:cs typeface="Times New Roman" charset="0"/>
-              </a:rPr>
-              <a:t>j</a:t>
-            </a:r>
-            <a:r>
-              <a:rPr lang="en-US" altLang="ja-JP" sz="2400" dirty="0">
-                <a:latin typeface="Times New Roman" charset="0"/>
-                <a:ea typeface="Times New Roman" charset="0"/>
-                <a:cs typeface="Times New Roman" charset="0"/>
-              </a:rPr>
-              <a:t> </a:t>
-            </a:r>
-            <a:r>
-              <a:rPr lang="ja-JP" altLang="en-US" sz="2400" dirty="0">
-                <a:latin typeface="Times New Roman" charset="0"/>
-                <a:ea typeface="Times New Roman" charset="0"/>
-                <a:cs typeface="Times New Roman" charset="0"/>
-              </a:rPr>
-              <a:t>=</a:t>
-            </a:r>
-            <a:r>
-              <a:rPr lang="en-US" altLang="ja-JP" sz="2400" dirty="0">
-                <a:latin typeface="Times New Roman" charset="0"/>
-                <a:ea typeface="Times New Roman" charset="0"/>
-                <a:cs typeface="Times New Roman" charset="0"/>
-              </a:rPr>
-              <a:t> </a:t>
-            </a:r>
-            <a:r>
-              <a:rPr lang="ja-JP" altLang="en-US" sz="2400" i="1" dirty="0">
-                <a:latin typeface="Times New Roman" charset="0"/>
-                <a:ea typeface="Times New Roman" charset="0"/>
-                <a:cs typeface="Times New Roman" charset="0"/>
-              </a:rPr>
-              <a:t>k</a:t>
-            </a:r>
-            <a:r>
-              <a:rPr lang="en-US" altLang="ja-JP" sz="2400" i="1" dirty="0">
-                <a:latin typeface="Times New Roman" charset="0"/>
-                <a:ea typeface="Times New Roman" charset="0"/>
-                <a:cs typeface="Times New Roman" charset="0"/>
-              </a:rPr>
-              <a:t> </a:t>
-            </a:r>
-            <a:r>
-              <a:rPr lang="ja-JP" altLang="en-US" sz="2400" dirty="0">
-                <a:latin typeface="Meiryo" charset="-128"/>
-                <a:ea typeface="Meiryo" charset="-128"/>
-                <a:cs typeface="Meiryo" charset="-128"/>
-              </a:rPr>
-              <a:t>まで繰り返す．</a:t>
-            </a:r>
-            <a:endParaRPr lang="en-US" altLang="ja-JP" sz="2400" dirty="0">
-              <a:latin typeface="Meiryo" charset="-128"/>
-              <a:ea typeface="Meiryo" charset="-128"/>
-              <a:cs typeface="Meiryo" charset="-128"/>
-            </a:endParaRPr>
-          </a:p>
-          <a:p>
-            <a:pPr>
-              <a:lnSpc>
-                <a:spcPct val="150000"/>
-              </a:lnSpc>
-            </a:pPr>
-            <a:r>
-              <a:rPr lang="ja-JP" altLang="en-US" sz="2400" dirty="0">
-                <a:latin typeface="Meiryo" charset="-128"/>
-                <a:ea typeface="Meiryo" charset="-128"/>
-                <a:cs typeface="Meiryo" charset="-128"/>
-              </a:rPr>
-              <a:t>     </a:t>
-            </a:r>
-            <a:r>
-              <a:rPr lang="en-US" altLang="ja-JP" sz="2400" dirty="0">
-                <a:latin typeface="Meiryo" charset="-128"/>
-                <a:ea typeface="Meiryo" charset="-128"/>
-                <a:cs typeface="Meiryo" charset="-128"/>
-              </a:rPr>
-              <a:t>(a) </a:t>
-            </a:r>
-            <a:r>
-              <a:rPr lang="ja-JP" altLang="en-US" sz="2400" dirty="0">
-                <a:latin typeface="Meiryo" charset="-128"/>
-                <a:ea typeface="Meiryo" charset="-128"/>
-                <a:cs typeface="Meiryo" charset="-128"/>
-              </a:rPr>
-              <a:t>クラスタ</a:t>
-            </a:r>
-            <a:r>
-              <a:rPr lang="en-US" altLang="ja-JP" sz="2400" dirty="0">
-                <a:latin typeface="Meiryo" charset="-128"/>
-                <a:ea typeface="Meiryo" charset="-128"/>
-                <a:cs typeface="Meiryo" charset="-128"/>
-              </a:rPr>
-              <a:t> </a:t>
-            </a:r>
-            <a:r>
-              <a:rPr lang="ja-JP" altLang="en-US" sz="2400" i="1" dirty="0">
-                <a:latin typeface="Times New Roman" charset="0"/>
-                <a:ea typeface="Times New Roman" charset="0"/>
-                <a:cs typeface="Times New Roman" charset="0"/>
-              </a:rPr>
-              <a:t>j</a:t>
-            </a:r>
-            <a:r>
-              <a:rPr lang="en-US" altLang="ja-JP" sz="2400" dirty="0">
-                <a:latin typeface="Times New Roman" charset="0"/>
-                <a:ea typeface="Times New Roman" charset="0"/>
-                <a:cs typeface="Times New Roman" charset="0"/>
-              </a:rPr>
-              <a:t> </a:t>
-            </a:r>
-            <a:r>
-              <a:rPr lang="ja-JP" altLang="en-US" sz="2400" dirty="0">
-                <a:latin typeface="Meiryo" charset="-128"/>
-                <a:ea typeface="Meiryo" charset="-128"/>
-                <a:cs typeface="Meiryo" charset="-128"/>
-              </a:rPr>
-              <a:t>の</a:t>
-            </a:r>
-            <a:r>
-              <a:rPr lang="ja-JP" altLang="en-US" sz="2400" b="1" dirty="0">
-                <a:latin typeface="Meiryo" charset="-128"/>
-                <a:ea typeface="Meiryo" charset="-128"/>
-                <a:cs typeface="Meiryo" charset="-128"/>
-              </a:rPr>
-              <a:t>情報量規準</a:t>
-            </a:r>
-            <a:r>
-              <a:rPr lang="ja-JP" altLang="en-US" sz="2400" i="1" baseline="-25000" dirty="0">
-                <a:latin typeface="Times New Roman" charset="0"/>
-                <a:ea typeface="Times New Roman" charset="0"/>
-                <a:cs typeface="Times New Roman" charset="0"/>
-              </a:rPr>
-              <a:t>j</a:t>
-            </a:r>
-            <a:r>
-              <a:rPr lang="en-US" altLang="ja-JP" sz="2400" baseline="-25000" dirty="0">
-                <a:latin typeface="Meiryo" charset="-128"/>
-                <a:ea typeface="Meiryo" charset="-128"/>
-                <a:cs typeface="Meiryo" charset="-128"/>
-              </a:rPr>
-              <a:t> </a:t>
-            </a:r>
-            <a:r>
-              <a:rPr lang="ja-JP" altLang="en-US" sz="2400" dirty="0">
-                <a:latin typeface="Meiryo" charset="-128"/>
-                <a:ea typeface="Meiryo" charset="-128"/>
-                <a:cs typeface="Meiryo" charset="-128"/>
-              </a:rPr>
-              <a:t>を計算する．</a:t>
-            </a:r>
-            <a:endParaRPr lang="en-US" altLang="ja-JP" sz="2400" dirty="0">
-              <a:latin typeface="Meiryo" charset="-128"/>
-              <a:ea typeface="Meiryo" charset="-128"/>
-              <a:cs typeface="Meiryo" charset="-128"/>
-            </a:endParaRPr>
-          </a:p>
-          <a:p>
-            <a:pPr>
-              <a:lnSpc>
-                <a:spcPct val="150000"/>
-              </a:lnSpc>
-            </a:pPr>
-            <a:r>
-              <a:rPr lang="ja-JP" altLang="en-US" sz="2400" dirty="0">
-                <a:latin typeface="Meiryo" charset="-128"/>
-                <a:ea typeface="Meiryo" charset="-128"/>
-                <a:cs typeface="Meiryo" charset="-128"/>
-              </a:rPr>
-              <a:t>     </a:t>
-            </a:r>
-            <a:r>
-              <a:rPr lang="en-US" altLang="ja-JP" sz="2400" dirty="0">
-                <a:latin typeface="Meiryo" charset="-128"/>
-                <a:ea typeface="Meiryo" charset="-128"/>
-                <a:cs typeface="Meiryo" charset="-128"/>
-              </a:rPr>
-              <a:t>(b) </a:t>
-            </a:r>
-            <a:r>
-              <a:rPr lang="ja-JP" altLang="en-US" sz="2400" dirty="0">
-                <a:latin typeface="Meiryo" charset="-128"/>
-                <a:ea typeface="Meiryo" charset="-128"/>
-                <a:cs typeface="Meiryo" charset="-128"/>
-              </a:rPr>
-              <a:t>クラスタ</a:t>
-            </a:r>
-            <a:r>
-              <a:rPr lang="en-US" altLang="ja-JP" sz="2400" dirty="0">
-                <a:latin typeface="Meiryo" charset="-128"/>
-                <a:ea typeface="Meiryo" charset="-128"/>
-                <a:cs typeface="Meiryo" charset="-128"/>
-              </a:rPr>
-              <a:t> </a:t>
-            </a:r>
-            <a:r>
-              <a:rPr lang="ja-JP" altLang="en-US" sz="2400" i="1" dirty="0">
-                <a:latin typeface="Times New Roman" charset="0"/>
-                <a:ea typeface="Times New Roman" charset="0"/>
-                <a:cs typeface="Times New Roman" charset="0"/>
-              </a:rPr>
-              <a:t>j</a:t>
-            </a:r>
-            <a:r>
-              <a:rPr lang="en-US" altLang="ja-JP" sz="2400" dirty="0">
-                <a:latin typeface="Times New Roman" charset="0"/>
-                <a:ea typeface="Times New Roman" charset="0"/>
-                <a:cs typeface="Times New Roman" charset="0"/>
-              </a:rPr>
-              <a:t> </a:t>
-            </a:r>
-            <a:r>
-              <a:rPr lang="ja-JP" altLang="en-US" sz="2400" dirty="0">
-                <a:latin typeface="Meiryo" charset="-128"/>
-                <a:ea typeface="Meiryo" charset="-128"/>
-                <a:cs typeface="Meiryo" charset="-128"/>
-              </a:rPr>
-              <a:t>に所属するデータに対し，</a:t>
-            </a:r>
-            <a:r>
-              <a:rPr lang="ja-JP" altLang="en-US" sz="2400" b="1" dirty="0">
-                <a:latin typeface="Meiryo" charset="-128"/>
-                <a:ea typeface="Meiryo" charset="-128"/>
-                <a:cs typeface="Meiryo" charset="-128"/>
-              </a:rPr>
-              <a:t>クラスタ数2として</a:t>
-            </a:r>
-            <a:r>
-              <a:rPr lang="en-US" altLang="ja-JP" sz="2400" b="1" dirty="0">
-                <a:latin typeface="Meiryo" charset="-128"/>
-                <a:ea typeface="Meiryo" charset="-128"/>
-                <a:cs typeface="Meiryo" charset="-128"/>
-              </a:rPr>
-              <a:t> </a:t>
-            </a:r>
-            <a:r>
-              <a:rPr lang="ja-JP" altLang="en-US" sz="2400" b="1" i="1" dirty="0">
-                <a:latin typeface="Meiryo" charset="-128"/>
-                <a:ea typeface="Meiryo" charset="-128"/>
-                <a:cs typeface="Meiryo" charset="-128"/>
-              </a:rPr>
-              <a:t>k</a:t>
-            </a:r>
-            <a:r>
-              <a:rPr lang="ja-JP" altLang="en-US" sz="2400" b="1" dirty="0">
-                <a:latin typeface="Meiryo" charset="-128"/>
-                <a:ea typeface="Meiryo" charset="-128"/>
-                <a:cs typeface="Meiryo" charset="-128"/>
-              </a:rPr>
-              <a:t>-means</a:t>
-            </a:r>
-            <a:r>
-              <a:rPr lang="en-US" altLang="ja-JP" sz="2400" b="1" dirty="0">
-                <a:latin typeface="Meiryo" charset="-128"/>
-                <a:ea typeface="Meiryo" charset="-128"/>
-                <a:cs typeface="Meiryo" charset="-128"/>
-              </a:rPr>
-              <a:t> </a:t>
-            </a:r>
-            <a:r>
-              <a:rPr lang="ja-JP" altLang="en-US" sz="2400" dirty="0">
-                <a:latin typeface="Meiryo" charset="-128"/>
-                <a:ea typeface="Meiryo" charset="-128"/>
-                <a:cs typeface="Meiryo" charset="-128"/>
-              </a:rPr>
-              <a:t>を行う．</a:t>
-            </a:r>
-            <a:endParaRPr lang="en-US" altLang="ja-JP" sz="2400" dirty="0">
-              <a:latin typeface="Meiryo" charset="-128"/>
-              <a:ea typeface="Meiryo" charset="-128"/>
-              <a:cs typeface="Meiryo" charset="-128"/>
-            </a:endParaRPr>
-          </a:p>
-          <a:p>
-            <a:pPr>
-              <a:lnSpc>
-                <a:spcPct val="150000"/>
-              </a:lnSpc>
-            </a:pPr>
-            <a:r>
-              <a:rPr lang="ja-JP" altLang="en-US" sz="2400" dirty="0">
-                <a:latin typeface="Meiryo" charset="-128"/>
-                <a:ea typeface="Meiryo" charset="-128"/>
-                <a:cs typeface="Meiryo" charset="-128"/>
-              </a:rPr>
-              <a:t>     </a:t>
-            </a:r>
-            <a:r>
-              <a:rPr lang="de-DE" altLang="ja-JP" sz="2400" dirty="0">
-                <a:latin typeface="Meiryo" charset="-128"/>
-                <a:ea typeface="Meiryo" charset="-128"/>
-                <a:cs typeface="Meiryo" charset="-128"/>
-              </a:rPr>
-              <a:t>(c) </a:t>
-            </a:r>
-            <a:r>
-              <a:rPr lang="ja-JP" altLang="en-US" sz="2400" dirty="0">
-                <a:latin typeface="Meiryo" charset="-128"/>
-                <a:ea typeface="Meiryo" charset="-128"/>
-                <a:cs typeface="Meiryo" charset="-128"/>
-              </a:rPr>
-              <a:t>クラスタ数2としてクラスタリングした結果に対し</a:t>
-            </a:r>
-            <a:r>
-              <a:rPr lang="ja-JP" altLang="en-US" sz="2400" b="1" dirty="0">
-                <a:latin typeface="Meiryo" charset="-128"/>
-                <a:ea typeface="Meiryo" charset="-128"/>
-                <a:cs typeface="Meiryo" charset="-128"/>
-              </a:rPr>
-              <a:t>情報量規準’</a:t>
-            </a:r>
-            <a:r>
-              <a:rPr lang="ja-JP" altLang="en-US" sz="2400" i="1" baseline="-25000" dirty="0">
-                <a:latin typeface="Meiryo" charset="-128"/>
-                <a:ea typeface="Meiryo" charset="-128"/>
-                <a:cs typeface="Meiryo" charset="-128"/>
-              </a:rPr>
-              <a:t>j </a:t>
-            </a:r>
-            <a:r>
-              <a:rPr lang="ja-JP" altLang="en-US" sz="2400" dirty="0">
-                <a:latin typeface="Meiryo" charset="-128"/>
-                <a:ea typeface="Meiryo" charset="-128"/>
-                <a:cs typeface="Meiryo" charset="-128"/>
-              </a:rPr>
-              <a:t>を計算する．</a:t>
-            </a:r>
-            <a:endParaRPr lang="en-US" altLang="ja-JP" sz="2400" dirty="0">
-              <a:latin typeface="Meiryo" charset="-128"/>
-              <a:ea typeface="Meiryo" charset="-128"/>
-              <a:cs typeface="Meiryo" charset="-128"/>
-            </a:endParaRPr>
-          </a:p>
-          <a:p>
-            <a:pPr>
-              <a:lnSpc>
-                <a:spcPct val="150000"/>
-              </a:lnSpc>
-            </a:pPr>
-            <a:r>
-              <a:rPr lang="ja-JP" altLang="en-US" sz="2400" dirty="0">
-                <a:latin typeface="Meiryo" charset="-128"/>
-                <a:ea typeface="Meiryo" charset="-128"/>
-                <a:cs typeface="Meiryo" charset="-128"/>
-              </a:rPr>
-              <a:t>     </a:t>
-            </a:r>
-            <a:r>
-              <a:rPr lang="en-US" altLang="ja-JP" sz="2400" dirty="0">
-                <a:latin typeface="Meiryo" charset="-128"/>
-                <a:ea typeface="Meiryo" charset="-128"/>
-                <a:cs typeface="Meiryo" charset="-128"/>
-              </a:rPr>
-              <a:t>(d) </a:t>
-            </a:r>
-            <a:r>
-              <a:rPr lang="ja-JP" altLang="en-US" sz="2400" b="1" dirty="0">
-                <a:latin typeface="Meiryo" charset="-128"/>
-                <a:ea typeface="Meiryo" charset="-128"/>
-                <a:cs typeface="Meiryo" charset="-128"/>
-              </a:rPr>
-              <a:t>情報量規準</a:t>
-            </a:r>
-            <a:r>
-              <a:rPr lang="ja-JP" altLang="en-US" sz="2400" i="1" baseline="-25000" dirty="0">
-                <a:latin typeface="Meiryo" charset="-128"/>
-                <a:ea typeface="Meiryo" charset="-128"/>
-                <a:cs typeface="Meiryo" charset="-128"/>
-              </a:rPr>
-              <a:t>j</a:t>
-            </a:r>
-            <a:r>
-              <a:rPr lang="en-US" altLang="ja-JP" sz="2400" i="1" baseline="-25000" dirty="0">
-                <a:latin typeface="Meiryo" charset="-128"/>
-                <a:ea typeface="Meiryo" charset="-128"/>
-                <a:cs typeface="Meiryo" charset="-128"/>
-              </a:rPr>
-              <a:t> </a:t>
-            </a:r>
-            <a:r>
-              <a:rPr lang="ja-JP" altLang="en-US" sz="2400" dirty="0">
-                <a:latin typeface="Meiryo" charset="-128"/>
-                <a:ea typeface="Meiryo" charset="-128"/>
-                <a:cs typeface="Meiryo" charset="-128"/>
-              </a:rPr>
-              <a:t>と</a:t>
-            </a:r>
-            <a:r>
-              <a:rPr lang="ja-JP" altLang="en-US" sz="2400" b="1" dirty="0">
-                <a:latin typeface="Meiryo" charset="-128"/>
-                <a:ea typeface="Meiryo" charset="-128"/>
-                <a:cs typeface="Meiryo" charset="-128"/>
-              </a:rPr>
-              <a:t>情報量規準‘</a:t>
-            </a:r>
-            <a:r>
-              <a:rPr lang="ja-JP" altLang="en-US" sz="2400" i="1" baseline="-25000" dirty="0">
-                <a:latin typeface="Meiryo" charset="-128"/>
-                <a:ea typeface="Meiryo" charset="-128"/>
-                <a:cs typeface="Meiryo" charset="-128"/>
-              </a:rPr>
-              <a:t>j</a:t>
-            </a:r>
-            <a:r>
-              <a:rPr lang="en-US" altLang="ja-JP" sz="2400" i="1" baseline="-25000" dirty="0">
-                <a:latin typeface="Meiryo" charset="-128"/>
-                <a:ea typeface="Meiryo" charset="-128"/>
-                <a:cs typeface="Meiryo" charset="-128"/>
-              </a:rPr>
-              <a:t> </a:t>
-            </a:r>
-            <a:r>
-              <a:rPr lang="ja-JP" altLang="en-US" sz="2400" dirty="0">
-                <a:latin typeface="Meiryo" charset="-128"/>
-                <a:ea typeface="Meiryo" charset="-128"/>
-                <a:cs typeface="Meiryo" charset="-128"/>
-              </a:rPr>
-              <a:t>を比較し，</a:t>
-            </a:r>
-            <a:r>
-              <a:rPr lang="ja-JP" altLang="en-US" sz="2400" b="1" dirty="0">
-                <a:latin typeface="Meiryo" charset="-128"/>
-                <a:ea typeface="Meiryo" charset="-128"/>
-                <a:cs typeface="Meiryo" charset="-128"/>
-              </a:rPr>
-              <a:t>情報量規準’</a:t>
-            </a:r>
-            <a:r>
-              <a:rPr lang="ja-JP" altLang="en-US" sz="2400" i="1" baseline="-25000" dirty="0">
-                <a:latin typeface="Meiryo" charset="-128"/>
-                <a:ea typeface="Meiryo" charset="-128"/>
-                <a:cs typeface="Meiryo" charset="-128"/>
-              </a:rPr>
-              <a:t>j</a:t>
-            </a:r>
-            <a:r>
-              <a:rPr lang="en-US" altLang="ja-JP" sz="2400" i="1" baseline="-25000" dirty="0">
-                <a:latin typeface="Meiryo" charset="-128"/>
-                <a:ea typeface="Meiryo" charset="-128"/>
-                <a:cs typeface="Meiryo" charset="-128"/>
-              </a:rPr>
-              <a:t> </a:t>
-            </a:r>
-            <a:r>
-              <a:rPr lang="ja-JP" altLang="en-US" sz="2400" dirty="0">
-                <a:latin typeface="Meiryo" charset="-128"/>
-                <a:ea typeface="Meiryo" charset="-128"/>
-                <a:cs typeface="Meiryo" charset="-128"/>
-              </a:rPr>
-              <a:t>が大きければ</a:t>
-            </a:r>
-            <a:br>
-              <a:rPr lang="en-US" altLang="ja-JP" sz="2400" dirty="0">
-                <a:latin typeface="Meiryo" charset="-128"/>
-                <a:ea typeface="Meiryo" charset="-128"/>
-                <a:cs typeface="Meiryo" charset="-128"/>
-              </a:rPr>
-            </a:br>
-            <a:r>
-              <a:rPr lang="en-US" altLang="ja-JP" sz="2400" dirty="0">
-                <a:latin typeface="Meiryo" charset="-128"/>
-                <a:ea typeface="Meiryo" charset="-128"/>
-                <a:cs typeface="Meiryo" charset="-128"/>
-              </a:rPr>
-              <a:t>									</a:t>
-            </a:r>
-            <a:r>
-              <a:rPr lang="ja-JP" altLang="en-US" sz="2400" dirty="0">
-                <a:latin typeface="Meiryo" charset="-128"/>
-                <a:ea typeface="Meiryo" charset="-128"/>
-                <a:cs typeface="Meiryo" charset="-128"/>
-              </a:rPr>
-              <a:t>   クラスタ数</a:t>
-            </a:r>
-            <a:r>
-              <a:rPr lang="ja-JP" altLang="en-US" sz="2400" i="1" dirty="0">
-                <a:latin typeface="Times New Roman" charset="0"/>
-                <a:ea typeface="Times New Roman" charset="0"/>
-                <a:cs typeface="Times New Roman" charset="0"/>
-              </a:rPr>
-              <a:t>k</a:t>
-            </a:r>
-            <a:r>
-              <a:rPr lang="ja-JP" altLang="en-US" sz="2400" dirty="0">
-                <a:latin typeface="Meiryo" charset="-128"/>
-                <a:ea typeface="Meiryo" charset="-128"/>
-                <a:cs typeface="Meiryo" charset="-128"/>
-              </a:rPr>
-              <a:t>に1を足す．</a:t>
-            </a:r>
-            <a:endParaRPr lang="en-US" altLang="ja-JP" sz="2400" dirty="0">
-              <a:latin typeface="Meiryo" charset="-128"/>
-              <a:ea typeface="Meiryo" charset="-128"/>
-              <a:cs typeface="Meiryo" charset="-128"/>
-            </a:endParaRPr>
-          </a:p>
-          <a:p>
-            <a:pPr>
-              <a:lnSpc>
-                <a:spcPct val="150000"/>
-              </a:lnSpc>
-            </a:pPr>
-            <a:r>
-              <a:rPr lang="en-US" altLang="ja-JP" sz="2400" dirty="0">
-                <a:latin typeface="Meiryo" charset="-128"/>
-                <a:ea typeface="Meiryo" charset="-128"/>
-                <a:cs typeface="Meiryo" charset="-128"/>
-              </a:rPr>
-              <a:t>(4) </a:t>
-            </a:r>
-            <a:r>
-              <a:rPr lang="ja-JP" altLang="en-US" sz="2400" dirty="0">
-                <a:latin typeface="Meiryo" charset="-128"/>
-                <a:ea typeface="Meiryo" charset="-128"/>
-                <a:cs typeface="Meiryo" charset="-128"/>
-              </a:rPr>
-              <a:t>前の処理で</a:t>
-            </a:r>
-            <a:r>
-              <a:rPr lang="en-US" altLang="ja-JP" sz="2400" dirty="0">
-                <a:latin typeface="Meiryo" charset="-128"/>
-                <a:ea typeface="Meiryo" charset="-128"/>
-                <a:cs typeface="Meiryo" charset="-128"/>
-              </a:rPr>
-              <a:t> </a:t>
-            </a:r>
-            <a:r>
-              <a:rPr lang="ja-JP" altLang="en-US" sz="2400" i="1" dirty="0">
-                <a:latin typeface="Times New Roman" charset="0"/>
-                <a:ea typeface="Times New Roman" charset="0"/>
-                <a:cs typeface="Times New Roman" charset="0"/>
-              </a:rPr>
-              <a:t>k</a:t>
-            </a:r>
-            <a:r>
-              <a:rPr lang="en-US" altLang="ja-JP" sz="2400" dirty="0">
-                <a:latin typeface="Meiryo" charset="-128"/>
-                <a:ea typeface="Meiryo" charset="-128"/>
-                <a:cs typeface="Meiryo" charset="-128"/>
-              </a:rPr>
-              <a:t> </a:t>
-            </a:r>
-            <a:r>
-              <a:rPr lang="ja-JP" altLang="en-US" sz="2400" dirty="0">
-                <a:latin typeface="Meiryo" charset="-128"/>
-                <a:ea typeface="Meiryo" charset="-128"/>
-                <a:cs typeface="Meiryo" charset="-128"/>
-              </a:rPr>
-              <a:t>が増加した場合は処理2へ戻る．そうでない場合は終了する．</a:t>
-            </a:r>
-          </a:p>
-        </p:txBody>
-      </p:sp>
-    </p:spTree>
-    <p:extLst>
-      <p:ext uri="{BB962C8B-B14F-4D97-AF65-F5344CB8AC3E}">
-        <p14:creationId xmlns:p14="http://schemas.microsoft.com/office/powerpoint/2010/main" val="1960684047"/>
-      </p:ext>
-    </p:extLst>
-  </p:cSld>
-  <p:clrMapOvr>
-    <a:masterClrMapping/>
-  </p:clrMapOvr>
-</p:sld>
-</file>
-
-<file path=ppt/slides/slide6.xml><?xml version="1.0" encoding="utf-8"?>
 <p:sld xmlns:a="http://schemas.openxmlformats.org/drawingml/2006/main" xmlns:r="http://schemas.openxmlformats.org/officeDocument/2006/relationships" xmlns:p="http://schemas.openxmlformats.org/presentationml/2006/main">
   <p:cSld>
     <p:spTree>
@@ -12734,8 +10828,8 @@
         </p:nvSpPr>
         <p:spPr>
           <a:xfrm>
-            <a:off x="7905945" y="3755006"/>
-            <a:ext cx="877163" cy="369332"/>
+            <a:off x="7857820" y="3755006"/>
+            <a:ext cx="954107" cy="400110"/>
           </a:xfrm>
           <a:prstGeom prst="rect">
             <a:avLst/>
@@ -12749,13 +10843,652 @@
           <a:lstStyle/>
           <a:p>
             <a:r>
-              <a:rPr kumimoji="1" lang="ja-JP" altLang="en-US" b="1">
+              <a:rPr kumimoji="1" lang="ja-JP" altLang="en-US" sz="2000" b="1" dirty="0">
                 <a:latin typeface="Meiryo" charset="-128"/>
                 <a:ea typeface="Meiryo" charset="-128"/>
                 <a:cs typeface="Meiryo" charset="-128"/>
               </a:rPr>
               <a:t>・・・</a:t>
             </a:r>
+          </a:p>
+        </p:txBody>
+      </p:sp>
+      <p:sp>
+        <p:nvSpPr>
+          <p:cNvPr id="55" name="コンテンツ プレースホルダー 2">
+            <a:extLst>
+              <a:ext uri="{FF2B5EF4-FFF2-40B4-BE49-F238E27FC236}">
+                <a16:creationId xmlns:a16="http://schemas.microsoft.com/office/drawing/2014/main" id="{B7784BC2-85ED-E74D-A2D2-D15A7113F7D1}"/>
+              </a:ext>
+            </a:extLst>
+          </p:cNvPr>
+          <p:cNvSpPr txBox="1">
+            <a:spLocks/>
+          </p:cNvSpPr>
+          <p:nvPr/>
+        </p:nvSpPr>
+        <p:spPr>
+          <a:xfrm>
+            <a:off x="114123" y="1956509"/>
+            <a:ext cx="703003" cy="564812"/>
+          </a:xfrm>
+          <a:prstGeom prst="rect">
+            <a:avLst/>
+          </a:prstGeom>
+          <a:solidFill>
+            <a:schemeClr val="bg1"/>
+          </a:solidFill>
+        </p:spPr>
+        <p:txBody>
+          <a:bodyPr vert="horz" lIns="91440" tIns="45720" rIns="91440" bIns="45720" rtlCol="0">
+            <a:noAutofit/>
+          </a:bodyPr>
+          <a:lstStyle>
+            <a:lvl1pPr marL="228600" indent="-228600" algn="l" defTabSz="914400" rtl="0" eaLnBrk="1" latinLnBrk="0" hangingPunct="1">
+              <a:lnSpc>
+                <a:spcPct val="200000"/>
+              </a:lnSpc>
+              <a:spcBef>
+                <a:spcPts val="1000"/>
+              </a:spcBef>
+              <a:buFont typeface="Arial" panose="020B0604020202020204" pitchFamily="34" charset="0"/>
+              <a:buChar char="•"/>
+              <a:defRPr kumimoji="1" sz="3200" kern="1200">
+                <a:solidFill>
+                  <a:schemeClr val="tx1"/>
+                </a:solidFill>
+                <a:latin typeface="Meiryo" charset="-128"/>
+                <a:ea typeface="Meiryo" charset="-128"/>
+                <a:cs typeface="Meiryo" charset="-128"/>
+              </a:defRPr>
+            </a:lvl1pPr>
+            <a:lvl2pPr marL="685800" indent="-228600" algn="l" defTabSz="914400" rtl="0" eaLnBrk="1" latinLnBrk="0" hangingPunct="1">
+              <a:lnSpc>
+                <a:spcPct val="200000"/>
+              </a:lnSpc>
+              <a:spcBef>
+                <a:spcPts val="500"/>
+              </a:spcBef>
+              <a:buFont typeface="Arial" panose="020B0604020202020204" pitchFamily="34" charset="0"/>
+              <a:buChar char="•"/>
+              <a:defRPr kumimoji="1" sz="2800" kern="1200">
+                <a:solidFill>
+                  <a:schemeClr val="tx1"/>
+                </a:solidFill>
+                <a:latin typeface="Meiryo" charset="-128"/>
+                <a:ea typeface="Meiryo" charset="-128"/>
+                <a:cs typeface="Meiryo" charset="-128"/>
+              </a:defRPr>
+            </a:lvl2pPr>
+            <a:lvl3pPr marL="1143000" indent="-228600" algn="l" defTabSz="914400" rtl="0" eaLnBrk="1" latinLnBrk="0" hangingPunct="1">
+              <a:lnSpc>
+                <a:spcPct val="200000"/>
+              </a:lnSpc>
+              <a:spcBef>
+                <a:spcPts val="500"/>
+              </a:spcBef>
+              <a:buFont typeface="Arial" panose="020B0604020202020204" pitchFamily="34" charset="0"/>
+              <a:buChar char="•"/>
+              <a:defRPr kumimoji="1" sz="2400" kern="1200">
+                <a:solidFill>
+                  <a:schemeClr val="tx1"/>
+                </a:solidFill>
+                <a:latin typeface="Meiryo" charset="-128"/>
+                <a:ea typeface="Meiryo" charset="-128"/>
+                <a:cs typeface="Meiryo" charset="-128"/>
+              </a:defRPr>
+            </a:lvl3pPr>
+            <a:lvl4pPr marL="1600200" indent="-228600" algn="l" defTabSz="914400" rtl="0" eaLnBrk="1" latinLnBrk="0" hangingPunct="1">
+              <a:lnSpc>
+                <a:spcPct val="200000"/>
+              </a:lnSpc>
+              <a:spcBef>
+                <a:spcPts val="500"/>
+              </a:spcBef>
+              <a:buFont typeface="Arial" panose="020B0604020202020204" pitchFamily="34" charset="0"/>
+              <a:buChar char="•"/>
+              <a:defRPr kumimoji="1" sz="2000" kern="1200">
+                <a:solidFill>
+                  <a:schemeClr val="tx1"/>
+                </a:solidFill>
+                <a:latin typeface="Meiryo" charset="-128"/>
+                <a:ea typeface="Meiryo" charset="-128"/>
+                <a:cs typeface="Meiryo" charset="-128"/>
+              </a:defRPr>
+            </a:lvl4pPr>
+            <a:lvl5pPr marL="2057400" indent="-228600" algn="l" defTabSz="914400" rtl="0" eaLnBrk="1" latinLnBrk="0" hangingPunct="1">
+              <a:lnSpc>
+                <a:spcPct val="200000"/>
+              </a:lnSpc>
+              <a:spcBef>
+                <a:spcPts val="500"/>
+              </a:spcBef>
+              <a:buFont typeface="Arial" panose="020B0604020202020204" pitchFamily="34" charset="0"/>
+              <a:buChar char="•"/>
+              <a:defRPr kumimoji="1" sz="2000" kern="1200">
+                <a:solidFill>
+                  <a:schemeClr val="tx1"/>
+                </a:solidFill>
+                <a:latin typeface="Meiryo" charset="-128"/>
+                <a:ea typeface="Meiryo" charset="-128"/>
+                <a:cs typeface="Meiryo" charset="-128"/>
+              </a:defRPr>
+            </a:lvl5pPr>
+            <a:lvl6pPr marL="2514600" indent="-228600" algn="l" defTabSz="914400" rtl="0" eaLnBrk="1" latinLnBrk="0" hangingPunct="1">
+              <a:lnSpc>
+                <a:spcPct val="90000"/>
+              </a:lnSpc>
+              <a:spcBef>
+                <a:spcPts val="500"/>
+              </a:spcBef>
+              <a:buFont typeface="Arial" panose="020B0604020202020204" pitchFamily="34" charset="0"/>
+              <a:buChar char="•"/>
+              <a:defRPr kumimoji="1" sz="1800" kern="1200">
+                <a:solidFill>
+                  <a:schemeClr val="tx1"/>
+                </a:solidFill>
+                <a:latin typeface="+mn-lt"/>
+                <a:ea typeface="+mn-ea"/>
+                <a:cs typeface="+mn-cs"/>
+              </a:defRPr>
+            </a:lvl6pPr>
+            <a:lvl7pPr marL="2971800" indent="-228600" algn="l" defTabSz="914400" rtl="0" eaLnBrk="1" latinLnBrk="0" hangingPunct="1">
+              <a:lnSpc>
+                <a:spcPct val="90000"/>
+              </a:lnSpc>
+              <a:spcBef>
+                <a:spcPts val="500"/>
+              </a:spcBef>
+              <a:buFont typeface="Arial" panose="020B0604020202020204" pitchFamily="34" charset="0"/>
+              <a:buChar char="•"/>
+              <a:defRPr kumimoji="1" sz="1800" kern="1200">
+                <a:solidFill>
+                  <a:schemeClr val="tx1"/>
+                </a:solidFill>
+                <a:latin typeface="+mn-lt"/>
+                <a:ea typeface="+mn-ea"/>
+                <a:cs typeface="+mn-cs"/>
+              </a:defRPr>
+            </a:lvl7pPr>
+            <a:lvl8pPr marL="3429000" indent="-228600" algn="l" defTabSz="914400" rtl="0" eaLnBrk="1" latinLnBrk="0" hangingPunct="1">
+              <a:lnSpc>
+                <a:spcPct val="90000"/>
+              </a:lnSpc>
+              <a:spcBef>
+                <a:spcPts val="500"/>
+              </a:spcBef>
+              <a:buFont typeface="Arial" panose="020B0604020202020204" pitchFamily="34" charset="0"/>
+              <a:buChar char="•"/>
+              <a:defRPr kumimoji="1" sz="1800" kern="1200">
+                <a:solidFill>
+                  <a:schemeClr val="tx1"/>
+                </a:solidFill>
+                <a:latin typeface="+mn-lt"/>
+                <a:ea typeface="+mn-ea"/>
+                <a:cs typeface="+mn-cs"/>
+              </a:defRPr>
+            </a:lvl8pPr>
+            <a:lvl9pPr marL="3886200" indent="-228600" algn="l" defTabSz="914400" rtl="0" eaLnBrk="1" latinLnBrk="0" hangingPunct="1">
+              <a:lnSpc>
+                <a:spcPct val="90000"/>
+              </a:lnSpc>
+              <a:spcBef>
+                <a:spcPts val="500"/>
+              </a:spcBef>
+              <a:buFont typeface="Arial" panose="020B0604020202020204" pitchFamily="34" charset="0"/>
+              <a:buChar char="•"/>
+              <a:defRPr kumimoji="1" sz="1800" kern="1200">
+                <a:solidFill>
+                  <a:schemeClr val="tx1"/>
+                </a:solidFill>
+                <a:latin typeface="+mn-lt"/>
+                <a:ea typeface="+mn-ea"/>
+                <a:cs typeface="+mn-cs"/>
+              </a:defRPr>
+            </a:lvl9pPr>
+          </a:lstStyle>
+          <a:p>
+            <a:pPr marL="0" indent="0">
+              <a:spcBef>
+                <a:spcPts val="0"/>
+              </a:spcBef>
+              <a:buNone/>
+            </a:pPr>
+            <a:r>
+              <a:rPr lang="en-US" altLang="ja-JP" sz="2000" b="1" dirty="0"/>
+              <a:t>(1)</a:t>
+            </a:r>
+            <a:endParaRPr lang="en-US" altLang="ja-JP" sz="2000" b="1" dirty="0">
+              <a:solidFill>
+                <a:srgbClr val="2F5597"/>
+              </a:solidFill>
+            </a:endParaRPr>
+          </a:p>
+        </p:txBody>
+      </p:sp>
+      <p:sp>
+        <p:nvSpPr>
+          <p:cNvPr id="57" name="コンテンツ プレースホルダー 2">
+            <a:extLst>
+              <a:ext uri="{FF2B5EF4-FFF2-40B4-BE49-F238E27FC236}">
+                <a16:creationId xmlns:a16="http://schemas.microsoft.com/office/drawing/2014/main" id="{67DFEDAB-E4D0-DD4F-9A0F-901886DDE31B}"/>
+              </a:ext>
+            </a:extLst>
+          </p:cNvPr>
+          <p:cNvSpPr txBox="1">
+            <a:spLocks/>
+          </p:cNvSpPr>
+          <p:nvPr/>
+        </p:nvSpPr>
+        <p:spPr>
+          <a:xfrm>
+            <a:off x="3931119" y="1957280"/>
+            <a:ext cx="981884" cy="564812"/>
+          </a:xfrm>
+          <a:prstGeom prst="rect">
+            <a:avLst/>
+          </a:prstGeom>
+          <a:solidFill>
+            <a:schemeClr val="bg1"/>
+          </a:solidFill>
+        </p:spPr>
+        <p:txBody>
+          <a:bodyPr vert="horz" lIns="91440" tIns="45720" rIns="91440" bIns="45720" rtlCol="0">
+            <a:noAutofit/>
+          </a:bodyPr>
+          <a:lstStyle>
+            <a:lvl1pPr marL="228600" indent="-228600" algn="l" defTabSz="914400" rtl="0" eaLnBrk="1" latinLnBrk="0" hangingPunct="1">
+              <a:lnSpc>
+                <a:spcPct val="200000"/>
+              </a:lnSpc>
+              <a:spcBef>
+                <a:spcPts val="1000"/>
+              </a:spcBef>
+              <a:buFont typeface="Arial" panose="020B0604020202020204" pitchFamily="34" charset="0"/>
+              <a:buChar char="•"/>
+              <a:defRPr kumimoji="1" sz="3200" kern="1200">
+                <a:solidFill>
+                  <a:schemeClr val="tx1"/>
+                </a:solidFill>
+                <a:latin typeface="Meiryo" charset="-128"/>
+                <a:ea typeface="Meiryo" charset="-128"/>
+                <a:cs typeface="Meiryo" charset="-128"/>
+              </a:defRPr>
+            </a:lvl1pPr>
+            <a:lvl2pPr marL="685800" indent="-228600" algn="l" defTabSz="914400" rtl="0" eaLnBrk="1" latinLnBrk="0" hangingPunct="1">
+              <a:lnSpc>
+                <a:spcPct val="200000"/>
+              </a:lnSpc>
+              <a:spcBef>
+                <a:spcPts val="500"/>
+              </a:spcBef>
+              <a:buFont typeface="Arial" panose="020B0604020202020204" pitchFamily="34" charset="0"/>
+              <a:buChar char="•"/>
+              <a:defRPr kumimoji="1" sz="2800" kern="1200">
+                <a:solidFill>
+                  <a:schemeClr val="tx1"/>
+                </a:solidFill>
+                <a:latin typeface="Meiryo" charset="-128"/>
+                <a:ea typeface="Meiryo" charset="-128"/>
+                <a:cs typeface="Meiryo" charset="-128"/>
+              </a:defRPr>
+            </a:lvl2pPr>
+            <a:lvl3pPr marL="1143000" indent="-228600" algn="l" defTabSz="914400" rtl="0" eaLnBrk="1" latinLnBrk="0" hangingPunct="1">
+              <a:lnSpc>
+                <a:spcPct val="200000"/>
+              </a:lnSpc>
+              <a:spcBef>
+                <a:spcPts val="500"/>
+              </a:spcBef>
+              <a:buFont typeface="Arial" panose="020B0604020202020204" pitchFamily="34" charset="0"/>
+              <a:buChar char="•"/>
+              <a:defRPr kumimoji="1" sz="2400" kern="1200">
+                <a:solidFill>
+                  <a:schemeClr val="tx1"/>
+                </a:solidFill>
+                <a:latin typeface="Meiryo" charset="-128"/>
+                <a:ea typeface="Meiryo" charset="-128"/>
+                <a:cs typeface="Meiryo" charset="-128"/>
+              </a:defRPr>
+            </a:lvl3pPr>
+            <a:lvl4pPr marL="1600200" indent="-228600" algn="l" defTabSz="914400" rtl="0" eaLnBrk="1" latinLnBrk="0" hangingPunct="1">
+              <a:lnSpc>
+                <a:spcPct val="200000"/>
+              </a:lnSpc>
+              <a:spcBef>
+                <a:spcPts val="500"/>
+              </a:spcBef>
+              <a:buFont typeface="Arial" panose="020B0604020202020204" pitchFamily="34" charset="0"/>
+              <a:buChar char="•"/>
+              <a:defRPr kumimoji="1" sz="2000" kern="1200">
+                <a:solidFill>
+                  <a:schemeClr val="tx1"/>
+                </a:solidFill>
+                <a:latin typeface="Meiryo" charset="-128"/>
+                <a:ea typeface="Meiryo" charset="-128"/>
+                <a:cs typeface="Meiryo" charset="-128"/>
+              </a:defRPr>
+            </a:lvl4pPr>
+            <a:lvl5pPr marL="2057400" indent="-228600" algn="l" defTabSz="914400" rtl="0" eaLnBrk="1" latinLnBrk="0" hangingPunct="1">
+              <a:lnSpc>
+                <a:spcPct val="200000"/>
+              </a:lnSpc>
+              <a:spcBef>
+                <a:spcPts val="500"/>
+              </a:spcBef>
+              <a:buFont typeface="Arial" panose="020B0604020202020204" pitchFamily="34" charset="0"/>
+              <a:buChar char="•"/>
+              <a:defRPr kumimoji="1" sz="2000" kern="1200">
+                <a:solidFill>
+                  <a:schemeClr val="tx1"/>
+                </a:solidFill>
+                <a:latin typeface="Meiryo" charset="-128"/>
+                <a:ea typeface="Meiryo" charset="-128"/>
+                <a:cs typeface="Meiryo" charset="-128"/>
+              </a:defRPr>
+            </a:lvl5pPr>
+            <a:lvl6pPr marL="2514600" indent="-228600" algn="l" defTabSz="914400" rtl="0" eaLnBrk="1" latinLnBrk="0" hangingPunct="1">
+              <a:lnSpc>
+                <a:spcPct val="90000"/>
+              </a:lnSpc>
+              <a:spcBef>
+                <a:spcPts val="500"/>
+              </a:spcBef>
+              <a:buFont typeface="Arial" panose="020B0604020202020204" pitchFamily="34" charset="0"/>
+              <a:buChar char="•"/>
+              <a:defRPr kumimoji="1" sz="1800" kern="1200">
+                <a:solidFill>
+                  <a:schemeClr val="tx1"/>
+                </a:solidFill>
+                <a:latin typeface="+mn-lt"/>
+                <a:ea typeface="+mn-ea"/>
+                <a:cs typeface="+mn-cs"/>
+              </a:defRPr>
+            </a:lvl6pPr>
+            <a:lvl7pPr marL="2971800" indent="-228600" algn="l" defTabSz="914400" rtl="0" eaLnBrk="1" latinLnBrk="0" hangingPunct="1">
+              <a:lnSpc>
+                <a:spcPct val="90000"/>
+              </a:lnSpc>
+              <a:spcBef>
+                <a:spcPts val="500"/>
+              </a:spcBef>
+              <a:buFont typeface="Arial" panose="020B0604020202020204" pitchFamily="34" charset="0"/>
+              <a:buChar char="•"/>
+              <a:defRPr kumimoji="1" sz="1800" kern="1200">
+                <a:solidFill>
+                  <a:schemeClr val="tx1"/>
+                </a:solidFill>
+                <a:latin typeface="+mn-lt"/>
+                <a:ea typeface="+mn-ea"/>
+                <a:cs typeface="+mn-cs"/>
+              </a:defRPr>
+            </a:lvl7pPr>
+            <a:lvl8pPr marL="3429000" indent="-228600" algn="l" defTabSz="914400" rtl="0" eaLnBrk="1" latinLnBrk="0" hangingPunct="1">
+              <a:lnSpc>
+                <a:spcPct val="90000"/>
+              </a:lnSpc>
+              <a:spcBef>
+                <a:spcPts val="500"/>
+              </a:spcBef>
+              <a:buFont typeface="Arial" panose="020B0604020202020204" pitchFamily="34" charset="0"/>
+              <a:buChar char="•"/>
+              <a:defRPr kumimoji="1" sz="1800" kern="1200">
+                <a:solidFill>
+                  <a:schemeClr val="tx1"/>
+                </a:solidFill>
+                <a:latin typeface="+mn-lt"/>
+                <a:ea typeface="+mn-ea"/>
+                <a:cs typeface="+mn-cs"/>
+              </a:defRPr>
+            </a:lvl8pPr>
+            <a:lvl9pPr marL="3886200" indent="-228600" algn="l" defTabSz="914400" rtl="0" eaLnBrk="1" latinLnBrk="0" hangingPunct="1">
+              <a:lnSpc>
+                <a:spcPct val="90000"/>
+              </a:lnSpc>
+              <a:spcBef>
+                <a:spcPts val="500"/>
+              </a:spcBef>
+              <a:buFont typeface="Arial" panose="020B0604020202020204" pitchFamily="34" charset="0"/>
+              <a:buChar char="•"/>
+              <a:defRPr kumimoji="1" sz="1800" kern="1200">
+                <a:solidFill>
+                  <a:schemeClr val="tx1"/>
+                </a:solidFill>
+                <a:latin typeface="+mn-lt"/>
+                <a:ea typeface="+mn-ea"/>
+                <a:cs typeface="+mn-cs"/>
+              </a:defRPr>
+            </a:lvl9pPr>
+          </a:lstStyle>
+          <a:p>
+            <a:pPr marL="0" indent="0">
+              <a:spcBef>
+                <a:spcPts val="0"/>
+              </a:spcBef>
+              <a:buNone/>
+            </a:pPr>
+            <a:r>
+              <a:rPr lang="en-US" altLang="ja-JP" sz="2000" b="1" dirty="0"/>
+              <a:t>   (2)</a:t>
+            </a:r>
+            <a:endParaRPr lang="en-US" altLang="ja-JP" sz="2000" b="1" dirty="0">
+              <a:solidFill>
+                <a:srgbClr val="2F5597"/>
+              </a:solidFill>
+            </a:endParaRPr>
+          </a:p>
+        </p:txBody>
+      </p:sp>
+      <p:sp>
+        <p:nvSpPr>
+          <p:cNvPr id="58" name="コンテンツ プレースホルダー 2">
+            <a:extLst>
+              <a:ext uri="{FF2B5EF4-FFF2-40B4-BE49-F238E27FC236}">
+                <a16:creationId xmlns:a16="http://schemas.microsoft.com/office/drawing/2014/main" id="{64E9D08D-9F2F-0A4B-A781-D385A2EB1C4F}"/>
+              </a:ext>
+            </a:extLst>
+          </p:cNvPr>
+          <p:cNvSpPr txBox="1">
+            <a:spLocks/>
+          </p:cNvSpPr>
+          <p:nvPr/>
+        </p:nvSpPr>
+        <p:spPr>
+          <a:xfrm>
+            <a:off x="8080105" y="2398135"/>
+            <a:ext cx="703003" cy="564812"/>
+          </a:xfrm>
+          <a:prstGeom prst="rect">
+            <a:avLst/>
+          </a:prstGeom>
+          <a:solidFill>
+            <a:schemeClr val="bg1"/>
+          </a:solidFill>
+        </p:spPr>
+        <p:txBody>
+          <a:bodyPr vert="horz" lIns="91440" tIns="45720" rIns="91440" bIns="45720" rtlCol="0">
+            <a:noAutofit/>
+          </a:bodyPr>
+          <a:lstStyle>
+            <a:lvl1pPr marL="228600" indent="-228600" algn="l" defTabSz="914400" rtl="0" eaLnBrk="1" latinLnBrk="0" hangingPunct="1">
+              <a:lnSpc>
+                <a:spcPct val="200000"/>
+              </a:lnSpc>
+              <a:spcBef>
+                <a:spcPts val="1000"/>
+              </a:spcBef>
+              <a:buFont typeface="Arial" panose="020B0604020202020204" pitchFamily="34" charset="0"/>
+              <a:buChar char="•"/>
+              <a:defRPr kumimoji="1" sz="3200" kern="1200">
+                <a:solidFill>
+                  <a:schemeClr val="tx1"/>
+                </a:solidFill>
+                <a:latin typeface="Meiryo" charset="-128"/>
+                <a:ea typeface="Meiryo" charset="-128"/>
+                <a:cs typeface="Meiryo" charset="-128"/>
+              </a:defRPr>
+            </a:lvl1pPr>
+            <a:lvl2pPr marL="685800" indent="-228600" algn="l" defTabSz="914400" rtl="0" eaLnBrk="1" latinLnBrk="0" hangingPunct="1">
+              <a:lnSpc>
+                <a:spcPct val="200000"/>
+              </a:lnSpc>
+              <a:spcBef>
+                <a:spcPts val="500"/>
+              </a:spcBef>
+              <a:buFont typeface="Arial" panose="020B0604020202020204" pitchFamily="34" charset="0"/>
+              <a:buChar char="•"/>
+              <a:defRPr kumimoji="1" sz="2800" kern="1200">
+                <a:solidFill>
+                  <a:schemeClr val="tx1"/>
+                </a:solidFill>
+                <a:latin typeface="Meiryo" charset="-128"/>
+                <a:ea typeface="Meiryo" charset="-128"/>
+                <a:cs typeface="Meiryo" charset="-128"/>
+              </a:defRPr>
+            </a:lvl2pPr>
+            <a:lvl3pPr marL="1143000" indent="-228600" algn="l" defTabSz="914400" rtl="0" eaLnBrk="1" latinLnBrk="0" hangingPunct="1">
+              <a:lnSpc>
+                <a:spcPct val="200000"/>
+              </a:lnSpc>
+              <a:spcBef>
+                <a:spcPts val="500"/>
+              </a:spcBef>
+              <a:buFont typeface="Arial" panose="020B0604020202020204" pitchFamily="34" charset="0"/>
+              <a:buChar char="•"/>
+              <a:defRPr kumimoji="1" sz="2400" kern="1200">
+                <a:solidFill>
+                  <a:schemeClr val="tx1"/>
+                </a:solidFill>
+                <a:latin typeface="Meiryo" charset="-128"/>
+                <a:ea typeface="Meiryo" charset="-128"/>
+                <a:cs typeface="Meiryo" charset="-128"/>
+              </a:defRPr>
+            </a:lvl3pPr>
+            <a:lvl4pPr marL="1600200" indent="-228600" algn="l" defTabSz="914400" rtl="0" eaLnBrk="1" latinLnBrk="0" hangingPunct="1">
+              <a:lnSpc>
+                <a:spcPct val="200000"/>
+              </a:lnSpc>
+              <a:spcBef>
+                <a:spcPts val="500"/>
+              </a:spcBef>
+              <a:buFont typeface="Arial" panose="020B0604020202020204" pitchFamily="34" charset="0"/>
+              <a:buChar char="•"/>
+              <a:defRPr kumimoji="1" sz="2000" kern="1200">
+                <a:solidFill>
+                  <a:schemeClr val="tx1"/>
+                </a:solidFill>
+                <a:latin typeface="Meiryo" charset="-128"/>
+                <a:ea typeface="Meiryo" charset="-128"/>
+                <a:cs typeface="Meiryo" charset="-128"/>
+              </a:defRPr>
+            </a:lvl4pPr>
+            <a:lvl5pPr marL="2057400" indent="-228600" algn="l" defTabSz="914400" rtl="0" eaLnBrk="1" latinLnBrk="0" hangingPunct="1">
+              <a:lnSpc>
+                <a:spcPct val="200000"/>
+              </a:lnSpc>
+              <a:spcBef>
+                <a:spcPts val="500"/>
+              </a:spcBef>
+              <a:buFont typeface="Arial" panose="020B0604020202020204" pitchFamily="34" charset="0"/>
+              <a:buChar char="•"/>
+              <a:defRPr kumimoji="1" sz="2000" kern="1200">
+                <a:solidFill>
+                  <a:schemeClr val="tx1"/>
+                </a:solidFill>
+                <a:latin typeface="Meiryo" charset="-128"/>
+                <a:ea typeface="Meiryo" charset="-128"/>
+                <a:cs typeface="Meiryo" charset="-128"/>
+              </a:defRPr>
+            </a:lvl5pPr>
+            <a:lvl6pPr marL="2514600" indent="-228600" algn="l" defTabSz="914400" rtl="0" eaLnBrk="1" latinLnBrk="0" hangingPunct="1">
+              <a:lnSpc>
+                <a:spcPct val="90000"/>
+              </a:lnSpc>
+              <a:spcBef>
+                <a:spcPts val="500"/>
+              </a:spcBef>
+              <a:buFont typeface="Arial" panose="020B0604020202020204" pitchFamily="34" charset="0"/>
+              <a:buChar char="•"/>
+              <a:defRPr kumimoji="1" sz="1800" kern="1200">
+                <a:solidFill>
+                  <a:schemeClr val="tx1"/>
+                </a:solidFill>
+                <a:latin typeface="+mn-lt"/>
+                <a:ea typeface="+mn-ea"/>
+                <a:cs typeface="+mn-cs"/>
+              </a:defRPr>
+            </a:lvl6pPr>
+            <a:lvl7pPr marL="2971800" indent="-228600" algn="l" defTabSz="914400" rtl="0" eaLnBrk="1" latinLnBrk="0" hangingPunct="1">
+              <a:lnSpc>
+                <a:spcPct val="90000"/>
+              </a:lnSpc>
+              <a:spcBef>
+                <a:spcPts val="500"/>
+              </a:spcBef>
+              <a:buFont typeface="Arial" panose="020B0604020202020204" pitchFamily="34" charset="0"/>
+              <a:buChar char="•"/>
+              <a:defRPr kumimoji="1" sz="1800" kern="1200">
+                <a:solidFill>
+                  <a:schemeClr val="tx1"/>
+                </a:solidFill>
+                <a:latin typeface="+mn-lt"/>
+                <a:ea typeface="+mn-ea"/>
+                <a:cs typeface="+mn-cs"/>
+              </a:defRPr>
+            </a:lvl7pPr>
+            <a:lvl8pPr marL="3429000" indent="-228600" algn="l" defTabSz="914400" rtl="0" eaLnBrk="1" latinLnBrk="0" hangingPunct="1">
+              <a:lnSpc>
+                <a:spcPct val="90000"/>
+              </a:lnSpc>
+              <a:spcBef>
+                <a:spcPts val="500"/>
+              </a:spcBef>
+              <a:buFont typeface="Arial" panose="020B0604020202020204" pitchFamily="34" charset="0"/>
+              <a:buChar char="•"/>
+              <a:defRPr kumimoji="1" sz="1800" kern="1200">
+                <a:solidFill>
+                  <a:schemeClr val="tx1"/>
+                </a:solidFill>
+                <a:latin typeface="+mn-lt"/>
+                <a:ea typeface="+mn-ea"/>
+                <a:cs typeface="+mn-cs"/>
+              </a:defRPr>
+            </a:lvl8pPr>
+            <a:lvl9pPr marL="3886200" indent="-228600" algn="l" defTabSz="914400" rtl="0" eaLnBrk="1" latinLnBrk="0" hangingPunct="1">
+              <a:lnSpc>
+                <a:spcPct val="90000"/>
+              </a:lnSpc>
+              <a:spcBef>
+                <a:spcPts val="500"/>
+              </a:spcBef>
+              <a:buFont typeface="Arial" panose="020B0604020202020204" pitchFamily="34" charset="0"/>
+              <a:buChar char="•"/>
+              <a:defRPr kumimoji="1" sz="1800" kern="1200">
+                <a:solidFill>
+                  <a:schemeClr val="tx1"/>
+                </a:solidFill>
+                <a:latin typeface="+mn-lt"/>
+                <a:ea typeface="+mn-ea"/>
+                <a:cs typeface="+mn-cs"/>
+              </a:defRPr>
+            </a:lvl9pPr>
+          </a:lstStyle>
+          <a:p>
+            <a:pPr marL="0" indent="0">
+              <a:spcBef>
+                <a:spcPts val="0"/>
+              </a:spcBef>
+              <a:buNone/>
+            </a:pPr>
+            <a:r>
+              <a:rPr lang="en-US" altLang="ja-JP" sz="2000" b="1" dirty="0"/>
+              <a:t>  </a:t>
+            </a:r>
+            <a:endParaRPr lang="en-US" altLang="ja-JP" sz="2000" b="1" dirty="0">
+              <a:solidFill>
+                <a:srgbClr val="2F5597"/>
+              </a:solidFill>
+            </a:endParaRPr>
           </a:p>
         </p:txBody>
       </p:sp>
@@ -12772,7 +11505,7 @@
 </p:sld>
 </file>
 
-<file path=ppt/slides/slide7.xml><?xml version="1.0" encoding="utf-8"?>
+<file path=ppt/slides/slide6.xml><?xml version="1.0" encoding="utf-8"?>
 <p:sld xmlns:a="http://schemas.openxmlformats.org/drawingml/2006/main" xmlns:r="http://schemas.openxmlformats.org/officeDocument/2006/relationships" xmlns:p="http://schemas.openxmlformats.org/presentationml/2006/main">
   <p:cSld>
     <p:spTree>
@@ -13285,7 +12018,7 @@
 </p:sld>
 </file>
 
-<file path=ppt/slides/slide8.xml><?xml version="1.0" encoding="utf-8"?>
+<file path=ppt/slides/slide7.xml><?xml version="1.0" encoding="utf-8"?>
 <p:sld xmlns:a="http://schemas.openxmlformats.org/drawingml/2006/main" xmlns:r="http://schemas.openxmlformats.org/officeDocument/2006/relationships" xmlns:p="http://schemas.openxmlformats.org/presentationml/2006/main">
   <p:cSld>
     <p:spTree>
@@ -14081,7 +12814,7 @@
 </p:sld>
 </file>
 
-<file path=ppt/slides/slide9.xml><?xml version="1.0" encoding="utf-8"?>
+<file path=ppt/slides/slide8.xml><?xml version="1.0" encoding="utf-8"?>
 <p:sld xmlns:a="http://schemas.openxmlformats.org/drawingml/2006/main" xmlns:r="http://schemas.openxmlformats.org/officeDocument/2006/relationships" xmlns:p="http://schemas.openxmlformats.org/presentationml/2006/main">
   <p:cSld>
     <p:spTree>
@@ -14323,6 +13056,762 @@
     <p:extLst>
       <p:ext uri="{BB962C8B-B14F-4D97-AF65-F5344CB8AC3E}">
         <p14:creationId xmlns:p14="http://schemas.microsoft.com/office/powerpoint/2010/main" val="2760854736"/>
+      </p:ext>
+    </p:extLst>
+  </p:cSld>
+  <p:clrMapOvr>
+    <a:masterClrMapping/>
+  </p:clrMapOvr>
+</p:sld>
+</file>
+
+<file path=ppt/slides/slide9.xml><?xml version="1.0" encoding="utf-8"?>
+<p:sld xmlns:a="http://schemas.openxmlformats.org/drawingml/2006/main" xmlns:r="http://schemas.openxmlformats.org/officeDocument/2006/relationships" xmlns:p="http://schemas.openxmlformats.org/presentationml/2006/main">
+  <p:cSld>
+    <p:spTree>
+      <p:nvGrpSpPr>
+        <p:cNvPr id="1" name=""/>
+        <p:cNvGrpSpPr/>
+        <p:nvPr/>
+      </p:nvGrpSpPr>
+      <p:grpSpPr>
+        <a:xfrm>
+          <a:off x="0" y="0"/>
+          <a:ext cx="0" cy="0"/>
+          <a:chOff x="0" y="0"/>
+          <a:chExt cx="0" cy="0"/>
+        </a:xfrm>
+      </p:grpSpPr>
+      <p:sp>
+        <p:nvSpPr>
+          <p:cNvPr id="2" name="タイトル 1"/>
+          <p:cNvSpPr>
+            <a:spLocks noGrp="1"/>
+          </p:cNvSpPr>
+          <p:nvPr>
+            <p:ph type="title"/>
+          </p:nvPr>
+        </p:nvSpPr>
+        <p:spPr/>
+        <p:txBody>
+          <a:bodyPr/>
+          <a:lstStyle/>
+          <a:p>
+            <a:r>
+              <a:rPr lang="en-US" altLang="ja-JP" dirty="0"/>
+              <a:t>2</a:t>
+            </a:r>
+            <a:r>
+              <a:rPr lang="ja-JP" altLang="en-US" dirty="0"/>
+              <a:t>次元データに対するクラスタ数推定の結果</a:t>
+            </a:r>
+            <a:endParaRPr kumimoji="1" lang="ja-JP" altLang="en-US" dirty="0"/>
+          </a:p>
+        </p:txBody>
+      </p:sp>
+      <p:graphicFrame>
+        <p:nvGraphicFramePr>
+          <p:cNvPr id="4" name="表 3"/>
+          <p:cNvGraphicFramePr>
+            <a:graphicFrameLocks noGrp="1"/>
+          </p:cNvGraphicFramePr>
+          <p:nvPr>
+            <p:extLst>
+              <p:ext uri="{D42A27DB-BD31-4B8C-83A1-F6EECF244321}">
+                <p14:modId xmlns:p14="http://schemas.microsoft.com/office/powerpoint/2010/main" val="1744282604"/>
+              </p:ext>
+            </p:extLst>
+          </p:nvPr>
+        </p:nvGraphicFramePr>
+        <p:xfrm>
+          <a:off x="350572" y="1640449"/>
+          <a:ext cx="6810702" cy="2149991"/>
+        </p:xfrm>
+        <a:graphic>
+          <a:graphicData uri="http://schemas.openxmlformats.org/drawingml/2006/table">
+            <a:tbl>
+              <a:tblPr firstRow="1" bandRow="1">
+                <a:tableStyleId>{5C22544A-7EE6-4342-B048-85BDC9FD1C3A}</a:tableStyleId>
+              </a:tblPr>
+              <a:tblGrid>
+                <a:gridCol w="2270234">
+                  <a:extLst>
+                    <a:ext uri="{9D8B030D-6E8A-4147-A177-3AD203B41FA5}">
+                      <a16:colId xmlns:a16="http://schemas.microsoft.com/office/drawing/2014/main" val="20000"/>
+                    </a:ext>
+                  </a:extLst>
+                </a:gridCol>
+                <a:gridCol w="2270234">
+                  <a:extLst>
+                    <a:ext uri="{9D8B030D-6E8A-4147-A177-3AD203B41FA5}">
+                      <a16:colId xmlns:a16="http://schemas.microsoft.com/office/drawing/2014/main" val="20001"/>
+                    </a:ext>
+                  </a:extLst>
+                </a:gridCol>
+                <a:gridCol w="2270234">
+                  <a:extLst>
+                    <a:ext uri="{9D8B030D-6E8A-4147-A177-3AD203B41FA5}">
+                      <a16:colId xmlns:a16="http://schemas.microsoft.com/office/drawing/2014/main" val="20003"/>
+                    </a:ext>
+                  </a:extLst>
+                </a:gridCol>
+              </a:tblGrid>
+              <a:tr h="409903">
+                <a:tc>
+                  <a:txBody>
+                    <a:bodyPr/>
+                    <a:lstStyle/>
+                    <a:p>
+                      <a:pPr algn="ctr"/>
+                      <a:r>
+                        <a:rPr kumimoji="1" lang="ja-JP" altLang="en-US" b="0" dirty="0">
+                          <a:latin typeface="Meiryo" charset="-128"/>
+                          <a:ea typeface="Meiryo" charset="-128"/>
+                          <a:cs typeface="Meiryo" charset="-128"/>
+                        </a:rPr>
+                        <a:t>分割停止規準</a:t>
+                      </a:r>
+                    </a:p>
+                  </a:txBody>
+                  <a:tcPr anchor="ctr"/>
+                </a:tc>
+                <a:tc>
+                  <a:txBody>
+                    <a:bodyPr/>
+                    <a:lstStyle/>
+                    <a:p>
+                      <a:pPr marL="0" marR="0" indent="0" algn="ctr" defTabSz="914400" rtl="0" eaLnBrk="1" fontAlgn="auto" latinLnBrk="0" hangingPunct="1">
+                        <a:lnSpc>
+                          <a:spcPct val="100000"/>
+                        </a:lnSpc>
+                        <a:spcBef>
+                          <a:spcPts val="0"/>
+                        </a:spcBef>
+                        <a:spcAft>
+                          <a:spcPts val="0"/>
+                        </a:spcAft>
+                        <a:buClrTx/>
+                        <a:buSzTx/>
+                        <a:buFontTx/>
+                        <a:buNone/>
+                        <a:tabLst/>
+                        <a:defRPr/>
+                      </a:pPr>
+                      <a:r>
+                        <a:rPr kumimoji="1" lang="ja-JP" altLang="en-US" b="0" dirty="0">
+                          <a:latin typeface="Meiryo" charset="-128"/>
+                          <a:ea typeface="Meiryo" charset="-128"/>
+                          <a:cs typeface="Meiryo" charset="-128"/>
+                        </a:rPr>
+                        <a:t>クラスタ数</a:t>
+                      </a:r>
+                      <a:r>
+                        <a:rPr kumimoji="1" lang="en-US" altLang="ja-JP" b="0" dirty="0">
+                          <a:latin typeface="Meiryo" charset="-128"/>
+                          <a:ea typeface="Meiryo" charset="-128"/>
+                          <a:cs typeface="Meiryo" charset="-128"/>
+                        </a:rPr>
+                        <a:t> (</a:t>
+                      </a:r>
+                      <a:r>
+                        <a:rPr kumimoji="1" lang="ja-JP" altLang="en-US" b="0" dirty="0">
+                          <a:latin typeface="Meiryo" charset="-128"/>
+                          <a:ea typeface="Meiryo" charset="-128"/>
+                          <a:cs typeface="Meiryo" charset="-128"/>
+                        </a:rPr>
+                        <a:t>分散）</a:t>
+                      </a:r>
+                    </a:p>
+                  </a:txBody>
+                  <a:tcPr anchor="ctr"/>
+                </a:tc>
+                <a:tc>
+                  <a:txBody>
+                    <a:bodyPr/>
+                    <a:lstStyle/>
+                    <a:p>
+                      <a:pPr algn="ctr"/>
+                      <a:r>
+                        <a:rPr kumimoji="1" lang="en-US" altLang="ja-JP" b="0" dirty="0">
+                          <a:latin typeface="Meiryo" charset="-128"/>
+                          <a:ea typeface="Meiryo" charset="-128"/>
+                          <a:cs typeface="Meiryo" charset="-128"/>
+                        </a:rPr>
+                        <a:t>NMI</a:t>
+                      </a:r>
+                      <a:endParaRPr kumimoji="1" lang="ja-JP" altLang="en-US" b="0" dirty="0">
+                        <a:latin typeface="Meiryo" charset="-128"/>
+                        <a:ea typeface="Meiryo" charset="-128"/>
+                        <a:cs typeface="Meiryo" charset="-128"/>
+                      </a:endParaRPr>
+                    </a:p>
+                  </a:txBody>
+                  <a:tcPr anchor="ctr"/>
+                </a:tc>
+                <a:extLst>
+                  <a:ext uri="{0D108BD9-81ED-4DB2-BD59-A6C34878D82A}">
+                    <a16:rowId xmlns:a16="http://schemas.microsoft.com/office/drawing/2014/main" val="10000"/>
+                  </a:ext>
+                </a:extLst>
+              </a:tr>
+              <a:tr h="435022">
+                <a:tc>
+                  <a:txBody>
+                    <a:bodyPr/>
+                    <a:lstStyle/>
+                    <a:p>
+                      <a:pPr algn="ctr"/>
+                      <a:r>
+                        <a:rPr kumimoji="1" lang="en-US" altLang="ja-JP" b="0" dirty="0">
+                          <a:latin typeface="Meiryo" charset="-128"/>
+                          <a:ea typeface="Meiryo" charset="-128"/>
+                          <a:cs typeface="Meiryo" charset="-128"/>
+                        </a:rPr>
+                        <a:t>BIC</a:t>
+                      </a:r>
+                      <a:endParaRPr kumimoji="1" lang="ja-JP" altLang="en-US" b="0" dirty="0">
+                        <a:latin typeface="Meiryo" charset="-128"/>
+                        <a:ea typeface="Meiryo" charset="-128"/>
+                        <a:cs typeface="Meiryo" charset="-128"/>
+                      </a:endParaRPr>
+                    </a:p>
+                  </a:txBody>
+                  <a:tcPr anchor="ctr"/>
+                </a:tc>
+                <a:tc>
+                  <a:txBody>
+                    <a:bodyPr/>
+                    <a:lstStyle/>
+                    <a:p>
+                      <a:pPr algn="ctr"/>
+                      <a:r>
+                        <a:rPr kumimoji="1" lang="en-US" altLang="ja-JP" b="0" dirty="0">
+                          <a:latin typeface="Meiryo" charset="-128"/>
+                          <a:ea typeface="Meiryo" charset="-128"/>
+                          <a:cs typeface="Meiryo" charset="-128"/>
+                        </a:rPr>
+                        <a:t>4.58 (0.9836)</a:t>
+                      </a:r>
+                      <a:endParaRPr kumimoji="1" lang="ja-JP" altLang="en-US" b="0" dirty="0">
+                        <a:latin typeface="Meiryo" charset="-128"/>
+                        <a:ea typeface="Meiryo" charset="-128"/>
+                        <a:cs typeface="Meiryo" charset="-128"/>
+                      </a:endParaRPr>
+                    </a:p>
+                  </a:txBody>
+                  <a:tcPr anchor="ctr"/>
+                </a:tc>
+                <a:tc>
+                  <a:txBody>
+                    <a:bodyPr/>
+                    <a:lstStyle/>
+                    <a:p>
+                      <a:pPr algn="ctr"/>
+                      <a:r>
+                        <a:rPr kumimoji="1" lang="en-US" altLang="ja-JP" b="0" dirty="0">
+                          <a:latin typeface="Meiryo" charset="-128"/>
+                          <a:ea typeface="Meiryo" charset="-128"/>
+                          <a:cs typeface="Meiryo" charset="-128"/>
+                        </a:rPr>
+                        <a:t>0.88281495</a:t>
+                      </a:r>
+                      <a:endParaRPr kumimoji="1" lang="ja-JP" altLang="en-US" b="0" dirty="0">
+                        <a:latin typeface="Meiryo" charset="-128"/>
+                        <a:ea typeface="Meiryo" charset="-128"/>
+                        <a:cs typeface="Meiryo" charset="-128"/>
+                      </a:endParaRPr>
+                    </a:p>
+                  </a:txBody>
+                  <a:tcPr anchor="ctr"/>
+                </a:tc>
+                <a:extLst>
+                  <a:ext uri="{0D108BD9-81ED-4DB2-BD59-A6C34878D82A}">
+                    <a16:rowId xmlns:a16="http://schemas.microsoft.com/office/drawing/2014/main" val="10001"/>
+                  </a:ext>
+                </a:extLst>
+              </a:tr>
+              <a:tr h="435022">
+                <a:tc>
+                  <a:txBody>
+                    <a:bodyPr/>
+                    <a:lstStyle/>
+                    <a:p>
+                      <a:pPr algn="ctr"/>
+                      <a:r>
+                        <a:rPr kumimoji="1" lang="en-US" altLang="ja-JP" b="0" dirty="0" err="1">
+                          <a:latin typeface="Meiryo" charset="-128"/>
+                          <a:ea typeface="Meiryo" charset="-128"/>
+                          <a:cs typeface="Meiryo" charset="-128"/>
+                        </a:rPr>
+                        <a:t>cAIC</a:t>
+                      </a:r>
+                      <a:endParaRPr kumimoji="1" lang="ja-JP" altLang="en-US" b="0" dirty="0">
+                        <a:latin typeface="Meiryo" charset="-128"/>
+                        <a:ea typeface="Meiryo" charset="-128"/>
+                        <a:cs typeface="Meiryo" charset="-128"/>
+                      </a:endParaRPr>
+                    </a:p>
+                  </a:txBody>
+                  <a:tcPr anchor="ctr"/>
+                </a:tc>
+                <a:tc>
+                  <a:txBody>
+                    <a:bodyPr/>
+                    <a:lstStyle/>
+                    <a:p>
+                      <a:pPr algn="ctr"/>
+                      <a:r>
+                        <a:rPr kumimoji="1" lang="en-US" altLang="ja-JP" b="0" dirty="0">
+                          <a:latin typeface="Meiryo" charset="-128"/>
+                          <a:ea typeface="Meiryo" charset="-128"/>
+                          <a:cs typeface="Meiryo" charset="-128"/>
+                        </a:rPr>
+                        <a:t>4.55 (0.6475)</a:t>
+                      </a:r>
+                      <a:endParaRPr kumimoji="1" lang="ja-JP" altLang="en-US" b="0" dirty="0">
+                        <a:latin typeface="Meiryo" charset="-128"/>
+                        <a:ea typeface="Meiryo" charset="-128"/>
+                        <a:cs typeface="Meiryo" charset="-128"/>
+                      </a:endParaRPr>
+                    </a:p>
+                  </a:txBody>
+                  <a:tcPr anchor="ctr"/>
+                </a:tc>
+                <a:tc>
+                  <a:txBody>
+                    <a:bodyPr/>
+                    <a:lstStyle/>
+                    <a:p>
+                      <a:pPr algn="ctr"/>
+                      <a:r>
+                        <a:rPr kumimoji="1" lang="en-US" altLang="ja-JP" b="0" dirty="0">
+                          <a:latin typeface="Meiryo" charset="-128"/>
+                          <a:ea typeface="Meiryo" charset="-128"/>
+                          <a:cs typeface="Meiryo" charset="-128"/>
+                        </a:rPr>
+                        <a:t>0.89992544</a:t>
+                      </a:r>
+                      <a:endParaRPr kumimoji="1" lang="ja-JP" altLang="en-US" b="0" dirty="0">
+                        <a:latin typeface="Meiryo" charset="-128"/>
+                        <a:ea typeface="Meiryo" charset="-128"/>
+                        <a:cs typeface="Meiryo" charset="-128"/>
+                      </a:endParaRPr>
+                    </a:p>
+                  </a:txBody>
+                  <a:tcPr anchor="ctr"/>
+                </a:tc>
+                <a:extLst>
+                  <a:ext uri="{0D108BD9-81ED-4DB2-BD59-A6C34878D82A}">
+                    <a16:rowId xmlns:a16="http://schemas.microsoft.com/office/drawing/2014/main" val="10002"/>
+                  </a:ext>
+                </a:extLst>
+              </a:tr>
+              <a:tr h="435022">
+                <a:tc>
+                  <a:txBody>
+                    <a:bodyPr/>
+                    <a:lstStyle/>
+                    <a:p>
+                      <a:pPr algn="ctr"/>
+                      <a:r>
+                        <a:rPr kumimoji="1" lang="en-US" altLang="ja-JP" b="0" dirty="0">
+                          <a:latin typeface="Meiryo" charset="-128"/>
+                          <a:ea typeface="Meiryo" charset="-128"/>
+                          <a:cs typeface="Meiryo" charset="-128"/>
+                        </a:rPr>
+                        <a:t>AIC</a:t>
+                      </a:r>
+                      <a:endParaRPr kumimoji="1" lang="ja-JP" altLang="en-US" b="0" dirty="0">
+                        <a:latin typeface="Meiryo" charset="-128"/>
+                        <a:ea typeface="Meiryo" charset="-128"/>
+                        <a:cs typeface="Meiryo" charset="-128"/>
+                      </a:endParaRPr>
+                    </a:p>
+                  </a:txBody>
+                  <a:tcPr anchor="ctr"/>
+                </a:tc>
+                <a:tc>
+                  <a:txBody>
+                    <a:bodyPr/>
+                    <a:lstStyle/>
+                    <a:p>
+                      <a:pPr algn="ctr"/>
+                      <a:r>
+                        <a:rPr kumimoji="1" lang="en-US" altLang="ja-JP" b="0" dirty="0">
+                          <a:latin typeface="Meiryo" charset="-128"/>
+                          <a:ea typeface="Meiryo" charset="-128"/>
+                          <a:cs typeface="Meiryo" charset="-128"/>
+                        </a:rPr>
+                        <a:t>4.69 (3.8739)</a:t>
+                      </a:r>
+                      <a:endParaRPr kumimoji="1" lang="ja-JP" altLang="en-US" b="0" dirty="0">
+                        <a:latin typeface="Meiryo" charset="-128"/>
+                        <a:ea typeface="Meiryo" charset="-128"/>
+                        <a:cs typeface="Meiryo" charset="-128"/>
+                      </a:endParaRPr>
+                    </a:p>
+                  </a:txBody>
+                  <a:tcPr anchor="ctr"/>
+                </a:tc>
+                <a:tc>
+                  <a:txBody>
+                    <a:bodyPr/>
+                    <a:lstStyle/>
+                    <a:p>
+                      <a:pPr algn="ctr"/>
+                      <a:r>
+                        <a:rPr kumimoji="1" lang="en-US" altLang="ja-JP" b="0" dirty="0">
+                          <a:latin typeface="Meiryo" charset="-128"/>
+                          <a:ea typeface="Meiryo" charset="-128"/>
+                          <a:cs typeface="Meiryo" charset="-128"/>
+                        </a:rPr>
+                        <a:t>0.88147442</a:t>
+                      </a:r>
+                      <a:endParaRPr kumimoji="1" lang="ja-JP" altLang="en-US" b="0" dirty="0">
+                        <a:latin typeface="Meiryo" charset="-128"/>
+                        <a:ea typeface="Meiryo" charset="-128"/>
+                        <a:cs typeface="Meiryo" charset="-128"/>
+                      </a:endParaRPr>
+                    </a:p>
+                  </a:txBody>
+                  <a:tcPr anchor="ctr"/>
+                </a:tc>
+                <a:extLst>
+                  <a:ext uri="{0D108BD9-81ED-4DB2-BD59-A6C34878D82A}">
+                    <a16:rowId xmlns:a16="http://schemas.microsoft.com/office/drawing/2014/main" val="10003"/>
+                  </a:ext>
+                </a:extLst>
+              </a:tr>
+              <a:tr h="435022">
+                <a:tc>
+                  <a:txBody>
+                    <a:bodyPr/>
+                    <a:lstStyle/>
+                    <a:p>
+                      <a:pPr algn="ctr"/>
+                      <a:r>
+                        <a:rPr kumimoji="1" lang="ja-JP" altLang="en-US" b="0" dirty="0">
+                          <a:latin typeface="Meiryo" charset="-128"/>
+                          <a:ea typeface="Meiryo" charset="-128"/>
+                          <a:cs typeface="Meiryo" charset="-128"/>
+                        </a:rPr>
+                        <a:t>対数尤度関数</a:t>
+                      </a:r>
+                      <a:endParaRPr kumimoji="1" lang="en-US" altLang="ja-JP" b="0" dirty="0">
+                        <a:latin typeface="Meiryo" charset="-128"/>
+                        <a:ea typeface="Meiryo" charset="-128"/>
+                        <a:cs typeface="Meiryo" charset="-128"/>
+                      </a:endParaRPr>
+                    </a:p>
+                  </a:txBody>
+                  <a:tcPr anchor="ctr"/>
+                </a:tc>
+                <a:tc>
+                  <a:txBody>
+                    <a:bodyPr/>
+                    <a:lstStyle/>
+                    <a:p>
+                      <a:pPr algn="ctr"/>
+                      <a:r>
+                        <a:rPr kumimoji="1" lang="en-US" altLang="ja-JP" b="0" dirty="0">
+                          <a:latin typeface="Meiryo" charset="-128"/>
+                          <a:ea typeface="Meiryo" charset="-128"/>
+                          <a:cs typeface="Meiryo" charset="-128"/>
+                        </a:rPr>
+                        <a:t>5.32 (10.236)</a:t>
+                      </a:r>
+                      <a:endParaRPr kumimoji="1" lang="ja-JP" altLang="en-US" b="0" dirty="0">
+                        <a:latin typeface="Meiryo" charset="-128"/>
+                        <a:ea typeface="Meiryo" charset="-128"/>
+                        <a:cs typeface="Meiryo" charset="-128"/>
+                      </a:endParaRPr>
+                    </a:p>
+                  </a:txBody>
+                  <a:tcPr anchor="ctr"/>
+                </a:tc>
+                <a:tc>
+                  <a:txBody>
+                    <a:bodyPr/>
+                    <a:lstStyle/>
+                    <a:p>
+                      <a:pPr algn="ctr"/>
+                      <a:r>
+                        <a:rPr kumimoji="1" lang="en-US" altLang="ja-JP" b="0" dirty="0">
+                          <a:latin typeface="Meiryo" charset="-128"/>
+                          <a:ea typeface="Meiryo" charset="-128"/>
+                          <a:cs typeface="Meiryo" charset="-128"/>
+                        </a:rPr>
+                        <a:t>0.91572100</a:t>
+                      </a:r>
+                      <a:endParaRPr kumimoji="1" lang="ja-JP" altLang="en-US" b="0" dirty="0">
+                        <a:latin typeface="Meiryo" charset="-128"/>
+                        <a:ea typeface="Meiryo" charset="-128"/>
+                        <a:cs typeface="Meiryo" charset="-128"/>
+                      </a:endParaRPr>
+                    </a:p>
+                  </a:txBody>
+                  <a:tcPr anchor="ctr"/>
+                </a:tc>
+                <a:extLst>
+                  <a:ext uri="{0D108BD9-81ED-4DB2-BD59-A6C34878D82A}">
+                    <a16:rowId xmlns:a16="http://schemas.microsoft.com/office/drawing/2014/main" val="10004"/>
+                  </a:ext>
+                </a:extLst>
+              </a:tr>
+            </a:tbl>
+          </a:graphicData>
+        </a:graphic>
+      </p:graphicFrame>
+      <p:sp>
+        <p:nvSpPr>
+          <p:cNvPr id="11" name="コンテンツ プレースホルダー 2"/>
+          <p:cNvSpPr>
+            <a:spLocks noGrp="1"/>
+          </p:cNvSpPr>
+          <p:nvPr>
+            <p:ph idx="1"/>
+          </p:nvPr>
+        </p:nvSpPr>
+        <p:spPr>
+          <a:xfrm>
+            <a:off x="838200" y="4417395"/>
+            <a:ext cx="10515600" cy="2221044"/>
+          </a:xfrm>
+        </p:spPr>
+        <p:txBody>
+          <a:bodyPr/>
+          <a:lstStyle/>
+          <a:p>
+            <a:pPr>
+              <a:lnSpc>
+                <a:spcPct val="150000"/>
+              </a:lnSpc>
+              <a:spcBef>
+                <a:spcPts val="0"/>
+              </a:spcBef>
+            </a:pPr>
+            <a:r>
+              <a:rPr kumimoji="1" lang="en-US" altLang="ja-JP" dirty="0"/>
+              <a:t>BIC</a:t>
+            </a:r>
+            <a:r>
+              <a:rPr kumimoji="1" lang="ja-JP" altLang="en-US" dirty="0"/>
+              <a:t>と</a:t>
+            </a:r>
+            <a:r>
+              <a:rPr kumimoji="1" lang="en-US" altLang="ja-JP" dirty="0" err="1"/>
+              <a:t>cAIC</a:t>
+            </a:r>
+            <a:r>
+              <a:rPr kumimoji="1" lang="ja-JP" altLang="en-US" dirty="0"/>
+              <a:t>に大きな差はない</a:t>
+            </a:r>
+            <a:endParaRPr kumimoji="1" lang="en-US" altLang="ja-JP" dirty="0"/>
+          </a:p>
+          <a:p>
+            <a:pPr>
+              <a:lnSpc>
+                <a:spcPct val="150000"/>
+              </a:lnSpc>
+              <a:spcBef>
+                <a:spcPts val="0"/>
+              </a:spcBef>
+            </a:pPr>
+            <a:r>
+              <a:rPr lang="en-US" altLang="ja-JP" dirty="0"/>
+              <a:t>AIC</a:t>
+            </a:r>
+            <a:r>
+              <a:rPr lang="ja-JP" altLang="en-US" dirty="0"/>
+              <a:t>ではクラスタ数を過大に見積もることがある</a:t>
+            </a:r>
+            <a:endParaRPr lang="en-US" altLang="ja-JP" dirty="0"/>
+          </a:p>
+          <a:p>
+            <a:pPr lvl="1">
+              <a:lnSpc>
+                <a:spcPct val="150000"/>
+              </a:lnSpc>
+              <a:spcBef>
+                <a:spcPts val="0"/>
+              </a:spcBef>
+            </a:pPr>
+            <a:r>
+              <a:rPr kumimoji="1" lang="ja-JP" altLang="en-US" dirty="0"/>
+              <a:t>対数尤度関数を利用するよりは良い結果になっている</a:t>
+            </a:r>
+          </a:p>
+        </p:txBody>
+      </p:sp>
+      <p:pic>
+        <p:nvPicPr>
+          <p:cNvPr id="7" name="コンテンツ プレースホルダー 3">
+            <a:extLst>
+              <a:ext uri="{FF2B5EF4-FFF2-40B4-BE49-F238E27FC236}">
+                <a16:creationId xmlns:a16="http://schemas.microsoft.com/office/drawing/2014/main" id="{35DF72C0-0B2C-2D4C-A8DC-AF8CB8E564DF}"/>
+              </a:ext>
+            </a:extLst>
+          </p:cNvPr>
+          <p:cNvPicPr>
+            <a:picLocks noChangeAspect="1"/>
+          </p:cNvPicPr>
+          <p:nvPr/>
+        </p:nvPicPr>
+        <p:blipFill>
+          <a:blip r:embed="rId3">
+            <a:extLst>
+              <a:ext uri="{28A0092B-C50C-407E-A947-70E740481C1C}">
+                <a14:useLocalDpi xmlns:a14="http://schemas.microsoft.com/office/drawing/2010/main" val="0"/>
+              </a:ext>
+            </a:extLst>
+          </a:blip>
+          <a:stretch>
+            <a:fillRect/>
+          </a:stretch>
+        </p:blipFill>
+        <p:spPr>
+          <a:xfrm>
+            <a:off x="7519093" y="1013493"/>
+            <a:ext cx="4535256" cy="3403902"/>
+          </a:xfrm>
+          <a:prstGeom prst="rect">
+            <a:avLst/>
+          </a:prstGeom>
+        </p:spPr>
+      </p:pic>
+      <p:sp>
+        <p:nvSpPr>
+          <p:cNvPr id="3" name="テキスト ボックス 2">
+            <a:extLst>
+              <a:ext uri="{FF2B5EF4-FFF2-40B4-BE49-F238E27FC236}">
+                <a16:creationId xmlns:a16="http://schemas.microsoft.com/office/drawing/2014/main" id="{38C459BD-74CC-F640-9D15-83582EC7E262}"/>
+              </a:ext>
+            </a:extLst>
+          </p:cNvPr>
+          <p:cNvSpPr txBox="1"/>
+          <p:nvPr/>
+        </p:nvSpPr>
+        <p:spPr>
+          <a:xfrm>
+            <a:off x="5681382" y="3915612"/>
+            <a:ext cx="1479892" cy="307777"/>
+          </a:xfrm>
+          <a:prstGeom prst="rect">
+            <a:avLst/>
+          </a:prstGeom>
+          <a:noFill/>
+        </p:spPr>
+        <p:txBody>
+          <a:bodyPr wrap="none" rtlCol="0">
+            <a:spAutoFit/>
+          </a:bodyPr>
+          <a:lstStyle/>
+          <a:p>
+            <a:r>
+              <a:rPr kumimoji="1" lang="en-US" altLang="ja-JP" sz="1400" dirty="0">
+                <a:latin typeface="Meiryo" panose="020B0604030504040204" pitchFamily="34" charset="-128"/>
+                <a:ea typeface="Meiryo" panose="020B0604030504040204" pitchFamily="34" charset="-128"/>
+              </a:rPr>
+              <a:t>※</a:t>
+            </a:r>
+            <a:r>
+              <a:rPr kumimoji="1" lang="ja-JP" altLang="en-US" sz="1400" dirty="0">
+                <a:latin typeface="Meiryo" panose="020B0604030504040204" pitchFamily="34" charset="-128"/>
+                <a:ea typeface="Meiryo" panose="020B0604030504040204" pitchFamily="34" charset="-128"/>
+              </a:rPr>
+              <a:t> </a:t>
+            </a:r>
+            <a:r>
+              <a:rPr kumimoji="1" lang="en-US" altLang="ja-JP" sz="1400" dirty="0">
+                <a:latin typeface="Meiryo" panose="020B0604030504040204" pitchFamily="34" charset="-128"/>
+                <a:ea typeface="Meiryo" panose="020B0604030504040204" pitchFamily="34" charset="-128"/>
+              </a:rPr>
+              <a:t>100</a:t>
+            </a:r>
+            <a:r>
+              <a:rPr kumimoji="1" lang="ja-JP" altLang="en-US" sz="1400" dirty="0">
+                <a:latin typeface="Meiryo" panose="020B0604030504040204" pitchFamily="34" charset="-128"/>
+                <a:ea typeface="Meiryo" panose="020B0604030504040204" pitchFamily="34" charset="-128"/>
+              </a:rPr>
+              <a:t>回の平均</a:t>
+            </a:r>
+          </a:p>
+        </p:txBody>
+      </p:sp>
+      <p:sp>
+        <p:nvSpPr>
+          <p:cNvPr id="8" name="テキスト ボックス 7">
+            <a:extLst>
+              <a:ext uri="{FF2B5EF4-FFF2-40B4-BE49-F238E27FC236}">
+                <a16:creationId xmlns:a16="http://schemas.microsoft.com/office/drawing/2014/main" id="{6273A50E-AEDA-D745-8FEC-EFF6C4B853B1}"/>
+              </a:ext>
+            </a:extLst>
+          </p:cNvPr>
+          <p:cNvSpPr txBox="1"/>
+          <p:nvPr/>
+        </p:nvSpPr>
+        <p:spPr>
+          <a:xfrm>
+            <a:off x="8345141" y="4417395"/>
+            <a:ext cx="3573414" cy="307777"/>
+          </a:xfrm>
+          <a:prstGeom prst="rect">
+            <a:avLst/>
+          </a:prstGeom>
+          <a:noFill/>
+        </p:spPr>
+        <p:txBody>
+          <a:bodyPr wrap="none" rtlCol="0">
+            <a:spAutoFit/>
+          </a:bodyPr>
+          <a:lstStyle/>
+          <a:p>
+            <a:r>
+              <a:rPr lang="ja-JP" altLang="en-US" sz="1400" dirty="0">
+                <a:latin typeface="Meiryo" panose="020B0604030504040204" pitchFamily="34" charset="-128"/>
+                <a:ea typeface="Meiryo" panose="020B0604030504040204" pitchFamily="34" charset="-128"/>
+              </a:rPr>
+              <a:t>各クラスタ</a:t>
+            </a:r>
+            <a:r>
+              <a:rPr lang="en-US" altLang="ja-JP" sz="1400" dirty="0">
+                <a:latin typeface="Meiryo" panose="020B0604030504040204" pitchFamily="34" charset="-128"/>
+                <a:ea typeface="Meiryo" panose="020B0604030504040204" pitchFamily="34" charset="-128"/>
+              </a:rPr>
+              <a:t>500</a:t>
+            </a:r>
+            <a:r>
+              <a:rPr lang="ja-JP" altLang="en-US" sz="1400" dirty="0">
+                <a:latin typeface="Meiryo" panose="020B0604030504040204" pitchFamily="34" charset="-128"/>
+                <a:ea typeface="Meiryo" panose="020B0604030504040204" pitchFamily="34" charset="-128"/>
+              </a:rPr>
+              <a:t>個のデータ点・</a:t>
+            </a:r>
+            <a:r>
+              <a:rPr lang="en-US" altLang="ja-JP" sz="1400" dirty="0">
+                <a:latin typeface="Meiryo" panose="020B0604030504040204" pitchFamily="34" charset="-128"/>
+                <a:ea typeface="Meiryo" panose="020B0604030504040204" pitchFamily="34" charset="-128"/>
+              </a:rPr>
+              <a:t>5</a:t>
+            </a:r>
+            <a:r>
+              <a:rPr lang="ja-JP" altLang="en-US" sz="1400" dirty="0">
+                <a:latin typeface="Meiryo" panose="020B0604030504040204" pitchFamily="34" charset="-128"/>
+                <a:ea typeface="Meiryo" panose="020B0604030504040204" pitchFamily="34" charset="-128"/>
+              </a:rPr>
+              <a:t>クラスタ</a:t>
+            </a:r>
+            <a:endParaRPr kumimoji="1" lang="ja-JP" altLang="en-US" sz="1400" dirty="0">
+              <a:latin typeface="Meiryo" panose="020B0604030504040204" pitchFamily="34" charset="-128"/>
+              <a:ea typeface="Meiryo" panose="020B0604030504040204" pitchFamily="34" charset="-128"/>
+            </a:endParaRPr>
+          </a:p>
+        </p:txBody>
+      </p:sp>
+    </p:spTree>
+    <p:extLst>
+      <p:ext uri="{BB962C8B-B14F-4D97-AF65-F5344CB8AC3E}">
+        <p14:creationId xmlns:p14="http://schemas.microsoft.com/office/powerpoint/2010/main" val="297513584"/>
       </p:ext>
     </p:extLst>
   </p:cSld>
